--- a/数据分析报告.pptx
+++ b/数据分析报告.pptx
@@ -3,15 +3,28 @@
 <p:presentation xmlns:a="http://schemas.openxmlformats.org/drawingml/2006/main" xmlns:r="http://schemas.openxmlformats.org/officeDocument/2006/relationships" xmlns:p="http://schemas.openxmlformats.org/presentationml/2006/main" autoCompressPictures="0">
   <p:sldMasterIdLst>
     <p:sldMasterId id="2147483648" r:id="rId1"/>
+    <p:sldMasterId id="2147483671" r:id="rId2"/>
+    <p:sldMasterId id="2147483673" r:id="rId3"/>
+    <p:sldMasterId id="2147483675" r:id="rId4"/>
+    <p:sldMasterId id="2147483676" r:id="rId5"/>
+    <p:sldMasterId id="2147483677" r:id="rId6"/>
+    <p:sldMasterId id="2147483678" r:id="rId7"/>
+    <p:sldMasterId id="2147483679" r:id="rId8"/>
+    <p:sldMasterId id="2147483680" r:id="rId9"/>
   </p:sldMasterIdLst>
   <p:sldIdLst>
-    <p:sldId id="256" r:id="rId2"/>
-    <p:sldId id="257" r:id="rId3"/>
-    <p:sldId id="258" r:id="rId4"/>
-    <p:sldId id="259" r:id="rId5"/>
-    <p:sldId id="260" r:id="rId6"/>
-    <p:sldId id="261" r:id="rId7"/>
-    <p:sldId id="262" r:id="rId8"/>
+    <p:sldId id="256" r:id="rId10"/>
+    <p:sldId id="257" r:id="rId11"/>
+    <p:sldId id="258" r:id="rId12"/>
+    <p:sldId id="259" r:id="rId13"/>
+    <p:sldId id="260" r:id="rId14"/>
+    <p:sldId id="264" r:id="rId15"/>
+    <p:sldId id="263" r:id="rId16"/>
+    <p:sldId id="265" r:id="rId17"/>
+    <p:sldId id="266" r:id="rId18"/>
+    <p:sldId id="267" r:id="rId19"/>
+    <p:sldId id="261" r:id="rId20"/>
+    <p:sldId id="262" r:id="rId21"/>
   </p:sldIdLst>
   <p:sldSz cx="12192000" cy="6858000"/>
   <p:notesSz cx="6858000" cy="9144000"/>
@@ -304,7 +317,7 @@
           <a:p>
             <a:fld id="{4AAD347D-5ACD-4C99-B74B-A9C85AD731AF}" type="datetimeFigureOut">
               <a:rPr lang="en-US" dirty="0"/>
-              <a:t>3/22/2018</a:t>
+              <a:t>3/24/2018</a:t>
             </a:fld>
             <a:endParaRPr lang="en-US" dirty="0"/>
           </a:p>
@@ -574,7 +587,7 @@
           <a:p>
             <a:fld id="{4509A250-FF31-4206-8172-F9D3106AACB1}" type="datetimeFigureOut">
               <a:rPr lang="en-US" dirty="0"/>
-              <a:t>3/22/2018</a:t>
+              <a:t>3/24/2018</a:t>
             </a:fld>
             <a:endParaRPr lang="en-US" dirty="0"/>
           </a:p>
@@ -763,7 +776,7 @@
           <a:p>
             <a:fld id="{4509A250-FF31-4206-8172-F9D3106AACB1}" type="datetimeFigureOut">
               <a:rPr lang="en-US" dirty="0"/>
-              <a:t>3/22/2018</a:t>
+              <a:t>3/24/2018</a:t>
             </a:fld>
             <a:endParaRPr lang="en-US" dirty="0"/>
           </a:p>
@@ -1031,7 +1044,7 @@
           <a:p>
             <a:fld id="{4509A250-FF31-4206-8172-F9D3106AACB1}" type="datetimeFigureOut">
               <a:rPr lang="en-US" dirty="0"/>
-              <a:t>3/22/2018</a:t>
+              <a:t>3/24/2018</a:t>
             </a:fld>
             <a:endParaRPr lang="en-US" dirty="0"/>
           </a:p>
@@ -1367,7 +1380,7 @@
           <a:p>
             <a:fld id="{4509A250-FF31-4206-8172-F9D3106AACB1}" type="datetimeFigureOut">
               <a:rPr lang="en-US" dirty="0"/>
-              <a:t>3/22/2018</a:t>
+              <a:t>3/24/2018</a:t>
             </a:fld>
             <a:endParaRPr lang="en-US" dirty="0"/>
           </a:p>
@@ -1985,7 +1998,7 @@
           <a:p>
             <a:fld id="{4509A250-FF31-4206-8172-F9D3106AACB1}" type="datetimeFigureOut">
               <a:rPr lang="en-US" dirty="0"/>
-              <a:t>3/22/2018</a:t>
+              <a:t>3/24/2018</a:t>
             </a:fld>
             <a:endParaRPr lang="en-US" dirty="0"/>
           </a:p>
@@ -2840,7 +2853,7 @@
           <a:p>
             <a:fld id="{4509A250-FF31-4206-8172-F9D3106AACB1}" type="datetimeFigureOut">
               <a:rPr lang="en-US" dirty="0"/>
-              <a:t>3/22/2018</a:t>
+              <a:t>3/24/2018</a:t>
             </a:fld>
             <a:endParaRPr lang="en-US" dirty="0"/>
           </a:p>
@@ -3005,7 +3018,7 @@
           <a:p>
             <a:fld id="{4509A250-FF31-4206-8172-F9D3106AACB1}" type="datetimeFigureOut">
               <a:rPr lang="en-US" dirty="0"/>
-              <a:t>3/22/2018</a:t>
+              <a:t>3/24/2018</a:t>
             </a:fld>
             <a:endParaRPr lang="en-US" dirty="0"/>
           </a:p>
@@ -3180,7 +3193,7 @@
           <a:p>
             <a:fld id="{4509A250-FF31-4206-8172-F9D3106AACB1}" type="datetimeFigureOut">
               <a:rPr lang="en-US" dirty="0"/>
-              <a:t>3/22/2018</a:t>
+              <a:t>3/24/2018</a:t>
             </a:fld>
             <a:endParaRPr lang="en-US" dirty="0"/>
           </a:p>
@@ -3222,6 +3235,264 @@
           <a:p>
             <a:fld id="{D57F1E4F-1CFF-5643-939E-02111984F565}" type="slidenum">
               <a:rPr lang="en-US" dirty="0"/>
+              <a:t>‹#›</a:t>
+            </a:fld>
+            <a:endParaRPr lang="en-US" dirty="0"/>
+          </a:p>
+        </p:txBody>
+      </p:sp>
+    </p:spTree>
+  </p:cSld>
+  <p:clrMapOvr>
+    <a:masterClrMapping/>
+  </p:clrMapOvr>
+</p:sldLayout>
+</file>
+
+<file path=ppt/slideLayouts/slideLayout18.xml><?xml version="1.0" encoding="utf-8"?>
+<p:sldLayout xmlns:a="http://schemas.openxmlformats.org/drawingml/2006/main" xmlns:r="http://schemas.openxmlformats.org/officeDocument/2006/relationships" xmlns:p="http://schemas.openxmlformats.org/presentationml/2006/main" type="tx">
+  <p:cSld>
+    <p:spTree>
+      <p:nvGrpSpPr>
+        <p:cNvPr id="1" name=""/>
+        <p:cNvGrpSpPr/>
+        <p:nvPr/>
+      </p:nvGrpSpPr>
+      <p:grpSpPr>
+        <a:xfrm>
+          <a:off x="0" y="0"/>
+          <a:ext cx="0" cy="0"/>
+          <a:chOff x="0" y="0"/>
+          <a:chExt cx="0" cy="0"/>
+        </a:xfrm>
+      </p:grpSpPr>
+    </p:spTree>
+  </p:cSld>
+  <p:clrMapOvr>
+    <a:masterClrMapping/>
+  </p:clrMapOvr>
+</p:sldLayout>
+</file>
+
+<file path=ppt/slideLayouts/slideLayout19.xml><?xml version="1.0" encoding="utf-8"?>
+<p:sldLayout xmlns:a="http://schemas.openxmlformats.org/drawingml/2006/main" xmlns:r="http://schemas.openxmlformats.org/officeDocument/2006/relationships" xmlns:p="http://schemas.openxmlformats.org/presentationml/2006/main" type="tx">
+  <p:cSld>
+    <p:spTree>
+      <p:nvGrpSpPr>
+        <p:cNvPr id="1" name=""/>
+        <p:cNvGrpSpPr/>
+        <p:nvPr/>
+      </p:nvGrpSpPr>
+      <p:grpSpPr>
+        <a:xfrm>
+          <a:off x="0" y="0"/>
+          <a:ext cx="0" cy="0"/>
+          <a:chOff x="0" y="0"/>
+          <a:chExt cx="0" cy="0"/>
+        </a:xfrm>
+      </p:grpSpPr>
+      <p:sp>
+        <p:nvSpPr>
+          <p:cNvPr id="2" name="标题 1">
+            <a:extLst>
+              <a:ext uri="{FF2B5EF4-FFF2-40B4-BE49-F238E27FC236}">
+                <a16:creationId xmlns:a16="http://schemas.microsoft.com/office/drawing/2014/main" id="{6BDB3622-B473-4D48-962E-8F518C237E7C}"/>
+              </a:ext>
+            </a:extLst>
+          </p:cNvPr>
+          <p:cNvSpPr>
+            <a:spLocks noGrp="1"/>
+          </p:cNvSpPr>
+          <p:nvPr>
+            <p:ph type="title"/>
+          </p:nvPr>
+        </p:nvSpPr>
+        <p:spPr>
+          <a:xfrm>
+            <a:off x="646111" y="452718"/>
+            <a:ext cx="9404723" cy="1400530"/>
+          </a:xfrm>
+          <a:prstGeom prst="rect">
+            <a:avLst/>
+          </a:prstGeom>
+        </p:spPr>
+        <p:txBody>
+          <a:bodyPr/>
+          <a:lstStyle/>
+          <a:p>
+            <a:r>
+              <a:rPr lang="zh-CN" altLang="en-US"/>
+              <a:t>单击此处编辑母版标题样式</a:t>
+            </a:r>
+          </a:p>
+        </p:txBody>
+      </p:sp>
+      <p:sp>
+        <p:nvSpPr>
+          <p:cNvPr id="3" name="文本占位符 2">
+            <a:extLst>
+              <a:ext uri="{FF2B5EF4-FFF2-40B4-BE49-F238E27FC236}">
+                <a16:creationId xmlns:a16="http://schemas.microsoft.com/office/drawing/2014/main" id="{AC8269CA-2A86-4205-BB27-93B3C43CA8B1}"/>
+              </a:ext>
+            </a:extLst>
+          </p:cNvPr>
+          <p:cNvSpPr>
+            <a:spLocks noGrp="1"/>
+          </p:cNvSpPr>
+          <p:nvPr>
+            <p:ph type="body" idx="1"/>
+          </p:nvPr>
+        </p:nvSpPr>
+        <p:spPr>
+          <a:xfrm>
+            <a:off x="1103312" y="2052918"/>
+            <a:ext cx="8946541" cy="4195481"/>
+          </a:xfrm>
+          <a:prstGeom prst="rect">
+            <a:avLst/>
+          </a:prstGeom>
+        </p:spPr>
+        <p:txBody>
+          <a:bodyPr/>
+          <a:lstStyle/>
+          <a:p>
+            <a:pPr lvl="0"/>
+            <a:r>
+              <a:rPr lang="zh-CN" altLang="en-US"/>
+              <a:t>编辑母版文本样式</a:t>
+            </a:r>
+          </a:p>
+          <a:p>
+            <a:pPr lvl="1"/>
+            <a:r>
+              <a:rPr lang="zh-CN" altLang="en-US"/>
+              <a:t>第二级</a:t>
+            </a:r>
+          </a:p>
+          <a:p>
+            <a:pPr lvl="2"/>
+            <a:r>
+              <a:rPr lang="zh-CN" altLang="en-US"/>
+              <a:t>第三级</a:t>
+            </a:r>
+          </a:p>
+          <a:p>
+            <a:pPr lvl="3"/>
+            <a:r>
+              <a:rPr lang="zh-CN" altLang="en-US"/>
+              <a:t>第四级</a:t>
+            </a:r>
+          </a:p>
+          <a:p>
+            <a:pPr lvl="4"/>
+            <a:r>
+              <a:rPr lang="zh-CN" altLang="en-US"/>
+              <a:t>第五级</a:t>
+            </a:r>
+          </a:p>
+        </p:txBody>
+      </p:sp>
+      <p:sp>
+        <p:nvSpPr>
+          <p:cNvPr id="4" name="日期占位符 3">
+            <a:extLst>
+              <a:ext uri="{FF2B5EF4-FFF2-40B4-BE49-F238E27FC236}">
+                <a16:creationId xmlns:a16="http://schemas.microsoft.com/office/drawing/2014/main" id="{C1FBE38A-D8B1-4E2D-A2C0-DF0F6608F46D}"/>
+              </a:ext>
+            </a:extLst>
+          </p:cNvPr>
+          <p:cNvSpPr>
+            <a:spLocks noGrp="1"/>
+          </p:cNvSpPr>
+          <p:nvPr>
+            <p:ph type="dt" sz="half" idx="10"/>
+          </p:nvPr>
+        </p:nvSpPr>
+        <p:spPr>
+          <a:xfrm rot="5400000">
+            <a:off x="10155639" y="1790701"/>
+            <a:ext cx="990599" cy="304799"/>
+          </a:xfrm>
+          <a:prstGeom prst="rect">
+            <a:avLst/>
+          </a:prstGeom>
+        </p:spPr>
+        <p:txBody>
+          <a:bodyPr/>
+          <a:lstStyle/>
+          <a:p>
+            <a:fld id="{4AAD347D-5ACD-4C99-B74B-A9C85AD731AF}" type="datetimeFigureOut">
+              <a:rPr lang="en-US" smtClean="0"/>
+              <a:t>3/24/2018</a:t>
+            </a:fld>
+            <a:endParaRPr lang="en-US" dirty="0"/>
+          </a:p>
+        </p:txBody>
+      </p:sp>
+      <p:sp>
+        <p:nvSpPr>
+          <p:cNvPr id="5" name="页脚占位符 4">
+            <a:extLst>
+              <a:ext uri="{FF2B5EF4-FFF2-40B4-BE49-F238E27FC236}">
+                <a16:creationId xmlns:a16="http://schemas.microsoft.com/office/drawing/2014/main" id="{22CAC778-75CB-49EB-9272-DCDE2576A8A8}"/>
+              </a:ext>
+            </a:extLst>
+          </p:cNvPr>
+          <p:cNvSpPr>
+            <a:spLocks noGrp="1"/>
+          </p:cNvSpPr>
+          <p:nvPr>
+            <p:ph type="ftr" sz="quarter" idx="11"/>
+          </p:nvPr>
+        </p:nvSpPr>
+        <p:spPr>
+          <a:xfrm rot="5400000">
+            <a:off x="8951573" y="3225297"/>
+            <a:ext cx="3859795" cy="304801"/>
+          </a:xfrm>
+          <a:prstGeom prst="rect">
+            <a:avLst/>
+          </a:prstGeom>
+        </p:spPr>
+        <p:txBody>
+          <a:bodyPr/>
+          <a:lstStyle/>
+          <a:p>
+            <a:endParaRPr lang="en-US" dirty="0"/>
+          </a:p>
+        </p:txBody>
+      </p:sp>
+      <p:sp>
+        <p:nvSpPr>
+          <p:cNvPr id="6" name="灯片编号占位符 5">
+            <a:extLst>
+              <a:ext uri="{FF2B5EF4-FFF2-40B4-BE49-F238E27FC236}">
+                <a16:creationId xmlns:a16="http://schemas.microsoft.com/office/drawing/2014/main" id="{4E5ADA87-42D4-4CF1-BA24-0F73B3EB60DA}"/>
+              </a:ext>
+            </a:extLst>
+          </p:cNvPr>
+          <p:cNvSpPr>
+            <a:spLocks noGrp="1"/>
+          </p:cNvSpPr>
+          <p:nvPr>
+            <p:ph type="sldNum" sz="quarter" idx="12"/>
+          </p:nvPr>
+        </p:nvSpPr>
+        <p:spPr>
+          <a:xfrm>
+            <a:off x="10352540" y="295729"/>
+            <a:ext cx="838199" cy="767687"/>
+          </a:xfrm>
+          <a:prstGeom prst="rect">
+            <a:avLst/>
+          </a:prstGeom>
+        </p:spPr>
+        <p:txBody>
+          <a:bodyPr/>
+          <a:lstStyle/>
+          <a:p>
+            <a:fld id="{D57F1E4F-1CFF-5643-939E-02111984F565}" type="slidenum">
+              <a:rPr lang="en-US" smtClean="0"/>
               <a:t>‹#›</a:t>
             </a:fld>
             <a:endParaRPr lang="en-US" dirty="0"/>
@@ -3345,7 +3616,7 @@
           <a:p>
             <a:fld id="{4509A250-FF31-4206-8172-F9D3106AACB1}" type="datetimeFigureOut">
               <a:rPr lang="en-US" dirty="0"/>
-              <a:t>3/22/2018</a:t>
+              <a:t>3/24/2018</a:t>
             </a:fld>
             <a:endParaRPr lang="en-US" dirty="0"/>
           </a:p>
@@ -3387,6 +3658,239 @@
           <a:p>
             <a:fld id="{D57F1E4F-1CFF-5643-939E-02111984F565}" type="slidenum">
               <a:rPr lang="en-US" dirty="0"/>
+              <a:t>‹#›</a:t>
+            </a:fld>
+            <a:endParaRPr lang="en-US" dirty="0"/>
+          </a:p>
+        </p:txBody>
+      </p:sp>
+    </p:spTree>
+  </p:cSld>
+  <p:clrMapOvr>
+    <a:masterClrMapping/>
+  </p:clrMapOvr>
+</p:sldLayout>
+</file>
+
+<file path=ppt/slideLayouts/slideLayout20.xml><?xml version="1.0" encoding="utf-8"?>
+<p:sldLayout xmlns:a="http://schemas.openxmlformats.org/drawingml/2006/main" xmlns:r="http://schemas.openxmlformats.org/officeDocument/2006/relationships" xmlns:p="http://schemas.openxmlformats.org/presentationml/2006/main" type="tx">
+  <p:cSld>
+    <p:spTree>
+      <p:nvGrpSpPr>
+        <p:cNvPr id="1" name=""/>
+        <p:cNvGrpSpPr/>
+        <p:nvPr/>
+      </p:nvGrpSpPr>
+      <p:grpSpPr>
+        <a:xfrm>
+          <a:off x="0" y="0"/>
+          <a:ext cx="0" cy="0"/>
+          <a:chOff x="0" y="0"/>
+          <a:chExt cx="0" cy="0"/>
+        </a:xfrm>
+      </p:grpSpPr>
+      <p:sp>
+        <p:nvSpPr>
+          <p:cNvPr id="2" name="标题 1">
+            <a:extLst>
+              <a:ext uri="{FF2B5EF4-FFF2-40B4-BE49-F238E27FC236}">
+                <a16:creationId xmlns:a16="http://schemas.microsoft.com/office/drawing/2014/main" id="{6B1F967F-B9A6-44FE-8677-C54456E98A73}"/>
+              </a:ext>
+            </a:extLst>
+          </p:cNvPr>
+          <p:cNvSpPr>
+            <a:spLocks noGrp="1"/>
+          </p:cNvSpPr>
+          <p:nvPr>
+            <p:ph type="title"/>
+          </p:nvPr>
+        </p:nvSpPr>
+        <p:spPr>
+          <a:xfrm>
+            <a:off x="646111" y="452718"/>
+            <a:ext cx="9404723" cy="1400530"/>
+          </a:xfrm>
+          <a:prstGeom prst="rect">
+            <a:avLst/>
+          </a:prstGeom>
+        </p:spPr>
+        <p:txBody>
+          <a:bodyPr/>
+          <a:lstStyle/>
+          <a:p>
+            <a:r>
+              <a:rPr lang="zh-CN" altLang="en-US"/>
+              <a:t>单击此处编辑母版标题样式</a:t>
+            </a:r>
+          </a:p>
+        </p:txBody>
+      </p:sp>
+      <p:sp>
+        <p:nvSpPr>
+          <p:cNvPr id="3" name="文本占位符 2">
+            <a:extLst>
+              <a:ext uri="{FF2B5EF4-FFF2-40B4-BE49-F238E27FC236}">
+                <a16:creationId xmlns:a16="http://schemas.microsoft.com/office/drawing/2014/main" id="{12FBCFD4-DF72-4502-BAC5-D6769F51A146}"/>
+              </a:ext>
+            </a:extLst>
+          </p:cNvPr>
+          <p:cNvSpPr>
+            <a:spLocks noGrp="1"/>
+          </p:cNvSpPr>
+          <p:nvPr>
+            <p:ph type="body" idx="1"/>
+          </p:nvPr>
+        </p:nvSpPr>
+        <p:spPr>
+          <a:xfrm>
+            <a:off x="1103312" y="2052918"/>
+            <a:ext cx="8946541" cy="4195481"/>
+          </a:xfrm>
+          <a:prstGeom prst="rect">
+            <a:avLst/>
+          </a:prstGeom>
+        </p:spPr>
+        <p:txBody>
+          <a:bodyPr/>
+          <a:lstStyle/>
+          <a:p>
+            <a:pPr lvl="0"/>
+            <a:r>
+              <a:rPr lang="zh-CN" altLang="en-US"/>
+              <a:t>编辑母版文本样式</a:t>
+            </a:r>
+          </a:p>
+          <a:p>
+            <a:pPr lvl="1"/>
+            <a:r>
+              <a:rPr lang="zh-CN" altLang="en-US"/>
+              <a:t>第二级</a:t>
+            </a:r>
+          </a:p>
+          <a:p>
+            <a:pPr lvl="2"/>
+            <a:r>
+              <a:rPr lang="zh-CN" altLang="en-US"/>
+              <a:t>第三级</a:t>
+            </a:r>
+          </a:p>
+          <a:p>
+            <a:pPr lvl="3"/>
+            <a:r>
+              <a:rPr lang="zh-CN" altLang="en-US"/>
+              <a:t>第四级</a:t>
+            </a:r>
+          </a:p>
+          <a:p>
+            <a:pPr lvl="4"/>
+            <a:r>
+              <a:rPr lang="zh-CN" altLang="en-US"/>
+              <a:t>第五级</a:t>
+            </a:r>
+          </a:p>
+        </p:txBody>
+      </p:sp>
+      <p:sp>
+        <p:nvSpPr>
+          <p:cNvPr id="4" name="日期占位符 3">
+            <a:extLst>
+              <a:ext uri="{FF2B5EF4-FFF2-40B4-BE49-F238E27FC236}">
+                <a16:creationId xmlns:a16="http://schemas.microsoft.com/office/drawing/2014/main" id="{4C2D9C4E-9CF4-49B3-AA7C-A545C555F76F}"/>
+              </a:ext>
+            </a:extLst>
+          </p:cNvPr>
+          <p:cNvSpPr>
+            <a:spLocks noGrp="1"/>
+          </p:cNvSpPr>
+          <p:nvPr>
+            <p:ph type="dt" sz="half" idx="10"/>
+          </p:nvPr>
+        </p:nvSpPr>
+        <p:spPr>
+          <a:xfrm rot="5400000">
+            <a:off x="10155639" y="1790701"/>
+            <a:ext cx="990599" cy="304799"/>
+          </a:xfrm>
+          <a:prstGeom prst="rect">
+            <a:avLst/>
+          </a:prstGeom>
+        </p:spPr>
+        <p:txBody>
+          <a:bodyPr/>
+          <a:lstStyle/>
+          <a:p>
+            <a:fld id="{4AAD347D-5ACD-4C99-B74B-A9C85AD731AF}" type="datetimeFigureOut">
+              <a:rPr lang="en-US" smtClean="0"/>
+              <a:t>3/24/2018</a:t>
+            </a:fld>
+            <a:endParaRPr lang="en-US" dirty="0"/>
+          </a:p>
+        </p:txBody>
+      </p:sp>
+      <p:sp>
+        <p:nvSpPr>
+          <p:cNvPr id="5" name="页脚占位符 4">
+            <a:extLst>
+              <a:ext uri="{FF2B5EF4-FFF2-40B4-BE49-F238E27FC236}">
+                <a16:creationId xmlns:a16="http://schemas.microsoft.com/office/drawing/2014/main" id="{CB3A78DF-1EAC-4BBE-9FDF-0FF8CDCE3E1E}"/>
+              </a:ext>
+            </a:extLst>
+          </p:cNvPr>
+          <p:cNvSpPr>
+            <a:spLocks noGrp="1"/>
+          </p:cNvSpPr>
+          <p:nvPr>
+            <p:ph type="ftr" sz="quarter" idx="11"/>
+          </p:nvPr>
+        </p:nvSpPr>
+        <p:spPr>
+          <a:xfrm rot="5400000">
+            <a:off x="8951573" y="3225297"/>
+            <a:ext cx="3859795" cy="304801"/>
+          </a:xfrm>
+          <a:prstGeom prst="rect">
+            <a:avLst/>
+          </a:prstGeom>
+        </p:spPr>
+        <p:txBody>
+          <a:bodyPr/>
+          <a:lstStyle/>
+          <a:p>
+            <a:endParaRPr lang="en-US" dirty="0"/>
+          </a:p>
+        </p:txBody>
+      </p:sp>
+      <p:sp>
+        <p:nvSpPr>
+          <p:cNvPr id="6" name="灯片编号占位符 5">
+            <a:extLst>
+              <a:ext uri="{FF2B5EF4-FFF2-40B4-BE49-F238E27FC236}">
+                <a16:creationId xmlns:a16="http://schemas.microsoft.com/office/drawing/2014/main" id="{C9E50CF7-5AB9-429F-B956-EB1043455B88}"/>
+              </a:ext>
+            </a:extLst>
+          </p:cNvPr>
+          <p:cNvSpPr>
+            <a:spLocks noGrp="1"/>
+          </p:cNvSpPr>
+          <p:nvPr>
+            <p:ph type="sldNum" sz="quarter" idx="12"/>
+          </p:nvPr>
+        </p:nvSpPr>
+        <p:spPr>
+          <a:xfrm>
+            <a:off x="10352540" y="295729"/>
+            <a:ext cx="838199" cy="767687"/>
+          </a:xfrm>
+          <a:prstGeom prst="rect">
+            <a:avLst/>
+          </a:prstGeom>
+        </p:spPr>
+        <p:txBody>
+          <a:bodyPr/>
+          <a:lstStyle/>
+          <a:p>
+            <a:fld id="{D57F1E4F-1CFF-5643-939E-02111984F565}" type="slidenum">
+              <a:rPr lang="en-US" smtClean="0"/>
               <a:t>‹#›</a:t>
             </a:fld>
             <a:endParaRPr lang="en-US" dirty="0"/>
@@ -3587,7 +4091,7 @@
           <a:p>
             <a:fld id="{9796027F-7875-4030-9381-8BD8C4F21935}" type="datetimeFigureOut">
               <a:rPr lang="en-US" dirty="0"/>
-              <a:t>3/22/2018</a:t>
+              <a:t>3/24/2018</a:t>
             </a:fld>
             <a:endParaRPr lang="en-US" dirty="0"/>
           </a:p>
@@ -3874,7 +4378,7 @@
           <a:p>
             <a:fld id="{9796027F-7875-4030-9381-8BD8C4F21935}" type="datetimeFigureOut">
               <a:rPr lang="en-US" dirty="0"/>
-              <a:t>3/22/2018</a:t>
+              <a:t>3/24/2018</a:t>
             </a:fld>
             <a:endParaRPr lang="en-US" dirty="0"/>
           </a:p>
@@ -4313,7 +4817,7 @@
           <a:p>
             <a:fld id="{9796027F-7875-4030-9381-8BD8C4F21935}" type="datetimeFigureOut">
               <a:rPr lang="en-US" dirty="0"/>
-              <a:t>3/22/2018</a:t>
+              <a:t>3/24/2018</a:t>
             </a:fld>
             <a:endParaRPr lang="en-US" dirty="0"/>
           </a:p>
@@ -4426,7 +4930,7 @@
           <a:p>
             <a:fld id="{4509A250-FF31-4206-8172-F9D3106AACB1}" type="datetimeFigureOut">
               <a:rPr lang="en-US" dirty="0"/>
-              <a:t>3/22/2018</a:t>
+              <a:t>3/24/2018</a:t>
             </a:fld>
             <a:endParaRPr lang="en-US" dirty="0"/>
           </a:p>
@@ -4516,7 +5020,7 @@
           <a:p>
             <a:fld id="{4509A250-FF31-4206-8172-F9D3106AACB1}" type="datetimeFigureOut">
               <a:rPr lang="en-US" dirty="0"/>
-              <a:t>3/22/2018</a:t>
+              <a:t>3/24/2018</a:t>
             </a:fld>
             <a:endParaRPr lang="en-US" dirty="0"/>
           </a:p>
@@ -4790,7 +5294,7 @@
           <a:p>
             <a:fld id="{4509A250-FF31-4206-8172-F9D3106AACB1}" type="datetimeFigureOut">
               <a:rPr lang="en-US" dirty="0"/>
-              <a:t>3/22/2018</a:t>
+              <a:t>3/24/2018</a:t>
             </a:fld>
             <a:endParaRPr lang="en-US" dirty="0"/>
           </a:p>
@@ -5060,7 +5564,7 @@
           <a:p>
             <a:fld id="{4509A250-FF31-4206-8172-F9D3106AACB1}" type="datetimeFigureOut">
               <a:rPr lang="en-US" dirty="0"/>
-              <a:t>3/22/2018</a:t>
+              <a:t>3/24/2018</a:t>
             </a:fld>
             <a:endParaRPr lang="en-US" dirty="0"/>
           </a:p>
@@ -5147,7 +5651,7 @@
           <p:nvPr/>
         </p:nvPicPr>
         <p:blipFill rotWithShape="1">
-          <a:blip r:embed="rId19">
+          <a:blip r:embed="rId20">
             <a:extLst>
               <a:ext uri="{28A0092B-C50C-407E-A947-70E740481C1C}">
                 <a14:useLocalDpi xmlns:a14="http://schemas.microsoft.com/office/drawing/2010/main" val="0"/>
@@ -5176,7 +5680,7 @@
           <p:nvPr/>
         </p:nvPicPr>
         <p:blipFill rotWithShape="1">
-          <a:blip r:embed="rId20">
+          <a:blip r:embed="rId21">
             <a:extLst>
               <a:ext uri="{28A0092B-C50C-407E-A947-70E740481C1C}">
                 <a14:useLocalDpi xmlns:a14="http://schemas.microsoft.com/office/drawing/2010/main" val="0"/>
@@ -5268,7 +5772,7 @@
           <p:nvPr/>
         </p:nvPicPr>
         <p:blipFill rotWithShape="1">
-          <a:blip r:embed="rId21">
+          <a:blip r:embed="rId22">
             <a:extLst>
               <a:ext uri="{28A0092B-C50C-407E-A947-70E740481C1C}">
                 <a14:useLocalDpi xmlns:a14="http://schemas.microsoft.com/office/drawing/2010/main" val="0"/>
@@ -5297,7 +5801,7 @@
           <p:nvPr/>
         </p:nvPicPr>
         <p:blipFill rotWithShape="1">
-          <a:blip r:embed="rId22">
+          <a:blip r:embed="rId23">
             <a:extLst>
               <a:ext uri="{28A0092B-C50C-407E-A947-70E740481C1C}">
                 <a14:useLocalDpi xmlns:a14="http://schemas.microsoft.com/office/drawing/2010/main" val="0"/>
@@ -5484,7 +5988,7 @@
           <a:p>
             <a:fld id="{4AAD347D-5ACD-4C99-B74B-A9C85AD731AF}" type="datetimeFigureOut">
               <a:rPr lang="en-US" dirty="0"/>
-              <a:t>3/22/2018</a:t>
+              <a:t>3/24/2018</a:t>
             </a:fld>
             <a:endParaRPr lang="en-US" dirty="0"/>
           </a:p>
@@ -5590,6 +6094,7 @@
     <p:sldLayoutId id="2147483670" r:id="rId15"/>
     <p:sldLayoutId id="2147483658" r:id="rId16"/>
     <p:sldLayoutId id="2147483659" r:id="rId17"/>
+    <p:sldLayoutId id="2147483681" r:id="rId18"/>
   </p:sldLayoutIdLst>
   <p:hf sldNum="0" hdr="0" ftr="0" dt="0"/>
   <p:txStyles>
@@ -5977,6 +6482,2476 @@
         </a:defRPr>
       </a:lvl8pPr>
       <a:lvl9pPr marL="3657600" algn="l" defTabSz="457200" rtl="0" eaLnBrk="1" latinLnBrk="0" hangingPunct="1">
+        <a:defRPr sz="1800" kern="1200">
+          <a:solidFill>
+            <a:schemeClr val="tx1"/>
+          </a:solidFill>
+          <a:latin typeface="+mn-lt"/>
+          <a:ea typeface="+mn-ea"/>
+          <a:cs typeface="+mn-cs"/>
+        </a:defRPr>
+      </a:lvl9pPr>
+    </p:otherStyle>
+  </p:txStyles>
+</p:sldMaster>
+</file>
+
+<file path=ppt/slideMasters/slideMaster2.xml><?xml version="1.0" encoding="utf-8"?>
+<p:sldMaster xmlns:a="http://schemas.openxmlformats.org/drawingml/2006/main" xmlns:r="http://schemas.openxmlformats.org/officeDocument/2006/relationships" xmlns:p="http://schemas.openxmlformats.org/presentationml/2006/main">
+  <p:cSld>
+    <p:bg>
+      <p:bgRef idx="1001">
+        <a:schemeClr val="bg1"/>
+      </p:bgRef>
+    </p:bg>
+    <p:spTree>
+      <p:nvGrpSpPr>
+        <p:cNvPr id="1" name=""/>
+        <p:cNvGrpSpPr/>
+        <p:nvPr/>
+      </p:nvGrpSpPr>
+      <p:grpSpPr>
+        <a:xfrm>
+          <a:off x="0" y="0"/>
+          <a:ext cx="0" cy="0"/>
+          <a:chOff x="0" y="0"/>
+          <a:chExt cx="0" cy="0"/>
+        </a:xfrm>
+      </p:grpSpPr>
+    </p:spTree>
+  </p:cSld>
+  <p:clrMap bg1="lt1" tx1="dk1" bg2="lt2" tx2="dk2" accent1="accent1" accent2="accent2" accent3="accent3" accent4="accent4" accent5="accent5" accent6="accent6" hlink="hlink" folHlink="folHlink"/>
+  <p:sldLayoutIdLst>
+    <p:sldLayoutId id="2147483672" r:id="rId1"/>
+  </p:sldLayoutIdLst>
+  <p:txStyles>
+    <p:titleStyle>
+      <a:lvl1pPr algn="l" defTabSz="914400" rtl="0" eaLnBrk="1" latinLnBrk="0" hangingPunct="1">
+        <a:lnSpc>
+          <a:spcPct val="90000"/>
+        </a:lnSpc>
+        <a:spcBef>
+          <a:spcPct val="0"/>
+        </a:spcBef>
+        <a:buNone/>
+        <a:defRPr sz="4400" kern="1200">
+          <a:solidFill>
+            <a:schemeClr val="tx1"/>
+          </a:solidFill>
+          <a:latin typeface="+mj-lt"/>
+          <a:ea typeface="+mj-ea"/>
+          <a:cs typeface="+mj-cs"/>
+        </a:defRPr>
+      </a:lvl1pPr>
+    </p:titleStyle>
+    <p:bodyStyle>
+      <a:lvl1pPr marL="228600" indent="-228600" algn="l" defTabSz="914400" rtl="0" eaLnBrk="1" latinLnBrk="0" hangingPunct="1">
+        <a:lnSpc>
+          <a:spcPct val="90000"/>
+        </a:lnSpc>
+        <a:spcBef>
+          <a:spcPts val="1000"/>
+        </a:spcBef>
+        <a:buFont typeface="Arial" panose="020B0604020202020204" pitchFamily="34" charset="0"/>
+        <a:buChar char="•"/>
+        <a:defRPr sz="2800" kern="1200">
+          <a:solidFill>
+            <a:schemeClr val="tx1"/>
+          </a:solidFill>
+          <a:latin typeface="+mn-lt"/>
+          <a:ea typeface="+mn-ea"/>
+          <a:cs typeface="+mn-cs"/>
+        </a:defRPr>
+      </a:lvl1pPr>
+      <a:lvl2pPr marL="685800" indent="-228600" algn="l" defTabSz="914400" rtl="0" eaLnBrk="1" latinLnBrk="0" hangingPunct="1">
+        <a:lnSpc>
+          <a:spcPct val="90000"/>
+        </a:lnSpc>
+        <a:spcBef>
+          <a:spcPts val="500"/>
+        </a:spcBef>
+        <a:buFont typeface="Arial" panose="020B0604020202020204" pitchFamily="34" charset="0"/>
+        <a:buChar char="•"/>
+        <a:defRPr sz="2400" kern="1200">
+          <a:solidFill>
+            <a:schemeClr val="tx1"/>
+          </a:solidFill>
+          <a:latin typeface="+mn-lt"/>
+          <a:ea typeface="+mn-ea"/>
+          <a:cs typeface="+mn-cs"/>
+        </a:defRPr>
+      </a:lvl2pPr>
+      <a:lvl3pPr marL="1143000" indent="-228600" algn="l" defTabSz="914400" rtl="0" eaLnBrk="1" latinLnBrk="0" hangingPunct="1">
+        <a:lnSpc>
+          <a:spcPct val="90000"/>
+        </a:lnSpc>
+        <a:spcBef>
+          <a:spcPts val="500"/>
+        </a:spcBef>
+        <a:buFont typeface="Arial" panose="020B0604020202020204" pitchFamily="34" charset="0"/>
+        <a:buChar char="•"/>
+        <a:defRPr sz="2000" kern="1200">
+          <a:solidFill>
+            <a:schemeClr val="tx1"/>
+          </a:solidFill>
+          <a:latin typeface="+mn-lt"/>
+          <a:ea typeface="+mn-ea"/>
+          <a:cs typeface="+mn-cs"/>
+        </a:defRPr>
+      </a:lvl3pPr>
+      <a:lvl4pPr marL="1600200" indent="-228600" algn="l" defTabSz="914400" rtl="0" eaLnBrk="1" latinLnBrk="0" hangingPunct="1">
+        <a:lnSpc>
+          <a:spcPct val="90000"/>
+        </a:lnSpc>
+        <a:spcBef>
+          <a:spcPts val="500"/>
+        </a:spcBef>
+        <a:buFont typeface="Arial" panose="020B0604020202020204" pitchFamily="34" charset="0"/>
+        <a:buChar char="•"/>
+        <a:defRPr sz="1800" kern="1200">
+          <a:solidFill>
+            <a:schemeClr val="tx1"/>
+          </a:solidFill>
+          <a:latin typeface="+mn-lt"/>
+          <a:ea typeface="+mn-ea"/>
+          <a:cs typeface="+mn-cs"/>
+        </a:defRPr>
+      </a:lvl4pPr>
+      <a:lvl5pPr marL="2057400" indent="-228600" algn="l" defTabSz="914400" rtl="0" eaLnBrk="1" latinLnBrk="0" hangingPunct="1">
+        <a:lnSpc>
+          <a:spcPct val="90000"/>
+        </a:lnSpc>
+        <a:spcBef>
+          <a:spcPts val="500"/>
+        </a:spcBef>
+        <a:buFont typeface="Arial" panose="020B0604020202020204" pitchFamily="34" charset="0"/>
+        <a:buChar char="•"/>
+        <a:defRPr sz="1800" kern="1200">
+          <a:solidFill>
+            <a:schemeClr val="tx1"/>
+          </a:solidFill>
+          <a:latin typeface="+mn-lt"/>
+          <a:ea typeface="+mn-ea"/>
+          <a:cs typeface="+mn-cs"/>
+        </a:defRPr>
+      </a:lvl5pPr>
+      <a:lvl6pPr marL="2514600" indent="-228600" algn="l" defTabSz="914400" rtl="0" eaLnBrk="1" latinLnBrk="0" hangingPunct="1">
+        <a:lnSpc>
+          <a:spcPct val="90000"/>
+        </a:lnSpc>
+        <a:spcBef>
+          <a:spcPts val="500"/>
+        </a:spcBef>
+        <a:buFont typeface="Arial" panose="020B0604020202020204" pitchFamily="34" charset="0"/>
+        <a:buChar char="•"/>
+        <a:defRPr sz="1800" kern="1200">
+          <a:solidFill>
+            <a:schemeClr val="tx1"/>
+          </a:solidFill>
+          <a:latin typeface="+mn-lt"/>
+          <a:ea typeface="+mn-ea"/>
+          <a:cs typeface="+mn-cs"/>
+        </a:defRPr>
+      </a:lvl6pPr>
+      <a:lvl7pPr marL="2971800" indent="-228600" algn="l" defTabSz="914400" rtl="0" eaLnBrk="1" latinLnBrk="0" hangingPunct="1">
+        <a:lnSpc>
+          <a:spcPct val="90000"/>
+        </a:lnSpc>
+        <a:spcBef>
+          <a:spcPts val="500"/>
+        </a:spcBef>
+        <a:buFont typeface="Arial" panose="020B0604020202020204" pitchFamily="34" charset="0"/>
+        <a:buChar char="•"/>
+        <a:defRPr sz="1800" kern="1200">
+          <a:solidFill>
+            <a:schemeClr val="tx1"/>
+          </a:solidFill>
+          <a:latin typeface="+mn-lt"/>
+          <a:ea typeface="+mn-ea"/>
+          <a:cs typeface="+mn-cs"/>
+        </a:defRPr>
+      </a:lvl7pPr>
+      <a:lvl8pPr marL="3429000" indent="-228600" algn="l" defTabSz="914400" rtl="0" eaLnBrk="1" latinLnBrk="0" hangingPunct="1">
+        <a:lnSpc>
+          <a:spcPct val="90000"/>
+        </a:lnSpc>
+        <a:spcBef>
+          <a:spcPts val="500"/>
+        </a:spcBef>
+        <a:buFont typeface="Arial" panose="020B0604020202020204" pitchFamily="34" charset="0"/>
+        <a:buChar char="•"/>
+        <a:defRPr sz="1800" kern="1200">
+          <a:solidFill>
+            <a:schemeClr val="tx1"/>
+          </a:solidFill>
+          <a:latin typeface="+mn-lt"/>
+          <a:ea typeface="+mn-ea"/>
+          <a:cs typeface="+mn-cs"/>
+        </a:defRPr>
+      </a:lvl8pPr>
+      <a:lvl9pPr marL="3886200" indent="-228600" algn="l" defTabSz="914400" rtl="0" eaLnBrk="1" latinLnBrk="0" hangingPunct="1">
+        <a:lnSpc>
+          <a:spcPct val="90000"/>
+        </a:lnSpc>
+        <a:spcBef>
+          <a:spcPts val="500"/>
+        </a:spcBef>
+        <a:buFont typeface="Arial" panose="020B0604020202020204" pitchFamily="34" charset="0"/>
+        <a:buChar char="•"/>
+        <a:defRPr sz="1800" kern="1200">
+          <a:solidFill>
+            <a:schemeClr val="tx1"/>
+          </a:solidFill>
+          <a:latin typeface="+mn-lt"/>
+          <a:ea typeface="+mn-ea"/>
+          <a:cs typeface="+mn-cs"/>
+        </a:defRPr>
+      </a:lvl9pPr>
+    </p:bodyStyle>
+    <p:otherStyle>
+      <a:defPPr>
+        <a:defRPr lang="zh-CN"/>
+      </a:defPPr>
+      <a:lvl1pPr marL="0" algn="l" defTabSz="914400" rtl="0" eaLnBrk="1" latinLnBrk="0" hangingPunct="1">
+        <a:defRPr sz="1800" kern="1200">
+          <a:solidFill>
+            <a:schemeClr val="tx1"/>
+          </a:solidFill>
+          <a:latin typeface="+mn-lt"/>
+          <a:ea typeface="+mn-ea"/>
+          <a:cs typeface="+mn-cs"/>
+        </a:defRPr>
+      </a:lvl1pPr>
+      <a:lvl2pPr marL="457200" algn="l" defTabSz="914400" rtl="0" eaLnBrk="1" latinLnBrk="0" hangingPunct="1">
+        <a:defRPr sz="1800" kern="1200">
+          <a:solidFill>
+            <a:schemeClr val="tx1"/>
+          </a:solidFill>
+          <a:latin typeface="+mn-lt"/>
+          <a:ea typeface="+mn-ea"/>
+          <a:cs typeface="+mn-cs"/>
+        </a:defRPr>
+      </a:lvl2pPr>
+      <a:lvl3pPr marL="914400" algn="l" defTabSz="914400" rtl="0" eaLnBrk="1" latinLnBrk="0" hangingPunct="1">
+        <a:defRPr sz="1800" kern="1200">
+          <a:solidFill>
+            <a:schemeClr val="tx1"/>
+          </a:solidFill>
+          <a:latin typeface="+mn-lt"/>
+          <a:ea typeface="+mn-ea"/>
+          <a:cs typeface="+mn-cs"/>
+        </a:defRPr>
+      </a:lvl3pPr>
+      <a:lvl4pPr marL="1371600" algn="l" defTabSz="914400" rtl="0" eaLnBrk="1" latinLnBrk="0" hangingPunct="1">
+        <a:defRPr sz="1800" kern="1200">
+          <a:solidFill>
+            <a:schemeClr val="tx1"/>
+          </a:solidFill>
+          <a:latin typeface="+mn-lt"/>
+          <a:ea typeface="+mn-ea"/>
+          <a:cs typeface="+mn-cs"/>
+        </a:defRPr>
+      </a:lvl4pPr>
+      <a:lvl5pPr marL="1828800" algn="l" defTabSz="914400" rtl="0" eaLnBrk="1" latinLnBrk="0" hangingPunct="1">
+        <a:defRPr sz="1800" kern="1200">
+          <a:solidFill>
+            <a:schemeClr val="tx1"/>
+          </a:solidFill>
+          <a:latin typeface="+mn-lt"/>
+          <a:ea typeface="+mn-ea"/>
+          <a:cs typeface="+mn-cs"/>
+        </a:defRPr>
+      </a:lvl5pPr>
+      <a:lvl6pPr marL="2286000" algn="l" defTabSz="914400" rtl="0" eaLnBrk="1" latinLnBrk="0" hangingPunct="1">
+        <a:defRPr sz="1800" kern="1200">
+          <a:solidFill>
+            <a:schemeClr val="tx1"/>
+          </a:solidFill>
+          <a:latin typeface="+mn-lt"/>
+          <a:ea typeface="+mn-ea"/>
+          <a:cs typeface="+mn-cs"/>
+        </a:defRPr>
+      </a:lvl6pPr>
+      <a:lvl7pPr marL="2743200" algn="l" defTabSz="914400" rtl="0" eaLnBrk="1" latinLnBrk="0" hangingPunct="1">
+        <a:defRPr sz="1800" kern="1200">
+          <a:solidFill>
+            <a:schemeClr val="tx1"/>
+          </a:solidFill>
+          <a:latin typeface="+mn-lt"/>
+          <a:ea typeface="+mn-ea"/>
+          <a:cs typeface="+mn-cs"/>
+        </a:defRPr>
+      </a:lvl7pPr>
+      <a:lvl8pPr marL="3200400" algn="l" defTabSz="914400" rtl="0" eaLnBrk="1" latinLnBrk="0" hangingPunct="1">
+        <a:defRPr sz="1800" kern="1200">
+          <a:solidFill>
+            <a:schemeClr val="tx1"/>
+          </a:solidFill>
+          <a:latin typeface="+mn-lt"/>
+          <a:ea typeface="+mn-ea"/>
+          <a:cs typeface="+mn-cs"/>
+        </a:defRPr>
+      </a:lvl8pPr>
+      <a:lvl9pPr marL="3657600" algn="l" defTabSz="914400" rtl="0" eaLnBrk="1" latinLnBrk="0" hangingPunct="1">
+        <a:defRPr sz="1800" kern="1200">
+          <a:solidFill>
+            <a:schemeClr val="tx1"/>
+          </a:solidFill>
+          <a:latin typeface="+mn-lt"/>
+          <a:ea typeface="+mn-ea"/>
+          <a:cs typeface="+mn-cs"/>
+        </a:defRPr>
+      </a:lvl9pPr>
+    </p:otherStyle>
+  </p:txStyles>
+</p:sldMaster>
+</file>
+
+<file path=ppt/slideMasters/slideMaster3.xml><?xml version="1.0" encoding="utf-8"?>
+<p:sldMaster xmlns:a="http://schemas.openxmlformats.org/drawingml/2006/main" xmlns:r="http://schemas.openxmlformats.org/officeDocument/2006/relationships" xmlns:p="http://schemas.openxmlformats.org/presentationml/2006/main">
+  <p:cSld>
+    <p:bg>
+      <p:bgRef idx="1001">
+        <a:schemeClr val="bg1"/>
+      </p:bgRef>
+    </p:bg>
+    <p:spTree>
+      <p:nvGrpSpPr>
+        <p:cNvPr id="1" name=""/>
+        <p:cNvGrpSpPr/>
+        <p:nvPr/>
+      </p:nvGrpSpPr>
+      <p:grpSpPr>
+        <a:xfrm>
+          <a:off x="0" y="0"/>
+          <a:ext cx="0" cy="0"/>
+          <a:chOff x="0" y="0"/>
+          <a:chExt cx="0" cy="0"/>
+        </a:xfrm>
+      </p:grpSpPr>
+    </p:spTree>
+  </p:cSld>
+  <p:clrMap bg1="lt1" tx1="dk1" bg2="lt2" tx2="dk2" accent1="accent1" accent2="accent2" accent3="accent3" accent4="accent4" accent5="accent5" accent6="accent6" hlink="hlink" folHlink="folHlink"/>
+  <p:sldLayoutIdLst>
+    <p:sldLayoutId id="2147483674" r:id="rId1"/>
+  </p:sldLayoutIdLst>
+  <p:txStyles>
+    <p:titleStyle>
+      <a:lvl1pPr algn="l" defTabSz="914400" rtl="0" eaLnBrk="1" latinLnBrk="0" hangingPunct="1">
+        <a:lnSpc>
+          <a:spcPct val="90000"/>
+        </a:lnSpc>
+        <a:spcBef>
+          <a:spcPct val="0"/>
+        </a:spcBef>
+        <a:buNone/>
+        <a:defRPr sz="4400" kern="1200">
+          <a:solidFill>
+            <a:schemeClr val="tx1"/>
+          </a:solidFill>
+          <a:latin typeface="+mj-lt"/>
+          <a:ea typeface="+mj-ea"/>
+          <a:cs typeface="+mj-cs"/>
+        </a:defRPr>
+      </a:lvl1pPr>
+    </p:titleStyle>
+    <p:bodyStyle>
+      <a:lvl1pPr marL="228600" indent="-228600" algn="l" defTabSz="914400" rtl="0" eaLnBrk="1" latinLnBrk="0" hangingPunct="1">
+        <a:lnSpc>
+          <a:spcPct val="90000"/>
+        </a:lnSpc>
+        <a:spcBef>
+          <a:spcPts val="1000"/>
+        </a:spcBef>
+        <a:buFont typeface="Arial" panose="020B0604020202020204" pitchFamily="34" charset="0"/>
+        <a:buChar char="•"/>
+        <a:defRPr sz="2800" kern="1200">
+          <a:solidFill>
+            <a:schemeClr val="tx1"/>
+          </a:solidFill>
+          <a:latin typeface="+mn-lt"/>
+          <a:ea typeface="+mn-ea"/>
+          <a:cs typeface="+mn-cs"/>
+        </a:defRPr>
+      </a:lvl1pPr>
+      <a:lvl2pPr marL="685800" indent="-228600" algn="l" defTabSz="914400" rtl="0" eaLnBrk="1" latinLnBrk="0" hangingPunct="1">
+        <a:lnSpc>
+          <a:spcPct val="90000"/>
+        </a:lnSpc>
+        <a:spcBef>
+          <a:spcPts val="500"/>
+        </a:spcBef>
+        <a:buFont typeface="Arial" panose="020B0604020202020204" pitchFamily="34" charset="0"/>
+        <a:buChar char="•"/>
+        <a:defRPr sz="2400" kern="1200">
+          <a:solidFill>
+            <a:schemeClr val="tx1"/>
+          </a:solidFill>
+          <a:latin typeface="+mn-lt"/>
+          <a:ea typeface="+mn-ea"/>
+          <a:cs typeface="+mn-cs"/>
+        </a:defRPr>
+      </a:lvl2pPr>
+      <a:lvl3pPr marL="1143000" indent="-228600" algn="l" defTabSz="914400" rtl="0" eaLnBrk="1" latinLnBrk="0" hangingPunct="1">
+        <a:lnSpc>
+          <a:spcPct val="90000"/>
+        </a:lnSpc>
+        <a:spcBef>
+          <a:spcPts val="500"/>
+        </a:spcBef>
+        <a:buFont typeface="Arial" panose="020B0604020202020204" pitchFamily="34" charset="0"/>
+        <a:buChar char="•"/>
+        <a:defRPr sz="2000" kern="1200">
+          <a:solidFill>
+            <a:schemeClr val="tx1"/>
+          </a:solidFill>
+          <a:latin typeface="+mn-lt"/>
+          <a:ea typeface="+mn-ea"/>
+          <a:cs typeface="+mn-cs"/>
+        </a:defRPr>
+      </a:lvl3pPr>
+      <a:lvl4pPr marL="1600200" indent="-228600" algn="l" defTabSz="914400" rtl="0" eaLnBrk="1" latinLnBrk="0" hangingPunct="1">
+        <a:lnSpc>
+          <a:spcPct val="90000"/>
+        </a:lnSpc>
+        <a:spcBef>
+          <a:spcPts val="500"/>
+        </a:spcBef>
+        <a:buFont typeface="Arial" panose="020B0604020202020204" pitchFamily="34" charset="0"/>
+        <a:buChar char="•"/>
+        <a:defRPr sz="1800" kern="1200">
+          <a:solidFill>
+            <a:schemeClr val="tx1"/>
+          </a:solidFill>
+          <a:latin typeface="+mn-lt"/>
+          <a:ea typeface="+mn-ea"/>
+          <a:cs typeface="+mn-cs"/>
+        </a:defRPr>
+      </a:lvl4pPr>
+      <a:lvl5pPr marL="2057400" indent="-228600" algn="l" defTabSz="914400" rtl="0" eaLnBrk="1" latinLnBrk="0" hangingPunct="1">
+        <a:lnSpc>
+          <a:spcPct val="90000"/>
+        </a:lnSpc>
+        <a:spcBef>
+          <a:spcPts val="500"/>
+        </a:spcBef>
+        <a:buFont typeface="Arial" panose="020B0604020202020204" pitchFamily="34" charset="0"/>
+        <a:buChar char="•"/>
+        <a:defRPr sz="1800" kern="1200">
+          <a:solidFill>
+            <a:schemeClr val="tx1"/>
+          </a:solidFill>
+          <a:latin typeface="+mn-lt"/>
+          <a:ea typeface="+mn-ea"/>
+          <a:cs typeface="+mn-cs"/>
+        </a:defRPr>
+      </a:lvl5pPr>
+      <a:lvl6pPr marL="2514600" indent="-228600" algn="l" defTabSz="914400" rtl="0" eaLnBrk="1" latinLnBrk="0" hangingPunct="1">
+        <a:lnSpc>
+          <a:spcPct val="90000"/>
+        </a:lnSpc>
+        <a:spcBef>
+          <a:spcPts val="500"/>
+        </a:spcBef>
+        <a:buFont typeface="Arial" panose="020B0604020202020204" pitchFamily="34" charset="0"/>
+        <a:buChar char="•"/>
+        <a:defRPr sz="1800" kern="1200">
+          <a:solidFill>
+            <a:schemeClr val="tx1"/>
+          </a:solidFill>
+          <a:latin typeface="+mn-lt"/>
+          <a:ea typeface="+mn-ea"/>
+          <a:cs typeface="+mn-cs"/>
+        </a:defRPr>
+      </a:lvl6pPr>
+      <a:lvl7pPr marL="2971800" indent="-228600" algn="l" defTabSz="914400" rtl="0" eaLnBrk="1" latinLnBrk="0" hangingPunct="1">
+        <a:lnSpc>
+          <a:spcPct val="90000"/>
+        </a:lnSpc>
+        <a:spcBef>
+          <a:spcPts val="500"/>
+        </a:spcBef>
+        <a:buFont typeface="Arial" panose="020B0604020202020204" pitchFamily="34" charset="0"/>
+        <a:buChar char="•"/>
+        <a:defRPr sz="1800" kern="1200">
+          <a:solidFill>
+            <a:schemeClr val="tx1"/>
+          </a:solidFill>
+          <a:latin typeface="+mn-lt"/>
+          <a:ea typeface="+mn-ea"/>
+          <a:cs typeface="+mn-cs"/>
+        </a:defRPr>
+      </a:lvl7pPr>
+      <a:lvl8pPr marL="3429000" indent="-228600" algn="l" defTabSz="914400" rtl="0" eaLnBrk="1" latinLnBrk="0" hangingPunct="1">
+        <a:lnSpc>
+          <a:spcPct val="90000"/>
+        </a:lnSpc>
+        <a:spcBef>
+          <a:spcPts val="500"/>
+        </a:spcBef>
+        <a:buFont typeface="Arial" panose="020B0604020202020204" pitchFamily="34" charset="0"/>
+        <a:buChar char="•"/>
+        <a:defRPr sz="1800" kern="1200">
+          <a:solidFill>
+            <a:schemeClr val="tx1"/>
+          </a:solidFill>
+          <a:latin typeface="+mn-lt"/>
+          <a:ea typeface="+mn-ea"/>
+          <a:cs typeface="+mn-cs"/>
+        </a:defRPr>
+      </a:lvl8pPr>
+      <a:lvl9pPr marL="3886200" indent="-228600" algn="l" defTabSz="914400" rtl="0" eaLnBrk="1" latinLnBrk="0" hangingPunct="1">
+        <a:lnSpc>
+          <a:spcPct val="90000"/>
+        </a:lnSpc>
+        <a:spcBef>
+          <a:spcPts val="500"/>
+        </a:spcBef>
+        <a:buFont typeface="Arial" panose="020B0604020202020204" pitchFamily="34" charset="0"/>
+        <a:buChar char="•"/>
+        <a:defRPr sz="1800" kern="1200">
+          <a:solidFill>
+            <a:schemeClr val="tx1"/>
+          </a:solidFill>
+          <a:latin typeface="+mn-lt"/>
+          <a:ea typeface="+mn-ea"/>
+          <a:cs typeface="+mn-cs"/>
+        </a:defRPr>
+      </a:lvl9pPr>
+    </p:bodyStyle>
+    <p:otherStyle>
+      <a:defPPr>
+        <a:defRPr lang="zh-CN"/>
+      </a:defPPr>
+      <a:lvl1pPr marL="0" algn="l" defTabSz="914400" rtl="0" eaLnBrk="1" latinLnBrk="0" hangingPunct="1">
+        <a:defRPr sz="1800" kern="1200">
+          <a:solidFill>
+            <a:schemeClr val="tx1"/>
+          </a:solidFill>
+          <a:latin typeface="+mn-lt"/>
+          <a:ea typeface="+mn-ea"/>
+          <a:cs typeface="+mn-cs"/>
+        </a:defRPr>
+      </a:lvl1pPr>
+      <a:lvl2pPr marL="457200" algn="l" defTabSz="914400" rtl="0" eaLnBrk="1" latinLnBrk="0" hangingPunct="1">
+        <a:defRPr sz="1800" kern="1200">
+          <a:solidFill>
+            <a:schemeClr val="tx1"/>
+          </a:solidFill>
+          <a:latin typeface="+mn-lt"/>
+          <a:ea typeface="+mn-ea"/>
+          <a:cs typeface="+mn-cs"/>
+        </a:defRPr>
+      </a:lvl2pPr>
+      <a:lvl3pPr marL="914400" algn="l" defTabSz="914400" rtl="0" eaLnBrk="1" latinLnBrk="0" hangingPunct="1">
+        <a:defRPr sz="1800" kern="1200">
+          <a:solidFill>
+            <a:schemeClr val="tx1"/>
+          </a:solidFill>
+          <a:latin typeface="+mn-lt"/>
+          <a:ea typeface="+mn-ea"/>
+          <a:cs typeface="+mn-cs"/>
+        </a:defRPr>
+      </a:lvl3pPr>
+      <a:lvl4pPr marL="1371600" algn="l" defTabSz="914400" rtl="0" eaLnBrk="1" latinLnBrk="0" hangingPunct="1">
+        <a:defRPr sz="1800" kern="1200">
+          <a:solidFill>
+            <a:schemeClr val="tx1"/>
+          </a:solidFill>
+          <a:latin typeface="+mn-lt"/>
+          <a:ea typeface="+mn-ea"/>
+          <a:cs typeface="+mn-cs"/>
+        </a:defRPr>
+      </a:lvl4pPr>
+      <a:lvl5pPr marL="1828800" algn="l" defTabSz="914400" rtl="0" eaLnBrk="1" latinLnBrk="0" hangingPunct="1">
+        <a:defRPr sz="1800" kern="1200">
+          <a:solidFill>
+            <a:schemeClr val="tx1"/>
+          </a:solidFill>
+          <a:latin typeface="+mn-lt"/>
+          <a:ea typeface="+mn-ea"/>
+          <a:cs typeface="+mn-cs"/>
+        </a:defRPr>
+      </a:lvl5pPr>
+      <a:lvl6pPr marL="2286000" algn="l" defTabSz="914400" rtl="0" eaLnBrk="1" latinLnBrk="0" hangingPunct="1">
+        <a:defRPr sz="1800" kern="1200">
+          <a:solidFill>
+            <a:schemeClr val="tx1"/>
+          </a:solidFill>
+          <a:latin typeface="+mn-lt"/>
+          <a:ea typeface="+mn-ea"/>
+          <a:cs typeface="+mn-cs"/>
+        </a:defRPr>
+      </a:lvl6pPr>
+      <a:lvl7pPr marL="2743200" algn="l" defTabSz="914400" rtl="0" eaLnBrk="1" latinLnBrk="0" hangingPunct="1">
+        <a:defRPr sz="1800" kern="1200">
+          <a:solidFill>
+            <a:schemeClr val="tx1"/>
+          </a:solidFill>
+          <a:latin typeface="+mn-lt"/>
+          <a:ea typeface="+mn-ea"/>
+          <a:cs typeface="+mn-cs"/>
+        </a:defRPr>
+      </a:lvl7pPr>
+      <a:lvl8pPr marL="3200400" algn="l" defTabSz="914400" rtl="0" eaLnBrk="1" latinLnBrk="0" hangingPunct="1">
+        <a:defRPr sz="1800" kern="1200">
+          <a:solidFill>
+            <a:schemeClr val="tx1"/>
+          </a:solidFill>
+          <a:latin typeface="+mn-lt"/>
+          <a:ea typeface="+mn-ea"/>
+          <a:cs typeface="+mn-cs"/>
+        </a:defRPr>
+      </a:lvl8pPr>
+      <a:lvl9pPr marL="3657600" algn="l" defTabSz="914400" rtl="0" eaLnBrk="1" latinLnBrk="0" hangingPunct="1">
+        <a:defRPr sz="1800" kern="1200">
+          <a:solidFill>
+            <a:schemeClr val="tx1"/>
+          </a:solidFill>
+          <a:latin typeface="+mn-lt"/>
+          <a:ea typeface="+mn-ea"/>
+          <a:cs typeface="+mn-cs"/>
+        </a:defRPr>
+      </a:lvl9pPr>
+    </p:otherStyle>
+  </p:txStyles>
+</p:sldMaster>
+</file>
+
+<file path=ppt/slideMasters/slideMaster4.xml><?xml version="1.0" encoding="utf-8"?>
+<p:sldMaster xmlns:a="http://schemas.openxmlformats.org/drawingml/2006/main" xmlns:r="http://schemas.openxmlformats.org/officeDocument/2006/relationships" xmlns:p="http://schemas.openxmlformats.org/presentationml/2006/main">
+  <p:cSld>
+    <p:bg>
+      <p:bgRef idx="1001">
+        <a:schemeClr val="bg1"/>
+      </p:bgRef>
+    </p:bg>
+    <p:spTree>
+      <p:nvGrpSpPr>
+        <p:cNvPr id="1" name=""/>
+        <p:cNvGrpSpPr/>
+        <p:nvPr/>
+      </p:nvGrpSpPr>
+      <p:grpSpPr>
+        <a:xfrm>
+          <a:off x="0" y="0"/>
+          <a:ext cx="0" cy="0"/>
+          <a:chOff x="0" y="0"/>
+          <a:chExt cx="0" cy="0"/>
+        </a:xfrm>
+      </p:grpSpPr>
+    </p:spTree>
+  </p:cSld>
+  <p:clrMap bg1="lt1" tx1="dk1" bg2="lt2" tx2="dk2" accent1="accent1" accent2="accent2" accent3="accent3" accent4="accent4" accent5="accent5" accent6="accent6" hlink="hlink" folHlink="folHlink"/>
+  <p:txStyles>
+    <p:titleStyle>
+      <a:lvl1pPr algn="l" defTabSz="914400" rtl="0" eaLnBrk="1" latinLnBrk="0" hangingPunct="1">
+        <a:lnSpc>
+          <a:spcPct val="90000"/>
+        </a:lnSpc>
+        <a:spcBef>
+          <a:spcPct val="0"/>
+        </a:spcBef>
+        <a:buNone/>
+        <a:defRPr sz="4400" kern="1200">
+          <a:solidFill>
+            <a:schemeClr val="tx1"/>
+          </a:solidFill>
+          <a:latin typeface="+mj-lt"/>
+          <a:ea typeface="+mj-ea"/>
+          <a:cs typeface="+mj-cs"/>
+        </a:defRPr>
+      </a:lvl1pPr>
+    </p:titleStyle>
+    <p:bodyStyle>
+      <a:lvl1pPr marL="228600" indent="-228600" algn="l" defTabSz="914400" rtl="0" eaLnBrk="1" latinLnBrk="0" hangingPunct="1">
+        <a:lnSpc>
+          <a:spcPct val="90000"/>
+        </a:lnSpc>
+        <a:spcBef>
+          <a:spcPts val="1000"/>
+        </a:spcBef>
+        <a:buFont typeface="Arial" panose="020B0604020202020204" pitchFamily="34" charset="0"/>
+        <a:buChar char="•"/>
+        <a:defRPr sz="2800" kern="1200">
+          <a:solidFill>
+            <a:schemeClr val="tx1"/>
+          </a:solidFill>
+          <a:latin typeface="+mn-lt"/>
+          <a:ea typeface="+mn-ea"/>
+          <a:cs typeface="+mn-cs"/>
+        </a:defRPr>
+      </a:lvl1pPr>
+      <a:lvl2pPr marL="685800" indent="-228600" algn="l" defTabSz="914400" rtl="0" eaLnBrk="1" latinLnBrk="0" hangingPunct="1">
+        <a:lnSpc>
+          <a:spcPct val="90000"/>
+        </a:lnSpc>
+        <a:spcBef>
+          <a:spcPts val="500"/>
+        </a:spcBef>
+        <a:buFont typeface="Arial" panose="020B0604020202020204" pitchFamily="34" charset="0"/>
+        <a:buChar char="•"/>
+        <a:defRPr sz="2400" kern="1200">
+          <a:solidFill>
+            <a:schemeClr val="tx1"/>
+          </a:solidFill>
+          <a:latin typeface="+mn-lt"/>
+          <a:ea typeface="+mn-ea"/>
+          <a:cs typeface="+mn-cs"/>
+        </a:defRPr>
+      </a:lvl2pPr>
+      <a:lvl3pPr marL="1143000" indent="-228600" algn="l" defTabSz="914400" rtl="0" eaLnBrk="1" latinLnBrk="0" hangingPunct="1">
+        <a:lnSpc>
+          <a:spcPct val="90000"/>
+        </a:lnSpc>
+        <a:spcBef>
+          <a:spcPts val="500"/>
+        </a:spcBef>
+        <a:buFont typeface="Arial" panose="020B0604020202020204" pitchFamily="34" charset="0"/>
+        <a:buChar char="•"/>
+        <a:defRPr sz="2000" kern="1200">
+          <a:solidFill>
+            <a:schemeClr val="tx1"/>
+          </a:solidFill>
+          <a:latin typeface="+mn-lt"/>
+          <a:ea typeface="+mn-ea"/>
+          <a:cs typeface="+mn-cs"/>
+        </a:defRPr>
+      </a:lvl3pPr>
+      <a:lvl4pPr marL="1600200" indent="-228600" algn="l" defTabSz="914400" rtl="0" eaLnBrk="1" latinLnBrk="0" hangingPunct="1">
+        <a:lnSpc>
+          <a:spcPct val="90000"/>
+        </a:lnSpc>
+        <a:spcBef>
+          <a:spcPts val="500"/>
+        </a:spcBef>
+        <a:buFont typeface="Arial" panose="020B0604020202020204" pitchFamily="34" charset="0"/>
+        <a:buChar char="•"/>
+        <a:defRPr sz="1800" kern="1200">
+          <a:solidFill>
+            <a:schemeClr val="tx1"/>
+          </a:solidFill>
+          <a:latin typeface="+mn-lt"/>
+          <a:ea typeface="+mn-ea"/>
+          <a:cs typeface="+mn-cs"/>
+        </a:defRPr>
+      </a:lvl4pPr>
+      <a:lvl5pPr marL="2057400" indent="-228600" algn="l" defTabSz="914400" rtl="0" eaLnBrk="1" latinLnBrk="0" hangingPunct="1">
+        <a:lnSpc>
+          <a:spcPct val="90000"/>
+        </a:lnSpc>
+        <a:spcBef>
+          <a:spcPts val="500"/>
+        </a:spcBef>
+        <a:buFont typeface="Arial" panose="020B0604020202020204" pitchFamily="34" charset="0"/>
+        <a:buChar char="•"/>
+        <a:defRPr sz="1800" kern="1200">
+          <a:solidFill>
+            <a:schemeClr val="tx1"/>
+          </a:solidFill>
+          <a:latin typeface="+mn-lt"/>
+          <a:ea typeface="+mn-ea"/>
+          <a:cs typeface="+mn-cs"/>
+        </a:defRPr>
+      </a:lvl5pPr>
+      <a:lvl6pPr marL="2514600" indent="-228600" algn="l" defTabSz="914400" rtl="0" eaLnBrk="1" latinLnBrk="0" hangingPunct="1">
+        <a:lnSpc>
+          <a:spcPct val="90000"/>
+        </a:lnSpc>
+        <a:spcBef>
+          <a:spcPts val="500"/>
+        </a:spcBef>
+        <a:buFont typeface="Arial" panose="020B0604020202020204" pitchFamily="34" charset="0"/>
+        <a:buChar char="•"/>
+        <a:defRPr sz="1800" kern="1200">
+          <a:solidFill>
+            <a:schemeClr val="tx1"/>
+          </a:solidFill>
+          <a:latin typeface="+mn-lt"/>
+          <a:ea typeface="+mn-ea"/>
+          <a:cs typeface="+mn-cs"/>
+        </a:defRPr>
+      </a:lvl6pPr>
+      <a:lvl7pPr marL="2971800" indent="-228600" algn="l" defTabSz="914400" rtl="0" eaLnBrk="1" latinLnBrk="0" hangingPunct="1">
+        <a:lnSpc>
+          <a:spcPct val="90000"/>
+        </a:lnSpc>
+        <a:spcBef>
+          <a:spcPts val="500"/>
+        </a:spcBef>
+        <a:buFont typeface="Arial" panose="020B0604020202020204" pitchFamily="34" charset="0"/>
+        <a:buChar char="•"/>
+        <a:defRPr sz="1800" kern="1200">
+          <a:solidFill>
+            <a:schemeClr val="tx1"/>
+          </a:solidFill>
+          <a:latin typeface="+mn-lt"/>
+          <a:ea typeface="+mn-ea"/>
+          <a:cs typeface="+mn-cs"/>
+        </a:defRPr>
+      </a:lvl7pPr>
+      <a:lvl8pPr marL="3429000" indent="-228600" algn="l" defTabSz="914400" rtl="0" eaLnBrk="1" latinLnBrk="0" hangingPunct="1">
+        <a:lnSpc>
+          <a:spcPct val="90000"/>
+        </a:lnSpc>
+        <a:spcBef>
+          <a:spcPts val="500"/>
+        </a:spcBef>
+        <a:buFont typeface="Arial" panose="020B0604020202020204" pitchFamily="34" charset="0"/>
+        <a:buChar char="•"/>
+        <a:defRPr sz="1800" kern="1200">
+          <a:solidFill>
+            <a:schemeClr val="tx1"/>
+          </a:solidFill>
+          <a:latin typeface="+mn-lt"/>
+          <a:ea typeface="+mn-ea"/>
+          <a:cs typeface="+mn-cs"/>
+        </a:defRPr>
+      </a:lvl8pPr>
+      <a:lvl9pPr marL="3886200" indent="-228600" algn="l" defTabSz="914400" rtl="0" eaLnBrk="1" latinLnBrk="0" hangingPunct="1">
+        <a:lnSpc>
+          <a:spcPct val="90000"/>
+        </a:lnSpc>
+        <a:spcBef>
+          <a:spcPts val="500"/>
+        </a:spcBef>
+        <a:buFont typeface="Arial" panose="020B0604020202020204" pitchFamily="34" charset="0"/>
+        <a:buChar char="•"/>
+        <a:defRPr sz="1800" kern="1200">
+          <a:solidFill>
+            <a:schemeClr val="tx1"/>
+          </a:solidFill>
+          <a:latin typeface="+mn-lt"/>
+          <a:ea typeface="+mn-ea"/>
+          <a:cs typeface="+mn-cs"/>
+        </a:defRPr>
+      </a:lvl9pPr>
+    </p:bodyStyle>
+    <p:otherStyle>
+      <a:defPPr>
+        <a:defRPr lang="zh-CN"/>
+      </a:defPPr>
+      <a:lvl1pPr marL="0" algn="l" defTabSz="914400" rtl="0" eaLnBrk="1" latinLnBrk="0" hangingPunct="1">
+        <a:defRPr sz="1800" kern="1200">
+          <a:solidFill>
+            <a:schemeClr val="tx1"/>
+          </a:solidFill>
+          <a:latin typeface="+mn-lt"/>
+          <a:ea typeface="+mn-ea"/>
+          <a:cs typeface="+mn-cs"/>
+        </a:defRPr>
+      </a:lvl1pPr>
+      <a:lvl2pPr marL="457200" algn="l" defTabSz="914400" rtl="0" eaLnBrk="1" latinLnBrk="0" hangingPunct="1">
+        <a:defRPr sz="1800" kern="1200">
+          <a:solidFill>
+            <a:schemeClr val="tx1"/>
+          </a:solidFill>
+          <a:latin typeface="+mn-lt"/>
+          <a:ea typeface="+mn-ea"/>
+          <a:cs typeface="+mn-cs"/>
+        </a:defRPr>
+      </a:lvl2pPr>
+      <a:lvl3pPr marL="914400" algn="l" defTabSz="914400" rtl="0" eaLnBrk="1" latinLnBrk="0" hangingPunct="1">
+        <a:defRPr sz="1800" kern="1200">
+          <a:solidFill>
+            <a:schemeClr val="tx1"/>
+          </a:solidFill>
+          <a:latin typeface="+mn-lt"/>
+          <a:ea typeface="+mn-ea"/>
+          <a:cs typeface="+mn-cs"/>
+        </a:defRPr>
+      </a:lvl3pPr>
+      <a:lvl4pPr marL="1371600" algn="l" defTabSz="914400" rtl="0" eaLnBrk="1" latinLnBrk="0" hangingPunct="1">
+        <a:defRPr sz="1800" kern="1200">
+          <a:solidFill>
+            <a:schemeClr val="tx1"/>
+          </a:solidFill>
+          <a:latin typeface="+mn-lt"/>
+          <a:ea typeface="+mn-ea"/>
+          <a:cs typeface="+mn-cs"/>
+        </a:defRPr>
+      </a:lvl4pPr>
+      <a:lvl5pPr marL="1828800" algn="l" defTabSz="914400" rtl="0" eaLnBrk="1" latinLnBrk="0" hangingPunct="1">
+        <a:defRPr sz="1800" kern="1200">
+          <a:solidFill>
+            <a:schemeClr val="tx1"/>
+          </a:solidFill>
+          <a:latin typeface="+mn-lt"/>
+          <a:ea typeface="+mn-ea"/>
+          <a:cs typeface="+mn-cs"/>
+        </a:defRPr>
+      </a:lvl5pPr>
+      <a:lvl6pPr marL="2286000" algn="l" defTabSz="914400" rtl="0" eaLnBrk="1" latinLnBrk="0" hangingPunct="1">
+        <a:defRPr sz="1800" kern="1200">
+          <a:solidFill>
+            <a:schemeClr val="tx1"/>
+          </a:solidFill>
+          <a:latin typeface="+mn-lt"/>
+          <a:ea typeface="+mn-ea"/>
+          <a:cs typeface="+mn-cs"/>
+        </a:defRPr>
+      </a:lvl6pPr>
+      <a:lvl7pPr marL="2743200" algn="l" defTabSz="914400" rtl="0" eaLnBrk="1" latinLnBrk="0" hangingPunct="1">
+        <a:defRPr sz="1800" kern="1200">
+          <a:solidFill>
+            <a:schemeClr val="tx1"/>
+          </a:solidFill>
+          <a:latin typeface="+mn-lt"/>
+          <a:ea typeface="+mn-ea"/>
+          <a:cs typeface="+mn-cs"/>
+        </a:defRPr>
+      </a:lvl7pPr>
+      <a:lvl8pPr marL="3200400" algn="l" defTabSz="914400" rtl="0" eaLnBrk="1" latinLnBrk="0" hangingPunct="1">
+        <a:defRPr sz="1800" kern="1200">
+          <a:solidFill>
+            <a:schemeClr val="tx1"/>
+          </a:solidFill>
+          <a:latin typeface="+mn-lt"/>
+          <a:ea typeface="+mn-ea"/>
+          <a:cs typeface="+mn-cs"/>
+        </a:defRPr>
+      </a:lvl8pPr>
+      <a:lvl9pPr marL="3657600" algn="l" defTabSz="914400" rtl="0" eaLnBrk="1" latinLnBrk="0" hangingPunct="1">
+        <a:defRPr sz="1800" kern="1200">
+          <a:solidFill>
+            <a:schemeClr val="tx1"/>
+          </a:solidFill>
+          <a:latin typeface="+mn-lt"/>
+          <a:ea typeface="+mn-ea"/>
+          <a:cs typeface="+mn-cs"/>
+        </a:defRPr>
+      </a:lvl9pPr>
+    </p:otherStyle>
+  </p:txStyles>
+</p:sldMaster>
+</file>
+
+<file path=ppt/slideMasters/slideMaster5.xml><?xml version="1.0" encoding="utf-8"?>
+<p:sldMaster xmlns:a="http://schemas.openxmlformats.org/drawingml/2006/main" xmlns:r="http://schemas.openxmlformats.org/officeDocument/2006/relationships" xmlns:p="http://schemas.openxmlformats.org/presentationml/2006/main">
+  <p:cSld>
+    <p:bg>
+      <p:bgRef idx="1001">
+        <a:schemeClr val="bg1"/>
+      </p:bgRef>
+    </p:bg>
+    <p:spTree>
+      <p:nvGrpSpPr>
+        <p:cNvPr id="1" name=""/>
+        <p:cNvGrpSpPr/>
+        <p:nvPr/>
+      </p:nvGrpSpPr>
+      <p:grpSpPr>
+        <a:xfrm>
+          <a:off x="0" y="0"/>
+          <a:ext cx="0" cy="0"/>
+          <a:chOff x="0" y="0"/>
+          <a:chExt cx="0" cy="0"/>
+        </a:xfrm>
+      </p:grpSpPr>
+    </p:spTree>
+  </p:cSld>
+  <p:clrMap bg1="lt1" tx1="dk1" bg2="lt2" tx2="dk2" accent1="accent1" accent2="accent2" accent3="accent3" accent4="accent4" accent5="accent5" accent6="accent6" hlink="hlink" folHlink="folHlink"/>
+  <p:txStyles>
+    <p:titleStyle>
+      <a:lvl1pPr algn="l" defTabSz="914400" rtl="0" eaLnBrk="1" latinLnBrk="0" hangingPunct="1">
+        <a:lnSpc>
+          <a:spcPct val="90000"/>
+        </a:lnSpc>
+        <a:spcBef>
+          <a:spcPct val="0"/>
+        </a:spcBef>
+        <a:buNone/>
+        <a:defRPr sz="4400" kern="1200">
+          <a:solidFill>
+            <a:schemeClr val="tx1"/>
+          </a:solidFill>
+          <a:latin typeface="+mj-lt"/>
+          <a:ea typeface="+mj-ea"/>
+          <a:cs typeface="+mj-cs"/>
+        </a:defRPr>
+      </a:lvl1pPr>
+    </p:titleStyle>
+    <p:bodyStyle>
+      <a:lvl1pPr marL="228600" indent="-228600" algn="l" defTabSz="914400" rtl="0" eaLnBrk="1" latinLnBrk="0" hangingPunct="1">
+        <a:lnSpc>
+          <a:spcPct val="90000"/>
+        </a:lnSpc>
+        <a:spcBef>
+          <a:spcPts val="1000"/>
+        </a:spcBef>
+        <a:buFont typeface="Arial" panose="020B0604020202020204" pitchFamily="34" charset="0"/>
+        <a:buChar char="•"/>
+        <a:defRPr sz="2800" kern="1200">
+          <a:solidFill>
+            <a:schemeClr val="tx1"/>
+          </a:solidFill>
+          <a:latin typeface="+mn-lt"/>
+          <a:ea typeface="+mn-ea"/>
+          <a:cs typeface="+mn-cs"/>
+        </a:defRPr>
+      </a:lvl1pPr>
+      <a:lvl2pPr marL="685800" indent="-228600" algn="l" defTabSz="914400" rtl="0" eaLnBrk="1" latinLnBrk="0" hangingPunct="1">
+        <a:lnSpc>
+          <a:spcPct val="90000"/>
+        </a:lnSpc>
+        <a:spcBef>
+          <a:spcPts val="500"/>
+        </a:spcBef>
+        <a:buFont typeface="Arial" panose="020B0604020202020204" pitchFamily="34" charset="0"/>
+        <a:buChar char="•"/>
+        <a:defRPr sz="2400" kern="1200">
+          <a:solidFill>
+            <a:schemeClr val="tx1"/>
+          </a:solidFill>
+          <a:latin typeface="+mn-lt"/>
+          <a:ea typeface="+mn-ea"/>
+          <a:cs typeface="+mn-cs"/>
+        </a:defRPr>
+      </a:lvl2pPr>
+      <a:lvl3pPr marL="1143000" indent="-228600" algn="l" defTabSz="914400" rtl="0" eaLnBrk="1" latinLnBrk="0" hangingPunct="1">
+        <a:lnSpc>
+          <a:spcPct val="90000"/>
+        </a:lnSpc>
+        <a:spcBef>
+          <a:spcPts val="500"/>
+        </a:spcBef>
+        <a:buFont typeface="Arial" panose="020B0604020202020204" pitchFamily="34" charset="0"/>
+        <a:buChar char="•"/>
+        <a:defRPr sz="2000" kern="1200">
+          <a:solidFill>
+            <a:schemeClr val="tx1"/>
+          </a:solidFill>
+          <a:latin typeface="+mn-lt"/>
+          <a:ea typeface="+mn-ea"/>
+          <a:cs typeface="+mn-cs"/>
+        </a:defRPr>
+      </a:lvl3pPr>
+      <a:lvl4pPr marL="1600200" indent="-228600" algn="l" defTabSz="914400" rtl="0" eaLnBrk="1" latinLnBrk="0" hangingPunct="1">
+        <a:lnSpc>
+          <a:spcPct val="90000"/>
+        </a:lnSpc>
+        <a:spcBef>
+          <a:spcPts val="500"/>
+        </a:spcBef>
+        <a:buFont typeface="Arial" panose="020B0604020202020204" pitchFamily="34" charset="0"/>
+        <a:buChar char="•"/>
+        <a:defRPr sz="1800" kern="1200">
+          <a:solidFill>
+            <a:schemeClr val="tx1"/>
+          </a:solidFill>
+          <a:latin typeface="+mn-lt"/>
+          <a:ea typeface="+mn-ea"/>
+          <a:cs typeface="+mn-cs"/>
+        </a:defRPr>
+      </a:lvl4pPr>
+      <a:lvl5pPr marL="2057400" indent="-228600" algn="l" defTabSz="914400" rtl="0" eaLnBrk="1" latinLnBrk="0" hangingPunct="1">
+        <a:lnSpc>
+          <a:spcPct val="90000"/>
+        </a:lnSpc>
+        <a:spcBef>
+          <a:spcPts val="500"/>
+        </a:spcBef>
+        <a:buFont typeface="Arial" panose="020B0604020202020204" pitchFamily="34" charset="0"/>
+        <a:buChar char="•"/>
+        <a:defRPr sz="1800" kern="1200">
+          <a:solidFill>
+            <a:schemeClr val="tx1"/>
+          </a:solidFill>
+          <a:latin typeface="+mn-lt"/>
+          <a:ea typeface="+mn-ea"/>
+          <a:cs typeface="+mn-cs"/>
+        </a:defRPr>
+      </a:lvl5pPr>
+      <a:lvl6pPr marL="2514600" indent="-228600" algn="l" defTabSz="914400" rtl="0" eaLnBrk="1" latinLnBrk="0" hangingPunct="1">
+        <a:lnSpc>
+          <a:spcPct val="90000"/>
+        </a:lnSpc>
+        <a:spcBef>
+          <a:spcPts val="500"/>
+        </a:spcBef>
+        <a:buFont typeface="Arial" panose="020B0604020202020204" pitchFamily="34" charset="0"/>
+        <a:buChar char="•"/>
+        <a:defRPr sz="1800" kern="1200">
+          <a:solidFill>
+            <a:schemeClr val="tx1"/>
+          </a:solidFill>
+          <a:latin typeface="+mn-lt"/>
+          <a:ea typeface="+mn-ea"/>
+          <a:cs typeface="+mn-cs"/>
+        </a:defRPr>
+      </a:lvl6pPr>
+      <a:lvl7pPr marL="2971800" indent="-228600" algn="l" defTabSz="914400" rtl="0" eaLnBrk="1" latinLnBrk="0" hangingPunct="1">
+        <a:lnSpc>
+          <a:spcPct val="90000"/>
+        </a:lnSpc>
+        <a:spcBef>
+          <a:spcPts val="500"/>
+        </a:spcBef>
+        <a:buFont typeface="Arial" panose="020B0604020202020204" pitchFamily="34" charset="0"/>
+        <a:buChar char="•"/>
+        <a:defRPr sz="1800" kern="1200">
+          <a:solidFill>
+            <a:schemeClr val="tx1"/>
+          </a:solidFill>
+          <a:latin typeface="+mn-lt"/>
+          <a:ea typeface="+mn-ea"/>
+          <a:cs typeface="+mn-cs"/>
+        </a:defRPr>
+      </a:lvl7pPr>
+      <a:lvl8pPr marL="3429000" indent="-228600" algn="l" defTabSz="914400" rtl="0" eaLnBrk="1" latinLnBrk="0" hangingPunct="1">
+        <a:lnSpc>
+          <a:spcPct val="90000"/>
+        </a:lnSpc>
+        <a:spcBef>
+          <a:spcPts val="500"/>
+        </a:spcBef>
+        <a:buFont typeface="Arial" panose="020B0604020202020204" pitchFamily="34" charset="0"/>
+        <a:buChar char="•"/>
+        <a:defRPr sz="1800" kern="1200">
+          <a:solidFill>
+            <a:schemeClr val="tx1"/>
+          </a:solidFill>
+          <a:latin typeface="+mn-lt"/>
+          <a:ea typeface="+mn-ea"/>
+          <a:cs typeface="+mn-cs"/>
+        </a:defRPr>
+      </a:lvl8pPr>
+      <a:lvl9pPr marL="3886200" indent="-228600" algn="l" defTabSz="914400" rtl="0" eaLnBrk="1" latinLnBrk="0" hangingPunct="1">
+        <a:lnSpc>
+          <a:spcPct val="90000"/>
+        </a:lnSpc>
+        <a:spcBef>
+          <a:spcPts val="500"/>
+        </a:spcBef>
+        <a:buFont typeface="Arial" panose="020B0604020202020204" pitchFamily="34" charset="0"/>
+        <a:buChar char="•"/>
+        <a:defRPr sz="1800" kern="1200">
+          <a:solidFill>
+            <a:schemeClr val="tx1"/>
+          </a:solidFill>
+          <a:latin typeface="+mn-lt"/>
+          <a:ea typeface="+mn-ea"/>
+          <a:cs typeface="+mn-cs"/>
+        </a:defRPr>
+      </a:lvl9pPr>
+    </p:bodyStyle>
+    <p:otherStyle>
+      <a:defPPr>
+        <a:defRPr lang="zh-CN"/>
+      </a:defPPr>
+      <a:lvl1pPr marL="0" algn="l" defTabSz="914400" rtl="0" eaLnBrk="1" latinLnBrk="0" hangingPunct="1">
+        <a:defRPr sz="1800" kern="1200">
+          <a:solidFill>
+            <a:schemeClr val="tx1"/>
+          </a:solidFill>
+          <a:latin typeface="+mn-lt"/>
+          <a:ea typeface="+mn-ea"/>
+          <a:cs typeface="+mn-cs"/>
+        </a:defRPr>
+      </a:lvl1pPr>
+      <a:lvl2pPr marL="457200" algn="l" defTabSz="914400" rtl="0" eaLnBrk="1" latinLnBrk="0" hangingPunct="1">
+        <a:defRPr sz="1800" kern="1200">
+          <a:solidFill>
+            <a:schemeClr val="tx1"/>
+          </a:solidFill>
+          <a:latin typeface="+mn-lt"/>
+          <a:ea typeface="+mn-ea"/>
+          <a:cs typeface="+mn-cs"/>
+        </a:defRPr>
+      </a:lvl2pPr>
+      <a:lvl3pPr marL="914400" algn="l" defTabSz="914400" rtl="0" eaLnBrk="1" latinLnBrk="0" hangingPunct="1">
+        <a:defRPr sz="1800" kern="1200">
+          <a:solidFill>
+            <a:schemeClr val="tx1"/>
+          </a:solidFill>
+          <a:latin typeface="+mn-lt"/>
+          <a:ea typeface="+mn-ea"/>
+          <a:cs typeface="+mn-cs"/>
+        </a:defRPr>
+      </a:lvl3pPr>
+      <a:lvl4pPr marL="1371600" algn="l" defTabSz="914400" rtl="0" eaLnBrk="1" latinLnBrk="0" hangingPunct="1">
+        <a:defRPr sz="1800" kern="1200">
+          <a:solidFill>
+            <a:schemeClr val="tx1"/>
+          </a:solidFill>
+          <a:latin typeface="+mn-lt"/>
+          <a:ea typeface="+mn-ea"/>
+          <a:cs typeface="+mn-cs"/>
+        </a:defRPr>
+      </a:lvl4pPr>
+      <a:lvl5pPr marL="1828800" algn="l" defTabSz="914400" rtl="0" eaLnBrk="1" latinLnBrk="0" hangingPunct="1">
+        <a:defRPr sz="1800" kern="1200">
+          <a:solidFill>
+            <a:schemeClr val="tx1"/>
+          </a:solidFill>
+          <a:latin typeface="+mn-lt"/>
+          <a:ea typeface="+mn-ea"/>
+          <a:cs typeface="+mn-cs"/>
+        </a:defRPr>
+      </a:lvl5pPr>
+      <a:lvl6pPr marL="2286000" algn="l" defTabSz="914400" rtl="0" eaLnBrk="1" latinLnBrk="0" hangingPunct="1">
+        <a:defRPr sz="1800" kern="1200">
+          <a:solidFill>
+            <a:schemeClr val="tx1"/>
+          </a:solidFill>
+          <a:latin typeface="+mn-lt"/>
+          <a:ea typeface="+mn-ea"/>
+          <a:cs typeface="+mn-cs"/>
+        </a:defRPr>
+      </a:lvl6pPr>
+      <a:lvl7pPr marL="2743200" algn="l" defTabSz="914400" rtl="0" eaLnBrk="1" latinLnBrk="0" hangingPunct="1">
+        <a:defRPr sz="1800" kern="1200">
+          <a:solidFill>
+            <a:schemeClr val="tx1"/>
+          </a:solidFill>
+          <a:latin typeface="+mn-lt"/>
+          <a:ea typeface="+mn-ea"/>
+          <a:cs typeface="+mn-cs"/>
+        </a:defRPr>
+      </a:lvl7pPr>
+      <a:lvl8pPr marL="3200400" algn="l" defTabSz="914400" rtl="0" eaLnBrk="1" latinLnBrk="0" hangingPunct="1">
+        <a:defRPr sz="1800" kern="1200">
+          <a:solidFill>
+            <a:schemeClr val="tx1"/>
+          </a:solidFill>
+          <a:latin typeface="+mn-lt"/>
+          <a:ea typeface="+mn-ea"/>
+          <a:cs typeface="+mn-cs"/>
+        </a:defRPr>
+      </a:lvl8pPr>
+      <a:lvl9pPr marL="3657600" algn="l" defTabSz="914400" rtl="0" eaLnBrk="1" latinLnBrk="0" hangingPunct="1">
+        <a:defRPr sz="1800" kern="1200">
+          <a:solidFill>
+            <a:schemeClr val="tx1"/>
+          </a:solidFill>
+          <a:latin typeface="+mn-lt"/>
+          <a:ea typeface="+mn-ea"/>
+          <a:cs typeface="+mn-cs"/>
+        </a:defRPr>
+      </a:lvl9pPr>
+    </p:otherStyle>
+  </p:txStyles>
+</p:sldMaster>
+</file>
+
+<file path=ppt/slideMasters/slideMaster6.xml><?xml version="1.0" encoding="utf-8"?>
+<p:sldMaster xmlns:a="http://schemas.openxmlformats.org/drawingml/2006/main" xmlns:r="http://schemas.openxmlformats.org/officeDocument/2006/relationships" xmlns:p="http://schemas.openxmlformats.org/presentationml/2006/main">
+  <p:cSld>
+    <p:bg>
+      <p:bgRef idx="1001">
+        <a:schemeClr val="bg1"/>
+      </p:bgRef>
+    </p:bg>
+    <p:spTree>
+      <p:nvGrpSpPr>
+        <p:cNvPr id="1" name=""/>
+        <p:cNvGrpSpPr/>
+        <p:nvPr/>
+      </p:nvGrpSpPr>
+      <p:grpSpPr>
+        <a:xfrm>
+          <a:off x="0" y="0"/>
+          <a:ext cx="0" cy="0"/>
+          <a:chOff x="0" y="0"/>
+          <a:chExt cx="0" cy="0"/>
+        </a:xfrm>
+      </p:grpSpPr>
+    </p:spTree>
+  </p:cSld>
+  <p:clrMap bg1="lt1" tx1="dk1" bg2="lt2" tx2="dk2" accent1="accent1" accent2="accent2" accent3="accent3" accent4="accent4" accent5="accent5" accent6="accent6" hlink="hlink" folHlink="folHlink"/>
+  <p:txStyles>
+    <p:titleStyle>
+      <a:lvl1pPr algn="l" defTabSz="914400" rtl="0" eaLnBrk="1" latinLnBrk="0" hangingPunct="1">
+        <a:lnSpc>
+          <a:spcPct val="90000"/>
+        </a:lnSpc>
+        <a:spcBef>
+          <a:spcPct val="0"/>
+        </a:spcBef>
+        <a:buNone/>
+        <a:defRPr sz="4400" kern="1200">
+          <a:solidFill>
+            <a:schemeClr val="tx1"/>
+          </a:solidFill>
+          <a:latin typeface="+mj-lt"/>
+          <a:ea typeface="+mj-ea"/>
+          <a:cs typeface="+mj-cs"/>
+        </a:defRPr>
+      </a:lvl1pPr>
+    </p:titleStyle>
+    <p:bodyStyle>
+      <a:lvl1pPr marL="228600" indent="-228600" algn="l" defTabSz="914400" rtl="0" eaLnBrk="1" latinLnBrk="0" hangingPunct="1">
+        <a:lnSpc>
+          <a:spcPct val="90000"/>
+        </a:lnSpc>
+        <a:spcBef>
+          <a:spcPts val="1000"/>
+        </a:spcBef>
+        <a:buFont typeface="Arial" panose="020B0604020202020204" pitchFamily="34" charset="0"/>
+        <a:buChar char="•"/>
+        <a:defRPr sz="2800" kern="1200">
+          <a:solidFill>
+            <a:schemeClr val="tx1"/>
+          </a:solidFill>
+          <a:latin typeface="+mn-lt"/>
+          <a:ea typeface="+mn-ea"/>
+          <a:cs typeface="+mn-cs"/>
+        </a:defRPr>
+      </a:lvl1pPr>
+      <a:lvl2pPr marL="685800" indent="-228600" algn="l" defTabSz="914400" rtl="0" eaLnBrk="1" latinLnBrk="0" hangingPunct="1">
+        <a:lnSpc>
+          <a:spcPct val="90000"/>
+        </a:lnSpc>
+        <a:spcBef>
+          <a:spcPts val="500"/>
+        </a:spcBef>
+        <a:buFont typeface="Arial" panose="020B0604020202020204" pitchFamily="34" charset="0"/>
+        <a:buChar char="•"/>
+        <a:defRPr sz="2400" kern="1200">
+          <a:solidFill>
+            <a:schemeClr val="tx1"/>
+          </a:solidFill>
+          <a:latin typeface="+mn-lt"/>
+          <a:ea typeface="+mn-ea"/>
+          <a:cs typeface="+mn-cs"/>
+        </a:defRPr>
+      </a:lvl2pPr>
+      <a:lvl3pPr marL="1143000" indent="-228600" algn="l" defTabSz="914400" rtl="0" eaLnBrk="1" latinLnBrk="0" hangingPunct="1">
+        <a:lnSpc>
+          <a:spcPct val="90000"/>
+        </a:lnSpc>
+        <a:spcBef>
+          <a:spcPts val="500"/>
+        </a:spcBef>
+        <a:buFont typeface="Arial" panose="020B0604020202020204" pitchFamily="34" charset="0"/>
+        <a:buChar char="•"/>
+        <a:defRPr sz="2000" kern="1200">
+          <a:solidFill>
+            <a:schemeClr val="tx1"/>
+          </a:solidFill>
+          <a:latin typeface="+mn-lt"/>
+          <a:ea typeface="+mn-ea"/>
+          <a:cs typeface="+mn-cs"/>
+        </a:defRPr>
+      </a:lvl3pPr>
+      <a:lvl4pPr marL="1600200" indent="-228600" algn="l" defTabSz="914400" rtl="0" eaLnBrk="1" latinLnBrk="0" hangingPunct="1">
+        <a:lnSpc>
+          <a:spcPct val="90000"/>
+        </a:lnSpc>
+        <a:spcBef>
+          <a:spcPts val="500"/>
+        </a:spcBef>
+        <a:buFont typeface="Arial" panose="020B0604020202020204" pitchFamily="34" charset="0"/>
+        <a:buChar char="•"/>
+        <a:defRPr sz="1800" kern="1200">
+          <a:solidFill>
+            <a:schemeClr val="tx1"/>
+          </a:solidFill>
+          <a:latin typeface="+mn-lt"/>
+          <a:ea typeface="+mn-ea"/>
+          <a:cs typeface="+mn-cs"/>
+        </a:defRPr>
+      </a:lvl4pPr>
+      <a:lvl5pPr marL="2057400" indent="-228600" algn="l" defTabSz="914400" rtl="0" eaLnBrk="1" latinLnBrk="0" hangingPunct="1">
+        <a:lnSpc>
+          <a:spcPct val="90000"/>
+        </a:lnSpc>
+        <a:spcBef>
+          <a:spcPts val="500"/>
+        </a:spcBef>
+        <a:buFont typeface="Arial" panose="020B0604020202020204" pitchFamily="34" charset="0"/>
+        <a:buChar char="•"/>
+        <a:defRPr sz="1800" kern="1200">
+          <a:solidFill>
+            <a:schemeClr val="tx1"/>
+          </a:solidFill>
+          <a:latin typeface="+mn-lt"/>
+          <a:ea typeface="+mn-ea"/>
+          <a:cs typeface="+mn-cs"/>
+        </a:defRPr>
+      </a:lvl5pPr>
+      <a:lvl6pPr marL="2514600" indent="-228600" algn="l" defTabSz="914400" rtl="0" eaLnBrk="1" latinLnBrk="0" hangingPunct="1">
+        <a:lnSpc>
+          <a:spcPct val="90000"/>
+        </a:lnSpc>
+        <a:spcBef>
+          <a:spcPts val="500"/>
+        </a:spcBef>
+        <a:buFont typeface="Arial" panose="020B0604020202020204" pitchFamily="34" charset="0"/>
+        <a:buChar char="•"/>
+        <a:defRPr sz="1800" kern="1200">
+          <a:solidFill>
+            <a:schemeClr val="tx1"/>
+          </a:solidFill>
+          <a:latin typeface="+mn-lt"/>
+          <a:ea typeface="+mn-ea"/>
+          <a:cs typeface="+mn-cs"/>
+        </a:defRPr>
+      </a:lvl6pPr>
+      <a:lvl7pPr marL="2971800" indent="-228600" algn="l" defTabSz="914400" rtl="0" eaLnBrk="1" latinLnBrk="0" hangingPunct="1">
+        <a:lnSpc>
+          <a:spcPct val="90000"/>
+        </a:lnSpc>
+        <a:spcBef>
+          <a:spcPts val="500"/>
+        </a:spcBef>
+        <a:buFont typeface="Arial" panose="020B0604020202020204" pitchFamily="34" charset="0"/>
+        <a:buChar char="•"/>
+        <a:defRPr sz="1800" kern="1200">
+          <a:solidFill>
+            <a:schemeClr val="tx1"/>
+          </a:solidFill>
+          <a:latin typeface="+mn-lt"/>
+          <a:ea typeface="+mn-ea"/>
+          <a:cs typeface="+mn-cs"/>
+        </a:defRPr>
+      </a:lvl7pPr>
+      <a:lvl8pPr marL="3429000" indent="-228600" algn="l" defTabSz="914400" rtl="0" eaLnBrk="1" latinLnBrk="0" hangingPunct="1">
+        <a:lnSpc>
+          <a:spcPct val="90000"/>
+        </a:lnSpc>
+        <a:spcBef>
+          <a:spcPts val="500"/>
+        </a:spcBef>
+        <a:buFont typeface="Arial" panose="020B0604020202020204" pitchFamily="34" charset="0"/>
+        <a:buChar char="•"/>
+        <a:defRPr sz="1800" kern="1200">
+          <a:solidFill>
+            <a:schemeClr val="tx1"/>
+          </a:solidFill>
+          <a:latin typeface="+mn-lt"/>
+          <a:ea typeface="+mn-ea"/>
+          <a:cs typeface="+mn-cs"/>
+        </a:defRPr>
+      </a:lvl8pPr>
+      <a:lvl9pPr marL="3886200" indent="-228600" algn="l" defTabSz="914400" rtl="0" eaLnBrk="1" latinLnBrk="0" hangingPunct="1">
+        <a:lnSpc>
+          <a:spcPct val="90000"/>
+        </a:lnSpc>
+        <a:spcBef>
+          <a:spcPts val="500"/>
+        </a:spcBef>
+        <a:buFont typeface="Arial" panose="020B0604020202020204" pitchFamily="34" charset="0"/>
+        <a:buChar char="•"/>
+        <a:defRPr sz="1800" kern="1200">
+          <a:solidFill>
+            <a:schemeClr val="tx1"/>
+          </a:solidFill>
+          <a:latin typeface="+mn-lt"/>
+          <a:ea typeface="+mn-ea"/>
+          <a:cs typeface="+mn-cs"/>
+        </a:defRPr>
+      </a:lvl9pPr>
+    </p:bodyStyle>
+    <p:otherStyle>
+      <a:defPPr>
+        <a:defRPr lang="zh-CN"/>
+      </a:defPPr>
+      <a:lvl1pPr marL="0" algn="l" defTabSz="914400" rtl="0" eaLnBrk="1" latinLnBrk="0" hangingPunct="1">
+        <a:defRPr sz="1800" kern="1200">
+          <a:solidFill>
+            <a:schemeClr val="tx1"/>
+          </a:solidFill>
+          <a:latin typeface="+mn-lt"/>
+          <a:ea typeface="+mn-ea"/>
+          <a:cs typeface="+mn-cs"/>
+        </a:defRPr>
+      </a:lvl1pPr>
+      <a:lvl2pPr marL="457200" algn="l" defTabSz="914400" rtl="0" eaLnBrk="1" latinLnBrk="0" hangingPunct="1">
+        <a:defRPr sz="1800" kern="1200">
+          <a:solidFill>
+            <a:schemeClr val="tx1"/>
+          </a:solidFill>
+          <a:latin typeface="+mn-lt"/>
+          <a:ea typeface="+mn-ea"/>
+          <a:cs typeface="+mn-cs"/>
+        </a:defRPr>
+      </a:lvl2pPr>
+      <a:lvl3pPr marL="914400" algn="l" defTabSz="914400" rtl="0" eaLnBrk="1" latinLnBrk="0" hangingPunct="1">
+        <a:defRPr sz="1800" kern="1200">
+          <a:solidFill>
+            <a:schemeClr val="tx1"/>
+          </a:solidFill>
+          <a:latin typeface="+mn-lt"/>
+          <a:ea typeface="+mn-ea"/>
+          <a:cs typeface="+mn-cs"/>
+        </a:defRPr>
+      </a:lvl3pPr>
+      <a:lvl4pPr marL="1371600" algn="l" defTabSz="914400" rtl="0" eaLnBrk="1" latinLnBrk="0" hangingPunct="1">
+        <a:defRPr sz="1800" kern="1200">
+          <a:solidFill>
+            <a:schemeClr val="tx1"/>
+          </a:solidFill>
+          <a:latin typeface="+mn-lt"/>
+          <a:ea typeface="+mn-ea"/>
+          <a:cs typeface="+mn-cs"/>
+        </a:defRPr>
+      </a:lvl4pPr>
+      <a:lvl5pPr marL="1828800" algn="l" defTabSz="914400" rtl="0" eaLnBrk="1" latinLnBrk="0" hangingPunct="1">
+        <a:defRPr sz="1800" kern="1200">
+          <a:solidFill>
+            <a:schemeClr val="tx1"/>
+          </a:solidFill>
+          <a:latin typeface="+mn-lt"/>
+          <a:ea typeface="+mn-ea"/>
+          <a:cs typeface="+mn-cs"/>
+        </a:defRPr>
+      </a:lvl5pPr>
+      <a:lvl6pPr marL="2286000" algn="l" defTabSz="914400" rtl="0" eaLnBrk="1" latinLnBrk="0" hangingPunct="1">
+        <a:defRPr sz="1800" kern="1200">
+          <a:solidFill>
+            <a:schemeClr val="tx1"/>
+          </a:solidFill>
+          <a:latin typeface="+mn-lt"/>
+          <a:ea typeface="+mn-ea"/>
+          <a:cs typeface="+mn-cs"/>
+        </a:defRPr>
+      </a:lvl6pPr>
+      <a:lvl7pPr marL="2743200" algn="l" defTabSz="914400" rtl="0" eaLnBrk="1" latinLnBrk="0" hangingPunct="1">
+        <a:defRPr sz="1800" kern="1200">
+          <a:solidFill>
+            <a:schemeClr val="tx1"/>
+          </a:solidFill>
+          <a:latin typeface="+mn-lt"/>
+          <a:ea typeface="+mn-ea"/>
+          <a:cs typeface="+mn-cs"/>
+        </a:defRPr>
+      </a:lvl7pPr>
+      <a:lvl8pPr marL="3200400" algn="l" defTabSz="914400" rtl="0" eaLnBrk="1" latinLnBrk="0" hangingPunct="1">
+        <a:defRPr sz="1800" kern="1200">
+          <a:solidFill>
+            <a:schemeClr val="tx1"/>
+          </a:solidFill>
+          <a:latin typeface="+mn-lt"/>
+          <a:ea typeface="+mn-ea"/>
+          <a:cs typeface="+mn-cs"/>
+        </a:defRPr>
+      </a:lvl8pPr>
+      <a:lvl9pPr marL="3657600" algn="l" defTabSz="914400" rtl="0" eaLnBrk="1" latinLnBrk="0" hangingPunct="1">
+        <a:defRPr sz="1800" kern="1200">
+          <a:solidFill>
+            <a:schemeClr val="tx1"/>
+          </a:solidFill>
+          <a:latin typeface="+mn-lt"/>
+          <a:ea typeface="+mn-ea"/>
+          <a:cs typeface="+mn-cs"/>
+        </a:defRPr>
+      </a:lvl9pPr>
+    </p:otherStyle>
+  </p:txStyles>
+</p:sldMaster>
+</file>
+
+<file path=ppt/slideMasters/slideMaster7.xml><?xml version="1.0" encoding="utf-8"?>
+<p:sldMaster xmlns:a="http://schemas.openxmlformats.org/drawingml/2006/main" xmlns:r="http://schemas.openxmlformats.org/officeDocument/2006/relationships" xmlns:p="http://schemas.openxmlformats.org/presentationml/2006/main">
+  <p:cSld>
+    <p:bg>
+      <p:bgRef idx="1001">
+        <a:schemeClr val="bg1"/>
+      </p:bgRef>
+    </p:bg>
+    <p:spTree>
+      <p:nvGrpSpPr>
+        <p:cNvPr id="1" name=""/>
+        <p:cNvGrpSpPr/>
+        <p:nvPr/>
+      </p:nvGrpSpPr>
+      <p:grpSpPr>
+        <a:xfrm>
+          <a:off x="0" y="0"/>
+          <a:ext cx="0" cy="0"/>
+          <a:chOff x="0" y="0"/>
+          <a:chExt cx="0" cy="0"/>
+        </a:xfrm>
+      </p:grpSpPr>
+    </p:spTree>
+  </p:cSld>
+  <p:clrMap bg1="lt1" tx1="dk1" bg2="lt2" tx2="dk2" accent1="accent1" accent2="accent2" accent3="accent3" accent4="accent4" accent5="accent5" accent6="accent6" hlink="hlink" folHlink="folHlink"/>
+  <p:txStyles>
+    <p:titleStyle>
+      <a:lvl1pPr algn="l" defTabSz="914400" rtl="0" eaLnBrk="1" latinLnBrk="0" hangingPunct="1">
+        <a:lnSpc>
+          <a:spcPct val="90000"/>
+        </a:lnSpc>
+        <a:spcBef>
+          <a:spcPct val="0"/>
+        </a:spcBef>
+        <a:buNone/>
+        <a:defRPr sz="4400" kern="1200">
+          <a:solidFill>
+            <a:schemeClr val="tx1"/>
+          </a:solidFill>
+          <a:latin typeface="+mj-lt"/>
+          <a:ea typeface="+mj-ea"/>
+          <a:cs typeface="+mj-cs"/>
+        </a:defRPr>
+      </a:lvl1pPr>
+    </p:titleStyle>
+    <p:bodyStyle>
+      <a:lvl1pPr marL="228600" indent="-228600" algn="l" defTabSz="914400" rtl="0" eaLnBrk="1" latinLnBrk="0" hangingPunct="1">
+        <a:lnSpc>
+          <a:spcPct val="90000"/>
+        </a:lnSpc>
+        <a:spcBef>
+          <a:spcPts val="1000"/>
+        </a:spcBef>
+        <a:buFont typeface="Arial" panose="020B0604020202020204" pitchFamily="34" charset="0"/>
+        <a:buChar char="•"/>
+        <a:defRPr sz="2800" kern="1200">
+          <a:solidFill>
+            <a:schemeClr val="tx1"/>
+          </a:solidFill>
+          <a:latin typeface="+mn-lt"/>
+          <a:ea typeface="+mn-ea"/>
+          <a:cs typeface="+mn-cs"/>
+        </a:defRPr>
+      </a:lvl1pPr>
+      <a:lvl2pPr marL="685800" indent="-228600" algn="l" defTabSz="914400" rtl="0" eaLnBrk="1" latinLnBrk="0" hangingPunct="1">
+        <a:lnSpc>
+          <a:spcPct val="90000"/>
+        </a:lnSpc>
+        <a:spcBef>
+          <a:spcPts val="500"/>
+        </a:spcBef>
+        <a:buFont typeface="Arial" panose="020B0604020202020204" pitchFamily="34" charset="0"/>
+        <a:buChar char="•"/>
+        <a:defRPr sz="2400" kern="1200">
+          <a:solidFill>
+            <a:schemeClr val="tx1"/>
+          </a:solidFill>
+          <a:latin typeface="+mn-lt"/>
+          <a:ea typeface="+mn-ea"/>
+          <a:cs typeface="+mn-cs"/>
+        </a:defRPr>
+      </a:lvl2pPr>
+      <a:lvl3pPr marL="1143000" indent="-228600" algn="l" defTabSz="914400" rtl="0" eaLnBrk="1" latinLnBrk="0" hangingPunct="1">
+        <a:lnSpc>
+          <a:spcPct val="90000"/>
+        </a:lnSpc>
+        <a:spcBef>
+          <a:spcPts val="500"/>
+        </a:spcBef>
+        <a:buFont typeface="Arial" panose="020B0604020202020204" pitchFamily="34" charset="0"/>
+        <a:buChar char="•"/>
+        <a:defRPr sz="2000" kern="1200">
+          <a:solidFill>
+            <a:schemeClr val="tx1"/>
+          </a:solidFill>
+          <a:latin typeface="+mn-lt"/>
+          <a:ea typeface="+mn-ea"/>
+          <a:cs typeface="+mn-cs"/>
+        </a:defRPr>
+      </a:lvl3pPr>
+      <a:lvl4pPr marL="1600200" indent="-228600" algn="l" defTabSz="914400" rtl="0" eaLnBrk="1" latinLnBrk="0" hangingPunct="1">
+        <a:lnSpc>
+          <a:spcPct val="90000"/>
+        </a:lnSpc>
+        <a:spcBef>
+          <a:spcPts val="500"/>
+        </a:spcBef>
+        <a:buFont typeface="Arial" panose="020B0604020202020204" pitchFamily="34" charset="0"/>
+        <a:buChar char="•"/>
+        <a:defRPr sz="1800" kern="1200">
+          <a:solidFill>
+            <a:schemeClr val="tx1"/>
+          </a:solidFill>
+          <a:latin typeface="+mn-lt"/>
+          <a:ea typeface="+mn-ea"/>
+          <a:cs typeface="+mn-cs"/>
+        </a:defRPr>
+      </a:lvl4pPr>
+      <a:lvl5pPr marL="2057400" indent="-228600" algn="l" defTabSz="914400" rtl="0" eaLnBrk="1" latinLnBrk="0" hangingPunct="1">
+        <a:lnSpc>
+          <a:spcPct val="90000"/>
+        </a:lnSpc>
+        <a:spcBef>
+          <a:spcPts val="500"/>
+        </a:spcBef>
+        <a:buFont typeface="Arial" panose="020B0604020202020204" pitchFamily="34" charset="0"/>
+        <a:buChar char="•"/>
+        <a:defRPr sz="1800" kern="1200">
+          <a:solidFill>
+            <a:schemeClr val="tx1"/>
+          </a:solidFill>
+          <a:latin typeface="+mn-lt"/>
+          <a:ea typeface="+mn-ea"/>
+          <a:cs typeface="+mn-cs"/>
+        </a:defRPr>
+      </a:lvl5pPr>
+      <a:lvl6pPr marL="2514600" indent="-228600" algn="l" defTabSz="914400" rtl="0" eaLnBrk="1" latinLnBrk="0" hangingPunct="1">
+        <a:lnSpc>
+          <a:spcPct val="90000"/>
+        </a:lnSpc>
+        <a:spcBef>
+          <a:spcPts val="500"/>
+        </a:spcBef>
+        <a:buFont typeface="Arial" panose="020B0604020202020204" pitchFamily="34" charset="0"/>
+        <a:buChar char="•"/>
+        <a:defRPr sz="1800" kern="1200">
+          <a:solidFill>
+            <a:schemeClr val="tx1"/>
+          </a:solidFill>
+          <a:latin typeface="+mn-lt"/>
+          <a:ea typeface="+mn-ea"/>
+          <a:cs typeface="+mn-cs"/>
+        </a:defRPr>
+      </a:lvl6pPr>
+      <a:lvl7pPr marL="2971800" indent="-228600" algn="l" defTabSz="914400" rtl="0" eaLnBrk="1" latinLnBrk="0" hangingPunct="1">
+        <a:lnSpc>
+          <a:spcPct val="90000"/>
+        </a:lnSpc>
+        <a:spcBef>
+          <a:spcPts val="500"/>
+        </a:spcBef>
+        <a:buFont typeface="Arial" panose="020B0604020202020204" pitchFamily="34" charset="0"/>
+        <a:buChar char="•"/>
+        <a:defRPr sz="1800" kern="1200">
+          <a:solidFill>
+            <a:schemeClr val="tx1"/>
+          </a:solidFill>
+          <a:latin typeface="+mn-lt"/>
+          <a:ea typeface="+mn-ea"/>
+          <a:cs typeface="+mn-cs"/>
+        </a:defRPr>
+      </a:lvl7pPr>
+      <a:lvl8pPr marL="3429000" indent="-228600" algn="l" defTabSz="914400" rtl="0" eaLnBrk="1" latinLnBrk="0" hangingPunct="1">
+        <a:lnSpc>
+          <a:spcPct val="90000"/>
+        </a:lnSpc>
+        <a:spcBef>
+          <a:spcPts val="500"/>
+        </a:spcBef>
+        <a:buFont typeface="Arial" panose="020B0604020202020204" pitchFamily="34" charset="0"/>
+        <a:buChar char="•"/>
+        <a:defRPr sz="1800" kern="1200">
+          <a:solidFill>
+            <a:schemeClr val="tx1"/>
+          </a:solidFill>
+          <a:latin typeface="+mn-lt"/>
+          <a:ea typeface="+mn-ea"/>
+          <a:cs typeface="+mn-cs"/>
+        </a:defRPr>
+      </a:lvl8pPr>
+      <a:lvl9pPr marL="3886200" indent="-228600" algn="l" defTabSz="914400" rtl="0" eaLnBrk="1" latinLnBrk="0" hangingPunct="1">
+        <a:lnSpc>
+          <a:spcPct val="90000"/>
+        </a:lnSpc>
+        <a:spcBef>
+          <a:spcPts val="500"/>
+        </a:spcBef>
+        <a:buFont typeface="Arial" panose="020B0604020202020204" pitchFamily="34" charset="0"/>
+        <a:buChar char="•"/>
+        <a:defRPr sz="1800" kern="1200">
+          <a:solidFill>
+            <a:schemeClr val="tx1"/>
+          </a:solidFill>
+          <a:latin typeface="+mn-lt"/>
+          <a:ea typeface="+mn-ea"/>
+          <a:cs typeface="+mn-cs"/>
+        </a:defRPr>
+      </a:lvl9pPr>
+    </p:bodyStyle>
+    <p:otherStyle>
+      <a:defPPr>
+        <a:defRPr lang="zh-CN"/>
+      </a:defPPr>
+      <a:lvl1pPr marL="0" algn="l" defTabSz="914400" rtl="0" eaLnBrk="1" latinLnBrk="0" hangingPunct="1">
+        <a:defRPr sz="1800" kern="1200">
+          <a:solidFill>
+            <a:schemeClr val="tx1"/>
+          </a:solidFill>
+          <a:latin typeface="+mn-lt"/>
+          <a:ea typeface="+mn-ea"/>
+          <a:cs typeface="+mn-cs"/>
+        </a:defRPr>
+      </a:lvl1pPr>
+      <a:lvl2pPr marL="457200" algn="l" defTabSz="914400" rtl="0" eaLnBrk="1" latinLnBrk="0" hangingPunct="1">
+        <a:defRPr sz="1800" kern="1200">
+          <a:solidFill>
+            <a:schemeClr val="tx1"/>
+          </a:solidFill>
+          <a:latin typeface="+mn-lt"/>
+          <a:ea typeface="+mn-ea"/>
+          <a:cs typeface="+mn-cs"/>
+        </a:defRPr>
+      </a:lvl2pPr>
+      <a:lvl3pPr marL="914400" algn="l" defTabSz="914400" rtl="0" eaLnBrk="1" latinLnBrk="0" hangingPunct="1">
+        <a:defRPr sz="1800" kern="1200">
+          <a:solidFill>
+            <a:schemeClr val="tx1"/>
+          </a:solidFill>
+          <a:latin typeface="+mn-lt"/>
+          <a:ea typeface="+mn-ea"/>
+          <a:cs typeface="+mn-cs"/>
+        </a:defRPr>
+      </a:lvl3pPr>
+      <a:lvl4pPr marL="1371600" algn="l" defTabSz="914400" rtl="0" eaLnBrk="1" latinLnBrk="0" hangingPunct="1">
+        <a:defRPr sz="1800" kern="1200">
+          <a:solidFill>
+            <a:schemeClr val="tx1"/>
+          </a:solidFill>
+          <a:latin typeface="+mn-lt"/>
+          <a:ea typeface="+mn-ea"/>
+          <a:cs typeface="+mn-cs"/>
+        </a:defRPr>
+      </a:lvl4pPr>
+      <a:lvl5pPr marL="1828800" algn="l" defTabSz="914400" rtl="0" eaLnBrk="1" latinLnBrk="0" hangingPunct="1">
+        <a:defRPr sz="1800" kern="1200">
+          <a:solidFill>
+            <a:schemeClr val="tx1"/>
+          </a:solidFill>
+          <a:latin typeface="+mn-lt"/>
+          <a:ea typeface="+mn-ea"/>
+          <a:cs typeface="+mn-cs"/>
+        </a:defRPr>
+      </a:lvl5pPr>
+      <a:lvl6pPr marL="2286000" algn="l" defTabSz="914400" rtl="0" eaLnBrk="1" latinLnBrk="0" hangingPunct="1">
+        <a:defRPr sz="1800" kern="1200">
+          <a:solidFill>
+            <a:schemeClr val="tx1"/>
+          </a:solidFill>
+          <a:latin typeface="+mn-lt"/>
+          <a:ea typeface="+mn-ea"/>
+          <a:cs typeface="+mn-cs"/>
+        </a:defRPr>
+      </a:lvl6pPr>
+      <a:lvl7pPr marL="2743200" algn="l" defTabSz="914400" rtl="0" eaLnBrk="1" latinLnBrk="0" hangingPunct="1">
+        <a:defRPr sz="1800" kern="1200">
+          <a:solidFill>
+            <a:schemeClr val="tx1"/>
+          </a:solidFill>
+          <a:latin typeface="+mn-lt"/>
+          <a:ea typeface="+mn-ea"/>
+          <a:cs typeface="+mn-cs"/>
+        </a:defRPr>
+      </a:lvl7pPr>
+      <a:lvl8pPr marL="3200400" algn="l" defTabSz="914400" rtl="0" eaLnBrk="1" latinLnBrk="0" hangingPunct="1">
+        <a:defRPr sz="1800" kern="1200">
+          <a:solidFill>
+            <a:schemeClr val="tx1"/>
+          </a:solidFill>
+          <a:latin typeface="+mn-lt"/>
+          <a:ea typeface="+mn-ea"/>
+          <a:cs typeface="+mn-cs"/>
+        </a:defRPr>
+      </a:lvl8pPr>
+      <a:lvl9pPr marL="3657600" algn="l" defTabSz="914400" rtl="0" eaLnBrk="1" latinLnBrk="0" hangingPunct="1">
+        <a:defRPr sz="1800" kern="1200">
+          <a:solidFill>
+            <a:schemeClr val="tx1"/>
+          </a:solidFill>
+          <a:latin typeface="+mn-lt"/>
+          <a:ea typeface="+mn-ea"/>
+          <a:cs typeface="+mn-cs"/>
+        </a:defRPr>
+      </a:lvl9pPr>
+    </p:otherStyle>
+  </p:txStyles>
+</p:sldMaster>
+</file>
+
+<file path=ppt/slideMasters/slideMaster8.xml><?xml version="1.0" encoding="utf-8"?>
+<p:sldMaster xmlns:a="http://schemas.openxmlformats.org/drawingml/2006/main" xmlns:r="http://schemas.openxmlformats.org/officeDocument/2006/relationships" xmlns:p="http://schemas.openxmlformats.org/presentationml/2006/main">
+  <p:cSld>
+    <p:bg>
+      <p:bgRef idx="1001">
+        <a:schemeClr val="bg1"/>
+      </p:bgRef>
+    </p:bg>
+    <p:spTree>
+      <p:nvGrpSpPr>
+        <p:cNvPr id="1" name=""/>
+        <p:cNvGrpSpPr/>
+        <p:nvPr/>
+      </p:nvGrpSpPr>
+      <p:grpSpPr>
+        <a:xfrm>
+          <a:off x="0" y="0"/>
+          <a:ext cx="0" cy="0"/>
+          <a:chOff x="0" y="0"/>
+          <a:chExt cx="0" cy="0"/>
+        </a:xfrm>
+      </p:grpSpPr>
+    </p:spTree>
+  </p:cSld>
+  <p:clrMap bg1="lt1" tx1="dk1" bg2="lt2" tx2="dk2" accent1="accent1" accent2="accent2" accent3="accent3" accent4="accent4" accent5="accent5" accent6="accent6" hlink="hlink" folHlink="folHlink"/>
+  <p:txStyles>
+    <p:titleStyle>
+      <a:lvl1pPr algn="l" defTabSz="914400" rtl="0" eaLnBrk="1" latinLnBrk="0" hangingPunct="1">
+        <a:lnSpc>
+          <a:spcPct val="90000"/>
+        </a:lnSpc>
+        <a:spcBef>
+          <a:spcPct val="0"/>
+        </a:spcBef>
+        <a:buNone/>
+        <a:defRPr sz="4400" kern="1200">
+          <a:solidFill>
+            <a:schemeClr val="tx1"/>
+          </a:solidFill>
+          <a:latin typeface="+mj-lt"/>
+          <a:ea typeface="+mj-ea"/>
+          <a:cs typeface="+mj-cs"/>
+        </a:defRPr>
+      </a:lvl1pPr>
+    </p:titleStyle>
+    <p:bodyStyle>
+      <a:lvl1pPr marL="228600" indent="-228600" algn="l" defTabSz="914400" rtl="0" eaLnBrk="1" latinLnBrk="0" hangingPunct="1">
+        <a:lnSpc>
+          <a:spcPct val="90000"/>
+        </a:lnSpc>
+        <a:spcBef>
+          <a:spcPts val="1000"/>
+        </a:spcBef>
+        <a:buFont typeface="Arial" panose="020B0604020202020204" pitchFamily="34" charset="0"/>
+        <a:buChar char="•"/>
+        <a:defRPr sz="2800" kern="1200">
+          <a:solidFill>
+            <a:schemeClr val="tx1"/>
+          </a:solidFill>
+          <a:latin typeface="+mn-lt"/>
+          <a:ea typeface="+mn-ea"/>
+          <a:cs typeface="+mn-cs"/>
+        </a:defRPr>
+      </a:lvl1pPr>
+      <a:lvl2pPr marL="685800" indent="-228600" algn="l" defTabSz="914400" rtl="0" eaLnBrk="1" latinLnBrk="0" hangingPunct="1">
+        <a:lnSpc>
+          <a:spcPct val="90000"/>
+        </a:lnSpc>
+        <a:spcBef>
+          <a:spcPts val="500"/>
+        </a:spcBef>
+        <a:buFont typeface="Arial" panose="020B0604020202020204" pitchFamily="34" charset="0"/>
+        <a:buChar char="•"/>
+        <a:defRPr sz="2400" kern="1200">
+          <a:solidFill>
+            <a:schemeClr val="tx1"/>
+          </a:solidFill>
+          <a:latin typeface="+mn-lt"/>
+          <a:ea typeface="+mn-ea"/>
+          <a:cs typeface="+mn-cs"/>
+        </a:defRPr>
+      </a:lvl2pPr>
+      <a:lvl3pPr marL="1143000" indent="-228600" algn="l" defTabSz="914400" rtl="0" eaLnBrk="1" latinLnBrk="0" hangingPunct="1">
+        <a:lnSpc>
+          <a:spcPct val="90000"/>
+        </a:lnSpc>
+        <a:spcBef>
+          <a:spcPts val="500"/>
+        </a:spcBef>
+        <a:buFont typeface="Arial" panose="020B0604020202020204" pitchFamily="34" charset="0"/>
+        <a:buChar char="•"/>
+        <a:defRPr sz="2000" kern="1200">
+          <a:solidFill>
+            <a:schemeClr val="tx1"/>
+          </a:solidFill>
+          <a:latin typeface="+mn-lt"/>
+          <a:ea typeface="+mn-ea"/>
+          <a:cs typeface="+mn-cs"/>
+        </a:defRPr>
+      </a:lvl3pPr>
+      <a:lvl4pPr marL="1600200" indent="-228600" algn="l" defTabSz="914400" rtl="0" eaLnBrk="1" latinLnBrk="0" hangingPunct="1">
+        <a:lnSpc>
+          <a:spcPct val="90000"/>
+        </a:lnSpc>
+        <a:spcBef>
+          <a:spcPts val="500"/>
+        </a:spcBef>
+        <a:buFont typeface="Arial" panose="020B0604020202020204" pitchFamily="34" charset="0"/>
+        <a:buChar char="•"/>
+        <a:defRPr sz="1800" kern="1200">
+          <a:solidFill>
+            <a:schemeClr val="tx1"/>
+          </a:solidFill>
+          <a:latin typeface="+mn-lt"/>
+          <a:ea typeface="+mn-ea"/>
+          <a:cs typeface="+mn-cs"/>
+        </a:defRPr>
+      </a:lvl4pPr>
+      <a:lvl5pPr marL="2057400" indent="-228600" algn="l" defTabSz="914400" rtl="0" eaLnBrk="1" latinLnBrk="0" hangingPunct="1">
+        <a:lnSpc>
+          <a:spcPct val="90000"/>
+        </a:lnSpc>
+        <a:spcBef>
+          <a:spcPts val="500"/>
+        </a:spcBef>
+        <a:buFont typeface="Arial" panose="020B0604020202020204" pitchFamily="34" charset="0"/>
+        <a:buChar char="•"/>
+        <a:defRPr sz="1800" kern="1200">
+          <a:solidFill>
+            <a:schemeClr val="tx1"/>
+          </a:solidFill>
+          <a:latin typeface="+mn-lt"/>
+          <a:ea typeface="+mn-ea"/>
+          <a:cs typeface="+mn-cs"/>
+        </a:defRPr>
+      </a:lvl5pPr>
+      <a:lvl6pPr marL="2514600" indent="-228600" algn="l" defTabSz="914400" rtl="0" eaLnBrk="1" latinLnBrk="0" hangingPunct="1">
+        <a:lnSpc>
+          <a:spcPct val="90000"/>
+        </a:lnSpc>
+        <a:spcBef>
+          <a:spcPts val="500"/>
+        </a:spcBef>
+        <a:buFont typeface="Arial" panose="020B0604020202020204" pitchFamily="34" charset="0"/>
+        <a:buChar char="•"/>
+        <a:defRPr sz="1800" kern="1200">
+          <a:solidFill>
+            <a:schemeClr val="tx1"/>
+          </a:solidFill>
+          <a:latin typeface="+mn-lt"/>
+          <a:ea typeface="+mn-ea"/>
+          <a:cs typeface="+mn-cs"/>
+        </a:defRPr>
+      </a:lvl6pPr>
+      <a:lvl7pPr marL="2971800" indent="-228600" algn="l" defTabSz="914400" rtl="0" eaLnBrk="1" latinLnBrk="0" hangingPunct="1">
+        <a:lnSpc>
+          <a:spcPct val="90000"/>
+        </a:lnSpc>
+        <a:spcBef>
+          <a:spcPts val="500"/>
+        </a:spcBef>
+        <a:buFont typeface="Arial" panose="020B0604020202020204" pitchFamily="34" charset="0"/>
+        <a:buChar char="•"/>
+        <a:defRPr sz="1800" kern="1200">
+          <a:solidFill>
+            <a:schemeClr val="tx1"/>
+          </a:solidFill>
+          <a:latin typeface="+mn-lt"/>
+          <a:ea typeface="+mn-ea"/>
+          <a:cs typeface="+mn-cs"/>
+        </a:defRPr>
+      </a:lvl7pPr>
+      <a:lvl8pPr marL="3429000" indent="-228600" algn="l" defTabSz="914400" rtl="0" eaLnBrk="1" latinLnBrk="0" hangingPunct="1">
+        <a:lnSpc>
+          <a:spcPct val="90000"/>
+        </a:lnSpc>
+        <a:spcBef>
+          <a:spcPts val="500"/>
+        </a:spcBef>
+        <a:buFont typeface="Arial" panose="020B0604020202020204" pitchFamily="34" charset="0"/>
+        <a:buChar char="•"/>
+        <a:defRPr sz="1800" kern="1200">
+          <a:solidFill>
+            <a:schemeClr val="tx1"/>
+          </a:solidFill>
+          <a:latin typeface="+mn-lt"/>
+          <a:ea typeface="+mn-ea"/>
+          <a:cs typeface="+mn-cs"/>
+        </a:defRPr>
+      </a:lvl8pPr>
+      <a:lvl9pPr marL="3886200" indent="-228600" algn="l" defTabSz="914400" rtl="0" eaLnBrk="1" latinLnBrk="0" hangingPunct="1">
+        <a:lnSpc>
+          <a:spcPct val="90000"/>
+        </a:lnSpc>
+        <a:spcBef>
+          <a:spcPts val="500"/>
+        </a:spcBef>
+        <a:buFont typeface="Arial" panose="020B0604020202020204" pitchFamily="34" charset="0"/>
+        <a:buChar char="•"/>
+        <a:defRPr sz="1800" kern="1200">
+          <a:solidFill>
+            <a:schemeClr val="tx1"/>
+          </a:solidFill>
+          <a:latin typeface="+mn-lt"/>
+          <a:ea typeface="+mn-ea"/>
+          <a:cs typeface="+mn-cs"/>
+        </a:defRPr>
+      </a:lvl9pPr>
+    </p:bodyStyle>
+    <p:otherStyle>
+      <a:defPPr>
+        <a:defRPr lang="zh-CN"/>
+      </a:defPPr>
+      <a:lvl1pPr marL="0" algn="l" defTabSz="914400" rtl="0" eaLnBrk="1" latinLnBrk="0" hangingPunct="1">
+        <a:defRPr sz="1800" kern="1200">
+          <a:solidFill>
+            <a:schemeClr val="tx1"/>
+          </a:solidFill>
+          <a:latin typeface="+mn-lt"/>
+          <a:ea typeface="+mn-ea"/>
+          <a:cs typeface="+mn-cs"/>
+        </a:defRPr>
+      </a:lvl1pPr>
+      <a:lvl2pPr marL="457200" algn="l" defTabSz="914400" rtl="0" eaLnBrk="1" latinLnBrk="0" hangingPunct="1">
+        <a:defRPr sz="1800" kern="1200">
+          <a:solidFill>
+            <a:schemeClr val="tx1"/>
+          </a:solidFill>
+          <a:latin typeface="+mn-lt"/>
+          <a:ea typeface="+mn-ea"/>
+          <a:cs typeface="+mn-cs"/>
+        </a:defRPr>
+      </a:lvl2pPr>
+      <a:lvl3pPr marL="914400" algn="l" defTabSz="914400" rtl="0" eaLnBrk="1" latinLnBrk="0" hangingPunct="1">
+        <a:defRPr sz="1800" kern="1200">
+          <a:solidFill>
+            <a:schemeClr val="tx1"/>
+          </a:solidFill>
+          <a:latin typeface="+mn-lt"/>
+          <a:ea typeface="+mn-ea"/>
+          <a:cs typeface="+mn-cs"/>
+        </a:defRPr>
+      </a:lvl3pPr>
+      <a:lvl4pPr marL="1371600" algn="l" defTabSz="914400" rtl="0" eaLnBrk="1" latinLnBrk="0" hangingPunct="1">
+        <a:defRPr sz="1800" kern="1200">
+          <a:solidFill>
+            <a:schemeClr val="tx1"/>
+          </a:solidFill>
+          <a:latin typeface="+mn-lt"/>
+          <a:ea typeface="+mn-ea"/>
+          <a:cs typeface="+mn-cs"/>
+        </a:defRPr>
+      </a:lvl4pPr>
+      <a:lvl5pPr marL="1828800" algn="l" defTabSz="914400" rtl="0" eaLnBrk="1" latinLnBrk="0" hangingPunct="1">
+        <a:defRPr sz="1800" kern="1200">
+          <a:solidFill>
+            <a:schemeClr val="tx1"/>
+          </a:solidFill>
+          <a:latin typeface="+mn-lt"/>
+          <a:ea typeface="+mn-ea"/>
+          <a:cs typeface="+mn-cs"/>
+        </a:defRPr>
+      </a:lvl5pPr>
+      <a:lvl6pPr marL="2286000" algn="l" defTabSz="914400" rtl="0" eaLnBrk="1" latinLnBrk="0" hangingPunct="1">
+        <a:defRPr sz="1800" kern="1200">
+          <a:solidFill>
+            <a:schemeClr val="tx1"/>
+          </a:solidFill>
+          <a:latin typeface="+mn-lt"/>
+          <a:ea typeface="+mn-ea"/>
+          <a:cs typeface="+mn-cs"/>
+        </a:defRPr>
+      </a:lvl6pPr>
+      <a:lvl7pPr marL="2743200" algn="l" defTabSz="914400" rtl="0" eaLnBrk="1" latinLnBrk="0" hangingPunct="1">
+        <a:defRPr sz="1800" kern="1200">
+          <a:solidFill>
+            <a:schemeClr val="tx1"/>
+          </a:solidFill>
+          <a:latin typeface="+mn-lt"/>
+          <a:ea typeface="+mn-ea"/>
+          <a:cs typeface="+mn-cs"/>
+        </a:defRPr>
+      </a:lvl7pPr>
+      <a:lvl8pPr marL="3200400" algn="l" defTabSz="914400" rtl="0" eaLnBrk="1" latinLnBrk="0" hangingPunct="1">
+        <a:defRPr sz="1800" kern="1200">
+          <a:solidFill>
+            <a:schemeClr val="tx1"/>
+          </a:solidFill>
+          <a:latin typeface="+mn-lt"/>
+          <a:ea typeface="+mn-ea"/>
+          <a:cs typeface="+mn-cs"/>
+        </a:defRPr>
+      </a:lvl8pPr>
+      <a:lvl9pPr marL="3657600" algn="l" defTabSz="914400" rtl="0" eaLnBrk="1" latinLnBrk="0" hangingPunct="1">
+        <a:defRPr sz="1800" kern="1200">
+          <a:solidFill>
+            <a:schemeClr val="tx1"/>
+          </a:solidFill>
+          <a:latin typeface="+mn-lt"/>
+          <a:ea typeface="+mn-ea"/>
+          <a:cs typeface="+mn-cs"/>
+        </a:defRPr>
+      </a:lvl9pPr>
+    </p:otherStyle>
+  </p:txStyles>
+</p:sldMaster>
+</file>
+
+<file path=ppt/slideMasters/slideMaster9.xml><?xml version="1.0" encoding="utf-8"?>
+<p:sldMaster xmlns:a="http://schemas.openxmlformats.org/drawingml/2006/main" xmlns:r="http://schemas.openxmlformats.org/officeDocument/2006/relationships" xmlns:p="http://schemas.openxmlformats.org/presentationml/2006/main">
+  <p:cSld>
+    <p:bg>
+      <p:bgRef idx="1001">
+        <a:schemeClr val="bg1"/>
+      </p:bgRef>
+    </p:bg>
+    <p:spTree>
+      <p:nvGrpSpPr>
+        <p:cNvPr id="1" name=""/>
+        <p:cNvGrpSpPr/>
+        <p:nvPr/>
+      </p:nvGrpSpPr>
+      <p:grpSpPr>
+        <a:xfrm>
+          <a:off x="0" y="0"/>
+          <a:ext cx="0" cy="0"/>
+          <a:chOff x="0" y="0"/>
+          <a:chExt cx="0" cy="0"/>
+        </a:xfrm>
+      </p:grpSpPr>
+    </p:spTree>
+  </p:cSld>
+  <p:clrMap bg1="lt1" tx1="dk1" bg2="lt2" tx2="dk2" accent1="accent1" accent2="accent2" accent3="accent3" accent4="accent4" accent5="accent5" accent6="accent6" hlink="hlink" folHlink="folHlink"/>
+  <p:txStyles>
+    <p:titleStyle>
+      <a:lvl1pPr algn="l" defTabSz="914400" rtl="0" eaLnBrk="1" latinLnBrk="0" hangingPunct="1">
+        <a:lnSpc>
+          <a:spcPct val="90000"/>
+        </a:lnSpc>
+        <a:spcBef>
+          <a:spcPct val="0"/>
+        </a:spcBef>
+        <a:buNone/>
+        <a:defRPr sz="4400" kern="1200">
+          <a:solidFill>
+            <a:schemeClr val="tx1"/>
+          </a:solidFill>
+          <a:latin typeface="+mj-lt"/>
+          <a:ea typeface="+mj-ea"/>
+          <a:cs typeface="+mj-cs"/>
+        </a:defRPr>
+      </a:lvl1pPr>
+    </p:titleStyle>
+    <p:bodyStyle>
+      <a:lvl1pPr marL="228600" indent="-228600" algn="l" defTabSz="914400" rtl="0" eaLnBrk="1" latinLnBrk="0" hangingPunct="1">
+        <a:lnSpc>
+          <a:spcPct val="90000"/>
+        </a:lnSpc>
+        <a:spcBef>
+          <a:spcPts val="1000"/>
+        </a:spcBef>
+        <a:buFont typeface="Arial" panose="020B0604020202020204" pitchFamily="34" charset="0"/>
+        <a:buChar char="•"/>
+        <a:defRPr sz="2800" kern="1200">
+          <a:solidFill>
+            <a:schemeClr val="tx1"/>
+          </a:solidFill>
+          <a:latin typeface="+mn-lt"/>
+          <a:ea typeface="+mn-ea"/>
+          <a:cs typeface="+mn-cs"/>
+        </a:defRPr>
+      </a:lvl1pPr>
+      <a:lvl2pPr marL="685800" indent="-228600" algn="l" defTabSz="914400" rtl="0" eaLnBrk="1" latinLnBrk="0" hangingPunct="1">
+        <a:lnSpc>
+          <a:spcPct val="90000"/>
+        </a:lnSpc>
+        <a:spcBef>
+          <a:spcPts val="500"/>
+        </a:spcBef>
+        <a:buFont typeface="Arial" panose="020B0604020202020204" pitchFamily="34" charset="0"/>
+        <a:buChar char="•"/>
+        <a:defRPr sz="2400" kern="1200">
+          <a:solidFill>
+            <a:schemeClr val="tx1"/>
+          </a:solidFill>
+          <a:latin typeface="+mn-lt"/>
+          <a:ea typeface="+mn-ea"/>
+          <a:cs typeface="+mn-cs"/>
+        </a:defRPr>
+      </a:lvl2pPr>
+      <a:lvl3pPr marL="1143000" indent="-228600" algn="l" defTabSz="914400" rtl="0" eaLnBrk="1" latinLnBrk="0" hangingPunct="1">
+        <a:lnSpc>
+          <a:spcPct val="90000"/>
+        </a:lnSpc>
+        <a:spcBef>
+          <a:spcPts val="500"/>
+        </a:spcBef>
+        <a:buFont typeface="Arial" panose="020B0604020202020204" pitchFamily="34" charset="0"/>
+        <a:buChar char="•"/>
+        <a:defRPr sz="2000" kern="1200">
+          <a:solidFill>
+            <a:schemeClr val="tx1"/>
+          </a:solidFill>
+          <a:latin typeface="+mn-lt"/>
+          <a:ea typeface="+mn-ea"/>
+          <a:cs typeface="+mn-cs"/>
+        </a:defRPr>
+      </a:lvl3pPr>
+      <a:lvl4pPr marL="1600200" indent="-228600" algn="l" defTabSz="914400" rtl="0" eaLnBrk="1" latinLnBrk="0" hangingPunct="1">
+        <a:lnSpc>
+          <a:spcPct val="90000"/>
+        </a:lnSpc>
+        <a:spcBef>
+          <a:spcPts val="500"/>
+        </a:spcBef>
+        <a:buFont typeface="Arial" panose="020B0604020202020204" pitchFamily="34" charset="0"/>
+        <a:buChar char="•"/>
+        <a:defRPr sz="1800" kern="1200">
+          <a:solidFill>
+            <a:schemeClr val="tx1"/>
+          </a:solidFill>
+          <a:latin typeface="+mn-lt"/>
+          <a:ea typeface="+mn-ea"/>
+          <a:cs typeface="+mn-cs"/>
+        </a:defRPr>
+      </a:lvl4pPr>
+      <a:lvl5pPr marL="2057400" indent="-228600" algn="l" defTabSz="914400" rtl="0" eaLnBrk="1" latinLnBrk="0" hangingPunct="1">
+        <a:lnSpc>
+          <a:spcPct val="90000"/>
+        </a:lnSpc>
+        <a:spcBef>
+          <a:spcPts val="500"/>
+        </a:spcBef>
+        <a:buFont typeface="Arial" panose="020B0604020202020204" pitchFamily="34" charset="0"/>
+        <a:buChar char="•"/>
+        <a:defRPr sz="1800" kern="1200">
+          <a:solidFill>
+            <a:schemeClr val="tx1"/>
+          </a:solidFill>
+          <a:latin typeface="+mn-lt"/>
+          <a:ea typeface="+mn-ea"/>
+          <a:cs typeface="+mn-cs"/>
+        </a:defRPr>
+      </a:lvl5pPr>
+      <a:lvl6pPr marL="2514600" indent="-228600" algn="l" defTabSz="914400" rtl="0" eaLnBrk="1" latinLnBrk="0" hangingPunct="1">
+        <a:lnSpc>
+          <a:spcPct val="90000"/>
+        </a:lnSpc>
+        <a:spcBef>
+          <a:spcPts val="500"/>
+        </a:spcBef>
+        <a:buFont typeface="Arial" panose="020B0604020202020204" pitchFamily="34" charset="0"/>
+        <a:buChar char="•"/>
+        <a:defRPr sz="1800" kern="1200">
+          <a:solidFill>
+            <a:schemeClr val="tx1"/>
+          </a:solidFill>
+          <a:latin typeface="+mn-lt"/>
+          <a:ea typeface="+mn-ea"/>
+          <a:cs typeface="+mn-cs"/>
+        </a:defRPr>
+      </a:lvl6pPr>
+      <a:lvl7pPr marL="2971800" indent="-228600" algn="l" defTabSz="914400" rtl="0" eaLnBrk="1" latinLnBrk="0" hangingPunct="1">
+        <a:lnSpc>
+          <a:spcPct val="90000"/>
+        </a:lnSpc>
+        <a:spcBef>
+          <a:spcPts val="500"/>
+        </a:spcBef>
+        <a:buFont typeface="Arial" panose="020B0604020202020204" pitchFamily="34" charset="0"/>
+        <a:buChar char="•"/>
+        <a:defRPr sz="1800" kern="1200">
+          <a:solidFill>
+            <a:schemeClr val="tx1"/>
+          </a:solidFill>
+          <a:latin typeface="+mn-lt"/>
+          <a:ea typeface="+mn-ea"/>
+          <a:cs typeface="+mn-cs"/>
+        </a:defRPr>
+      </a:lvl7pPr>
+      <a:lvl8pPr marL="3429000" indent="-228600" algn="l" defTabSz="914400" rtl="0" eaLnBrk="1" latinLnBrk="0" hangingPunct="1">
+        <a:lnSpc>
+          <a:spcPct val="90000"/>
+        </a:lnSpc>
+        <a:spcBef>
+          <a:spcPts val="500"/>
+        </a:spcBef>
+        <a:buFont typeface="Arial" panose="020B0604020202020204" pitchFamily="34" charset="0"/>
+        <a:buChar char="•"/>
+        <a:defRPr sz="1800" kern="1200">
+          <a:solidFill>
+            <a:schemeClr val="tx1"/>
+          </a:solidFill>
+          <a:latin typeface="+mn-lt"/>
+          <a:ea typeface="+mn-ea"/>
+          <a:cs typeface="+mn-cs"/>
+        </a:defRPr>
+      </a:lvl8pPr>
+      <a:lvl9pPr marL="3886200" indent="-228600" algn="l" defTabSz="914400" rtl="0" eaLnBrk="1" latinLnBrk="0" hangingPunct="1">
+        <a:lnSpc>
+          <a:spcPct val="90000"/>
+        </a:lnSpc>
+        <a:spcBef>
+          <a:spcPts val="500"/>
+        </a:spcBef>
+        <a:buFont typeface="Arial" panose="020B0604020202020204" pitchFamily="34" charset="0"/>
+        <a:buChar char="•"/>
+        <a:defRPr sz="1800" kern="1200">
+          <a:solidFill>
+            <a:schemeClr val="tx1"/>
+          </a:solidFill>
+          <a:latin typeface="+mn-lt"/>
+          <a:ea typeface="+mn-ea"/>
+          <a:cs typeface="+mn-cs"/>
+        </a:defRPr>
+      </a:lvl9pPr>
+    </p:bodyStyle>
+    <p:otherStyle>
+      <a:defPPr>
+        <a:defRPr lang="zh-CN"/>
+      </a:defPPr>
+      <a:lvl1pPr marL="0" algn="l" defTabSz="914400" rtl="0" eaLnBrk="1" latinLnBrk="0" hangingPunct="1">
+        <a:defRPr sz="1800" kern="1200">
+          <a:solidFill>
+            <a:schemeClr val="tx1"/>
+          </a:solidFill>
+          <a:latin typeface="+mn-lt"/>
+          <a:ea typeface="+mn-ea"/>
+          <a:cs typeface="+mn-cs"/>
+        </a:defRPr>
+      </a:lvl1pPr>
+      <a:lvl2pPr marL="457200" algn="l" defTabSz="914400" rtl="0" eaLnBrk="1" latinLnBrk="0" hangingPunct="1">
+        <a:defRPr sz="1800" kern="1200">
+          <a:solidFill>
+            <a:schemeClr val="tx1"/>
+          </a:solidFill>
+          <a:latin typeface="+mn-lt"/>
+          <a:ea typeface="+mn-ea"/>
+          <a:cs typeface="+mn-cs"/>
+        </a:defRPr>
+      </a:lvl2pPr>
+      <a:lvl3pPr marL="914400" algn="l" defTabSz="914400" rtl="0" eaLnBrk="1" latinLnBrk="0" hangingPunct="1">
+        <a:defRPr sz="1800" kern="1200">
+          <a:solidFill>
+            <a:schemeClr val="tx1"/>
+          </a:solidFill>
+          <a:latin typeface="+mn-lt"/>
+          <a:ea typeface="+mn-ea"/>
+          <a:cs typeface="+mn-cs"/>
+        </a:defRPr>
+      </a:lvl3pPr>
+      <a:lvl4pPr marL="1371600" algn="l" defTabSz="914400" rtl="0" eaLnBrk="1" latinLnBrk="0" hangingPunct="1">
+        <a:defRPr sz="1800" kern="1200">
+          <a:solidFill>
+            <a:schemeClr val="tx1"/>
+          </a:solidFill>
+          <a:latin typeface="+mn-lt"/>
+          <a:ea typeface="+mn-ea"/>
+          <a:cs typeface="+mn-cs"/>
+        </a:defRPr>
+      </a:lvl4pPr>
+      <a:lvl5pPr marL="1828800" algn="l" defTabSz="914400" rtl="0" eaLnBrk="1" latinLnBrk="0" hangingPunct="1">
+        <a:defRPr sz="1800" kern="1200">
+          <a:solidFill>
+            <a:schemeClr val="tx1"/>
+          </a:solidFill>
+          <a:latin typeface="+mn-lt"/>
+          <a:ea typeface="+mn-ea"/>
+          <a:cs typeface="+mn-cs"/>
+        </a:defRPr>
+      </a:lvl5pPr>
+      <a:lvl6pPr marL="2286000" algn="l" defTabSz="914400" rtl="0" eaLnBrk="1" latinLnBrk="0" hangingPunct="1">
+        <a:defRPr sz="1800" kern="1200">
+          <a:solidFill>
+            <a:schemeClr val="tx1"/>
+          </a:solidFill>
+          <a:latin typeface="+mn-lt"/>
+          <a:ea typeface="+mn-ea"/>
+          <a:cs typeface="+mn-cs"/>
+        </a:defRPr>
+      </a:lvl6pPr>
+      <a:lvl7pPr marL="2743200" algn="l" defTabSz="914400" rtl="0" eaLnBrk="1" latinLnBrk="0" hangingPunct="1">
+        <a:defRPr sz="1800" kern="1200">
+          <a:solidFill>
+            <a:schemeClr val="tx1"/>
+          </a:solidFill>
+          <a:latin typeface="+mn-lt"/>
+          <a:ea typeface="+mn-ea"/>
+          <a:cs typeface="+mn-cs"/>
+        </a:defRPr>
+      </a:lvl7pPr>
+      <a:lvl8pPr marL="3200400" algn="l" defTabSz="914400" rtl="0" eaLnBrk="1" latinLnBrk="0" hangingPunct="1">
+        <a:defRPr sz="1800" kern="1200">
+          <a:solidFill>
+            <a:schemeClr val="tx1"/>
+          </a:solidFill>
+          <a:latin typeface="+mn-lt"/>
+          <a:ea typeface="+mn-ea"/>
+          <a:cs typeface="+mn-cs"/>
+        </a:defRPr>
+      </a:lvl8pPr>
+      <a:lvl9pPr marL="3657600" algn="l" defTabSz="914400" rtl="0" eaLnBrk="1" latinLnBrk="0" hangingPunct="1">
         <a:defRPr sz="1800" kern="1200">
           <a:solidFill>
             <a:schemeClr val="tx1"/>
@@ -6157,7 +9132,7 @@
 </p:sld>
 </file>
 
-<file path=ppt/slides/slide2.xml><?xml version="1.0" encoding="utf-8"?>
+<file path=ppt/slides/slide10.xml><?xml version="1.0" encoding="utf-8"?>
 <p:sld xmlns:a="http://schemas.openxmlformats.org/drawingml/2006/main" xmlns:r="http://schemas.openxmlformats.org/officeDocument/2006/relationships" xmlns:p="http://schemas.openxmlformats.org/presentationml/2006/main">
   <p:cSld>
     <p:spTree>
@@ -6176,10 +9151,10 @@
       </p:grpSpPr>
       <p:sp>
         <p:nvSpPr>
-          <p:cNvPr id="4" name="文本框 3">
+          <p:cNvPr id="8" name="文本框 7">
             <a:extLst>
               <a:ext uri="{FF2B5EF4-FFF2-40B4-BE49-F238E27FC236}">
-                <a16:creationId xmlns:a16="http://schemas.microsoft.com/office/drawing/2014/main" id="{E655FD0E-9B79-4005-8FFE-1A2155E43DDE}"/>
+                <a16:creationId xmlns:a16="http://schemas.microsoft.com/office/drawing/2014/main" id="{710AF93E-FA33-45CB-B45F-E97B134E5DCD}"/>
               </a:ext>
             </a:extLst>
           </p:cNvPr>
@@ -6188,50 +9163,8 @@
         </p:nvSpPr>
         <p:spPr>
           <a:xfrm>
-            <a:off x="3950515" y="1666847"/>
-            <a:ext cx="4290969" cy="400110"/>
-          </a:xfrm>
-          <a:prstGeom prst="rect">
-            <a:avLst/>
-          </a:prstGeom>
-          <a:solidFill>
-            <a:schemeClr val="tx1">
-              <a:lumMod val="50000"/>
-            </a:schemeClr>
-          </a:solidFill>
-        </p:spPr>
-        <p:txBody>
-          <a:bodyPr wrap="square" rtlCol="0">
-            <a:spAutoFit/>
-          </a:bodyPr>
-          <a:lstStyle/>
-          <a:p>
-            <a:r>
-              <a:rPr lang="zh-CN" altLang="en-US" sz="2000" dirty="0">
-                <a:latin typeface="等线" panose="02010600030101010101" pitchFamily="2" charset="-122"/>
-                <a:ea typeface="等线" panose="02010600030101010101" pitchFamily="2" charset="-122"/>
-              </a:rPr>
-              <a:t>分析背景与目的</a:t>
-            </a:r>
-          </a:p>
-        </p:txBody>
-      </p:sp>
-      <p:sp>
-        <p:nvSpPr>
-          <p:cNvPr id="6" name="文本框 5">
-            <a:extLst>
-              <a:ext uri="{FF2B5EF4-FFF2-40B4-BE49-F238E27FC236}">
-                <a16:creationId xmlns:a16="http://schemas.microsoft.com/office/drawing/2014/main" id="{55C3C340-5F07-42EE-A946-E14FABEFFB2B}"/>
-              </a:ext>
-            </a:extLst>
-          </p:cNvPr>
-          <p:cNvSpPr txBox="1"/>
-          <p:nvPr/>
-        </p:nvSpPr>
-        <p:spPr>
-          <a:xfrm>
-            <a:off x="2348918" y="722851"/>
-            <a:ext cx="2323750" cy="523220"/>
+            <a:off x="2351896" y="5006982"/>
+            <a:ext cx="7488208" cy="738664"/>
           </a:xfrm>
           <a:prstGeom prst="rect">
             <a:avLst/>
@@ -6244,442 +9177,17 @@
           </a:bodyPr>
           <a:lstStyle/>
           <a:p>
-            <a:r>
-              <a:rPr lang="zh-CN" altLang="en-US" sz="2800" dirty="0">
+            <a:pPr>
+              <a:lnSpc>
+                <a:spcPct val="150000"/>
+              </a:lnSpc>
+            </a:pPr>
+            <a:r>
+              <a:rPr lang="zh-CN" altLang="en-US" sz="1400" dirty="0">
                 <a:latin typeface="微软雅黑" panose="020B0503020204020204" pitchFamily="34" charset="-122"/>
                 <a:ea typeface="微软雅黑" panose="020B0503020204020204" pitchFamily="34" charset="-122"/>
               </a:rPr>
-              <a:t>目录</a:t>
-            </a:r>
-          </a:p>
-        </p:txBody>
-      </p:sp>
-      <p:sp>
-        <p:nvSpPr>
-          <p:cNvPr id="7" name="矩形: 圆角 6">
-            <a:extLst>
-              <a:ext uri="{FF2B5EF4-FFF2-40B4-BE49-F238E27FC236}">
-                <a16:creationId xmlns:a16="http://schemas.microsoft.com/office/drawing/2014/main" id="{680D5E7D-ABCA-4BDB-A303-CE7002B516F6}"/>
-              </a:ext>
-            </a:extLst>
-          </p:cNvPr>
-          <p:cNvSpPr/>
-          <p:nvPr/>
-        </p:nvSpPr>
-        <p:spPr>
-          <a:xfrm>
-            <a:off x="3452769" y="1699122"/>
-            <a:ext cx="335560" cy="335560"/>
-          </a:xfrm>
-          <a:prstGeom prst="roundRect">
-            <a:avLst/>
-          </a:prstGeom>
-          <a:ln>
-            <a:noFill/>
-          </a:ln>
-        </p:spPr>
-        <p:style>
-          <a:lnRef idx="1">
-            <a:schemeClr val="dk1"/>
-          </a:lnRef>
-          <a:fillRef idx="2">
-            <a:schemeClr val="dk1"/>
-          </a:fillRef>
-          <a:effectRef idx="1">
-            <a:schemeClr val="dk1"/>
-          </a:effectRef>
-          <a:fontRef idx="minor">
-            <a:schemeClr val="dk1"/>
-          </a:fontRef>
-        </p:style>
-        <p:txBody>
-          <a:bodyPr rtlCol="0" anchor="ctr"/>
-          <a:lstStyle/>
-          <a:p>
-            <a:pPr algn="ctr"/>
-            <a:r>
-              <a:rPr lang="en-US" altLang="zh-CN" dirty="0"/>
-              <a:t>1</a:t>
-            </a:r>
-            <a:endParaRPr lang="zh-CN" altLang="en-US" dirty="0"/>
-          </a:p>
-        </p:txBody>
-      </p:sp>
-      <p:sp>
-        <p:nvSpPr>
-          <p:cNvPr id="8" name="文本框 7">
-            <a:extLst>
-              <a:ext uri="{FF2B5EF4-FFF2-40B4-BE49-F238E27FC236}">
-                <a16:creationId xmlns:a16="http://schemas.microsoft.com/office/drawing/2014/main" id="{079E7422-4DFD-46DA-A053-386F0B48A736}"/>
-              </a:ext>
-            </a:extLst>
-          </p:cNvPr>
-          <p:cNvSpPr txBox="1"/>
-          <p:nvPr/>
-        </p:nvSpPr>
-        <p:spPr>
-          <a:xfrm>
-            <a:off x="3950516" y="3097125"/>
-            <a:ext cx="4290968" cy="400110"/>
-          </a:xfrm>
-          <a:prstGeom prst="rect">
-            <a:avLst/>
-          </a:prstGeom>
-          <a:solidFill>
-            <a:schemeClr val="tx1">
-              <a:lumMod val="50000"/>
-            </a:schemeClr>
-          </a:solidFill>
-        </p:spPr>
-        <p:txBody>
-          <a:bodyPr wrap="square" rtlCol="0">
-            <a:spAutoFit/>
-          </a:bodyPr>
-          <a:lstStyle/>
-          <a:p>
-            <a:r>
-              <a:rPr lang="zh-CN" altLang="en-US" sz="2000" dirty="0">
-                <a:latin typeface="等线" panose="02010600030101010101" pitchFamily="2" charset="-122"/>
-                <a:ea typeface="等线" panose="02010600030101010101" pitchFamily="2" charset="-122"/>
-              </a:rPr>
-              <a:t>图表分析</a:t>
-            </a:r>
-          </a:p>
-        </p:txBody>
-      </p:sp>
-      <p:sp>
-        <p:nvSpPr>
-          <p:cNvPr id="9" name="矩形: 圆角 8">
-            <a:extLst>
-              <a:ext uri="{FF2B5EF4-FFF2-40B4-BE49-F238E27FC236}">
-                <a16:creationId xmlns:a16="http://schemas.microsoft.com/office/drawing/2014/main" id="{CA8BD5BD-DD55-46DB-AC9D-F710DC3741B5}"/>
-              </a:ext>
-            </a:extLst>
-          </p:cNvPr>
-          <p:cNvSpPr/>
-          <p:nvPr/>
-        </p:nvSpPr>
-        <p:spPr>
-          <a:xfrm>
-            <a:off x="3452769" y="2414261"/>
-            <a:ext cx="335560" cy="335560"/>
-          </a:xfrm>
-          <a:prstGeom prst="roundRect">
-            <a:avLst/>
-          </a:prstGeom>
-          <a:ln>
-            <a:noFill/>
-          </a:ln>
-        </p:spPr>
-        <p:style>
-          <a:lnRef idx="1">
-            <a:schemeClr val="dk1"/>
-          </a:lnRef>
-          <a:fillRef idx="2">
-            <a:schemeClr val="dk1"/>
-          </a:fillRef>
-          <a:effectRef idx="1">
-            <a:schemeClr val="dk1"/>
-          </a:effectRef>
-          <a:fontRef idx="minor">
-            <a:schemeClr val="dk1"/>
-          </a:fontRef>
-        </p:style>
-        <p:txBody>
-          <a:bodyPr rtlCol="0" anchor="ctr"/>
-          <a:lstStyle/>
-          <a:p>
-            <a:pPr algn="ctr"/>
-            <a:r>
-              <a:rPr lang="en-US" altLang="zh-CN" dirty="0"/>
-              <a:t>2</a:t>
-            </a:r>
-            <a:endParaRPr lang="zh-CN" altLang="en-US" dirty="0"/>
-          </a:p>
-        </p:txBody>
-      </p:sp>
-      <p:sp>
-        <p:nvSpPr>
-          <p:cNvPr id="10" name="文本框 9">
-            <a:extLst>
-              <a:ext uri="{FF2B5EF4-FFF2-40B4-BE49-F238E27FC236}">
-                <a16:creationId xmlns:a16="http://schemas.microsoft.com/office/drawing/2014/main" id="{89CE8460-D400-4F5F-A67C-554C80A5473A}"/>
-              </a:ext>
-            </a:extLst>
-          </p:cNvPr>
-          <p:cNvSpPr txBox="1"/>
-          <p:nvPr/>
-        </p:nvSpPr>
-        <p:spPr>
-          <a:xfrm>
-            <a:off x="3950516" y="3808817"/>
-            <a:ext cx="4290968" cy="400110"/>
-          </a:xfrm>
-          <a:prstGeom prst="rect">
-            <a:avLst/>
-          </a:prstGeom>
-          <a:solidFill>
-            <a:schemeClr val="tx1">
-              <a:lumMod val="50000"/>
-            </a:schemeClr>
-          </a:solidFill>
-          <a:ln>
-            <a:solidFill>
-              <a:schemeClr val="tx1">
-                <a:lumMod val="50000"/>
-              </a:schemeClr>
-            </a:solidFill>
-          </a:ln>
-        </p:spPr>
-        <p:txBody>
-          <a:bodyPr wrap="square" rtlCol="0">
-            <a:spAutoFit/>
-          </a:bodyPr>
-          <a:lstStyle/>
-          <a:p>
-            <a:r>
-              <a:rPr lang="zh-CN" altLang="en-US" sz="2000" dirty="0">
-                <a:latin typeface="等线" panose="02010600030101010101" pitchFamily="2" charset="-122"/>
-                <a:ea typeface="等线" panose="02010600030101010101" pitchFamily="2" charset="-122"/>
-              </a:rPr>
-              <a:t>结论</a:t>
-            </a:r>
-          </a:p>
-        </p:txBody>
-      </p:sp>
-      <p:sp>
-        <p:nvSpPr>
-          <p:cNvPr id="11" name="矩形: 圆角 10">
-            <a:extLst>
-              <a:ext uri="{FF2B5EF4-FFF2-40B4-BE49-F238E27FC236}">
-                <a16:creationId xmlns:a16="http://schemas.microsoft.com/office/drawing/2014/main" id="{A3FE5395-2E3A-41B7-91A9-3FC71A53506D}"/>
-              </a:ext>
-            </a:extLst>
-          </p:cNvPr>
-          <p:cNvSpPr/>
-          <p:nvPr/>
-        </p:nvSpPr>
-        <p:spPr>
-          <a:xfrm>
-            <a:off x="3452769" y="3129400"/>
-            <a:ext cx="335560" cy="335560"/>
-          </a:xfrm>
-          <a:prstGeom prst="roundRect">
-            <a:avLst/>
-          </a:prstGeom>
-          <a:ln>
-            <a:noFill/>
-          </a:ln>
-        </p:spPr>
-        <p:style>
-          <a:lnRef idx="1">
-            <a:schemeClr val="dk1"/>
-          </a:lnRef>
-          <a:fillRef idx="2">
-            <a:schemeClr val="dk1"/>
-          </a:fillRef>
-          <a:effectRef idx="1">
-            <a:schemeClr val="dk1"/>
-          </a:effectRef>
-          <a:fontRef idx="minor">
-            <a:schemeClr val="dk1"/>
-          </a:fontRef>
-        </p:style>
-        <p:txBody>
-          <a:bodyPr rtlCol="0" anchor="ctr"/>
-          <a:lstStyle/>
-          <a:p>
-            <a:pPr algn="ctr"/>
-            <a:r>
-              <a:rPr lang="en-US" altLang="zh-CN" dirty="0"/>
-              <a:t>3</a:t>
-            </a:r>
-            <a:endParaRPr lang="zh-CN" altLang="en-US" dirty="0"/>
-          </a:p>
-        </p:txBody>
-      </p:sp>
-      <p:sp>
-        <p:nvSpPr>
-          <p:cNvPr id="12" name="文本框 11">
-            <a:extLst>
-              <a:ext uri="{FF2B5EF4-FFF2-40B4-BE49-F238E27FC236}">
-                <a16:creationId xmlns:a16="http://schemas.microsoft.com/office/drawing/2014/main" id="{1C1F8C46-2157-4459-AF1C-853FF08235A7}"/>
-              </a:ext>
-            </a:extLst>
-          </p:cNvPr>
-          <p:cNvSpPr txBox="1"/>
-          <p:nvPr/>
-        </p:nvSpPr>
-        <p:spPr>
-          <a:xfrm>
-            <a:off x="3950515" y="4527657"/>
-            <a:ext cx="4290967" cy="399600"/>
-          </a:xfrm>
-          <a:prstGeom prst="rect">
-            <a:avLst/>
-          </a:prstGeom>
-          <a:solidFill>
-            <a:schemeClr val="tx1">
-              <a:lumMod val="50000"/>
-            </a:schemeClr>
-          </a:solidFill>
-        </p:spPr>
-        <p:txBody>
-          <a:bodyPr wrap="square" rtlCol="0">
-            <a:spAutoFit/>
-          </a:bodyPr>
-          <a:lstStyle/>
-          <a:p>
-            <a:r>
-              <a:rPr lang="zh-CN" altLang="en-US" sz="2000" dirty="0">
-                <a:latin typeface="等线" panose="02010600030101010101" pitchFamily="2" charset="-122"/>
-                <a:ea typeface="等线" panose="02010600030101010101" pitchFamily="2" charset="-122"/>
-              </a:rPr>
-              <a:t>附录</a:t>
-            </a:r>
-          </a:p>
-        </p:txBody>
-      </p:sp>
-      <p:sp>
-        <p:nvSpPr>
-          <p:cNvPr id="13" name="矩形: 圆角 12">
-            <a:extLst>
-              <a:ext uri="{FF2B5EF4-FFF2-40B4-BE49-F238E27FC236}">
-                <a16:creationId xmlns:a16="http://schemas.microsoft.com/office/drawing/2014/main" id="{67C631C6-6FE5-4FFC-8807-D2457AD8D14F}"/>
-              </a:ext>
-            </a:extLst>
-          </p:cNvPr>
-          <p:cNvSpPr/>
-          <p:nvPr/>
-        </p:nvSpPr>
-        <p:spPr>
-          <a:xfrm>
-            <a:off x="3452769" y="3844539"/>
-            <a:ext cx="335560" cy="335560"/>
-          </a:xfrm>
-          <a:prstGeom prst="roundRect">
-            <a:avLst/>
-          </a:prstGeom>
-          <a:ln>
-            <a:noFill/>
-          </a:ln>
-        </p:spPr>
-        <p:style>
-          <a:lnRef idx="1">
-            <a:schemeClr val="dk1"/>
-          </a:lnRef>
-          <a:fillRef idx="2">
-            <a:schemeClr val="dk1"/>
-          </a:fillRef>
-          <a:effectRef idx="1">
-            <a:schemeClr val="dk1"/>
-          </a:effectRef>
-          <a:fontRef idx="minor">
-            <a:schemeClr val="dk1"/>
-          </a:fontRef>
-        </p:style>
-        <p:txBody>
-          <a:bodyPr rtlCol="0" anchor="ctr"/>
-          <a:lstStyle/>
-          <a:p>
-            <a:pPr algn="ctr"/>
-            <a:r>
-              <a:rPr lang="en-US" altLang="zh-CN" dirty="0"/>
-              <a:t>4</a:t>
-            </a:r>
-            <a:endParaRPr lang="zh-CN" altLang="en-US" dirty="0"/>
-          </a:p>
-        </p:txBody>
-      </p:sp>
-      <p:sp>
-        <p:nvSpPr>
-          <p:cNvPr id="14" name="矩形: 圆角 13">
-            <a:extLst>
-              <a:ext uri="{FF2B5EF4-FFF2-40B4-BE49-F238E27FC236}">
-                <a16:creationId xmlns:a16="http://schemas.microsoft.com/office/drawing/2014/main" id="{9F75767C-8B5D-47E3-8A21-BFA08A9E49B8}"/>
-              </a:ext>
-            </a:extLst>
-          </p:cNvPr>
-          <p:cNvSpPr/>
-          <p:nvPr/>
-        </p:nvSpPr>
-        <p:spPr>
-          <a:xfrm>
-            <a:off x="3452769" y="4559677"/>
-            <a:ext cx="335560" cy="335560"/>
-          </a:xfrm>
-          <a:prstGeom prst="roundRect">
-            <a:avLst/>
-          </a:prstGeom>
-          <a:ln>
-            <a:noFill/>
-          </a:ln>
-        </p:spPr>
-        <p:style>
-          <a:lnRef idx="1">
-            <a:schemeClr val="dk1"/>
-          </a:lnRef>
-          <a:fillRef idx="2">
-            <a:schemeClr val="dk1"/>
-          </a:fillRef>
-          <a:effectRef idx="1">
-            <a:schemeClr val="dk1"/>
-          </a:effectRef>
-          <a:fontRef idx="minor">
-            <a:schemeClr val="dk1"/>
-          </a:fontRef>
-        </p:style>
-        <p:txBody>
-          <a:bodyPr rtlCol="0" anchor="ctr"/>
-          <a:lstStyle/>
-          <a:p>
-            <a:pPr algn="ctr"/>
-            <a:r>
-              <a:rPr lang="en-US" altLang="zh-CN" dirty="0"/>
-              <a:t>5</a:t>
-            </a:r>
-            <a:endParaRPr lang="zh-CN" altLang="en-US" dirty="0"/>
-          </a:p>
-        </p:txBody>
-      </p:sp>
-      <p:sp>
-        <p:nvSpPr>
-          <p:cNvPr id="16" name="文本框 15">
-            <a:extLst>
-              <a:ext uri="{FF2B5EF4-FFF2-40B4-BE49-F238E27FC236}">
-                <a16:creationId xmlns:a16="http://schemas.microsoft.com/office/drawing/2014/main" id="{6DF2A479-3B12-4F35-8597-CFBB97119181}"/>
-              </a:ext>
-            </a:extLst>
-          </p:cNvPr>
-          <p:cNvSpPr txBox="1"/>
-          <p:nvPr/>
-        </p:nvSpPr>
-        <p:spPr>
-          <a:xfrm>
-            <a:off x="3950515" y="2385687"/>
-            <a:ext cx="4290968" cy="399600"/>
-          </a:xfrm>
-          <a:prstGeom prst="rect">
-            <a:avLst/>
-          </a:prstGeom>
-          <a:solidFill>
-            <a:schemeClr val="tx1">
-              <a:lumMod val="50000"/>
-            </a:schemeClr>
-          </a:solidFill>
-        </p:spPr>
-        <p:txBody>
-          <a:bodyPr wrap="square" rtlCol="0">
-            <a:spAutoFit/>
-          </a:bodyPr>
-          <a:lstStyle/>
-          <a:p>
-            <a:r>
-              <a:rPr lang="zh-CN" altLang="en-US" sz="2000" dirty="0">
-                <a:latin typeface="等线" panose="02010600030101010101" pitchFamily="2" charset="-122"/>
-                <a:ea typeface="等线" panose="02010600030101010101" pitchFamily="2" charset="-122"/>
-              </a:rPr>
-              <a:t>数据来源</a:t>
+              <a:t>在需求数据分析职位的企业中，随着企业规模的增大，对于这一职位的需求程度也随之增加，图中可以看出需要数据分析的更多是大型企业，而小公司对这一职位的需求程度较低。</a:t>
             </a:r>
           </a:p>
         </p:txBody>
@@ -6687,7 +9195,7 @@
     </p:spTree>
     <p:extLst>
       <p:ext uri="{BB962C8B-B14F-4D97-AF65-F5344CB8AC3E}">
-        <p14:creationId xmlns:p14="http://schemas.microsoft.com/office/powerpoint/2010/main" val="3203505746"/>
+        <p14:creationId xmlns:p14="http://schemas.microsoft.com/office/powerpoint/2010/main" val="3835383106"/>
       </p:ext>
     </p:extLst>
   </p:cSld>
@@ -6697,7 +9205,7 @@
 </p:sld>
 </file>
 
-<file path=ppt/slides/slide3.xml><?xml version="1.0" encoding="utf-8"?>
+<file path=ppt/slides/slide11.xml><?xml version="1.0" encoding="utf-8"?>
 <p:sld xmlns:a="http://schemas.openxmlformats.org/drawingml/2006/main" xmlns:r="http://schemas.openxmlformats.org/officeDocument/2006/relationships" xmlns:p="http://schemas.openxmlformats.org/presentationml/2006/main">
   <p:cSld>
     <p:spTree>
@@ -6716,239 +9224,10 @@
       </p:grpSpPr>
       <p:sp>
         <p:nvSpPr>
-          <p:cNvPr id="4" name="矩形: 圆角 3">
+          <p:cNvPr id="4" name="标题 1">
             <a:extLst>
               <a:ext uri="{FF2B5EF4-FFF2-40B4-BE49-F238E27FC236}">
-                <a16:creationId xmlns:a16="http://schemas.microsoft.com/office/drawing/2014/main" id="{D7FF99BA-2E54-44A6-B41B-AC7E003522CE}"/>
-              </a:ext>
-            </a:extLst>
-          </p:cNvPr>
-          <p:cNvSpPr/>
-          <p:nvPr/>
-        </p:nvSpPr>
-        <p:spPr>
-          <a:xfrm>
-            <a:off x="2002172" y="1231084"/>
-            <a:ext cx="8187655" cy="4395831"/>
-          </a:xfrm>
-          <a:prstGeom prst="roundRect">
-            <a:avLst/>
-          </a:prstGeom>
-          <a:solidFill>
-            <a:schemeClr val="accent4">
-              <a:lumMod val="60000"/>
-              <a:lumOff val="40000"/>
-            </a:schemeClr>
-          </a:solidFill>
-          <a:ln>
-            <a:solidFill>
-              <a:schemeClr val="tx1"/>
-            </a:solidFill>
-          </a:ln>
-        </p:spPr>
-        <p:style>
-          <a:lnRef idx="2">
-            <a:schemeClr val="accent1">
-              <a:shade val="50000"/>
-            </a:schemeClr>
-          </a:lnRef>
-          <a:fillRef idx="1">
-            <a:schemeClr val="accent1"/>
-          </a:fillRef>
-          <a:effectRef idx="0">
-            <a:schemeClr val="accent1"/>
-          </a:effectRef>
-          <a:fontRef idx="minor">
-            <a:schemeClr val="lt1"/>
-          </a:fontRef>
-        </p:style>
-        <p:txBody>
-          <a:bodyPr rtlCol="0" anchor="ctr"/>
-          <a:lstStyle/>
-          <a:p>
-            <a:pPr algn="ctr"/>
-            <a:endParaRPr lang="zh-CN" altLang="en-US"/>
-          </a:p>
-        </p:txBody>
-      </p:sp>
-      <p:sp>
-        <p:nvSpPr>
-          <p:cNvPr id="2" name="标题 1">
-            <a:extLst>
-              <a:ext uri="{FF2B5EF4-FFF2-40B4-BE49-F238E27FC236}">
-                <a16:creationId xmlns:a16="http://schemas.microsoft.com/office/drawing/2014/main" id="{5646614E-C073-401D-A314-E45B5A1CD03D}"/>
-              </a:ext>
-            </a:extLst>
-          </p:cNvPr>
-          <p:cNvSpPr>
-            <a:spLocks noGrp="1"/>
-          </p:cNvSpPr>
-          <p:nvPr>
-            <p:ph type="title"/>
-          </p:nvPr>
-        </p:nvSpPr>
-        <p:spPr>
-          <a:xfrm>
-            <a:off x="2299158" y="1421091"/>
-            <a:ext cx="4518295" cy="724393"/>
-          </a:xfrm>
-        </p:spPr>
-        <p:txBody>
-          <a:bodyPr/>
-          <a:lstStyle/>
-          <a:p>
-            <a:r>
-              <a:rPr lang="zh-CN" altLang="en-US" sz="3200" dirty="0">
-                <a:solidFill>
-                  <a:schemeClr val="bg1"/>
-                </a:solidFill>
-                <a:latin typeface="微软雅黑" panose="020B0503020204020204" pitchFamily="34" charset="-122"/>
-                <a:ea typeface="微软雅黑" panose="020B0503020204020204" pitchFamily="34" charset="-122"/>
-              </a:rPr>
-              <a:t>分析背景与目的</a:t>
-            </a:r>
-            <a:br>
-              <a:rPr lang="zh-CN" altLang="en-US" sz="4400" dirty="0">
-                <a:latin typeface="等线" panose="02010600030101010101" pitchFamily="2" charset="-122"/>
-                <a:ea typeface="等线" panose="02010600030101010101" pitchFamily="2" charset="-122"/>
-              </a:rPr>
-            </a:br>
-            <a:endParaRPr lang="zh-CN" altLang="en-US" dirty="0"/>
-          </a:p>
-        </p:txBody>
-      </p:sp>
-      <p:sp>
-        <p:nvSpPr>
-          <p:cNvPr id="5" name="文本框 4">
-            <a:extLst>
-              <a:ext uri="{FF2B5EF4-FFF2-40B4-BE49-F238E27FC236}">
-                <a16:creationId xmlns:a16="http://schemas.microsoft.com/office/drawing/2014/main" id="{D1556DF4-43C2-42AF-800C-3FA59CEAA00E}"/>
-              </a:ext>
-            </a:extLst>
-          </p:cNvPr>
-          <p:cNvSpPr txBox="1"/>
-          <p:nvPr/>
-        </p:nvSpPr>
-        <p:spPr>
-          <a:xfrm>
-            <a:off x="2438399" y="2145484"/>
-            <a:ext cx="1107996" cy="369332"/>
-          </a:xfrm>
-          <a:prstGeom prst="rect">
-            <a:avLst/>
-          </a:prstGeom>
-          <a:noFill/>
-        </p:spPr>
-        <p:txBody>
-          <a:bodyPr wrap="none" rtlCol="0">
-            <a:spAutoFit/>
-          </a:bodyPr>
-          <a:lstStyle/>
-          <a:p>
-            <a:r>
-              <a:rPr lang="zh-CN" altLang="en-US" dirty="0">
-                <a:solidFill>
-                  <a:schemeClr val="bg1"/>
-                </a:solidFill>
-              </a:rPr>
-              <a:t>数据时代</a:t>
-            </a:r>
-          </a:p>
-        </p:txBody>
-      </p:sp>
-    </p:spTree>
-    <p:extLst>
-      <p:ext uri="{BB962C8B-B14F-4D97-AF65-F5344CB8AC3E}">
-        <p14:creationId xmlns:p14="http://schemas.microsoft.com/office/powerpoint/2010/main" val="3061139083"/>
-      </p:ext>
-    </p:extLst>
-  </p:cSld>
-  <p:clrMapOvr>
-    <a:masterClrMapping/>
-  </p:clrMapOvr>
-</p:sld>
-</file>
-
-<file path=ppt/slides/slide4.xml><?xml version="1.0" encoding="utf-8"?>
-<p:sld xmlns:a="http://schemas.openxmlformats.org/drawingml/2006/main" xmlns:r="http://schemas.openxmlformats.org/officeDocument/2006/relationships" xmlns:p="http://schemas.openxmlformats.org/presentationml/2006/main">
-  <p:cSld>
-    <p:spTree>
-      <p:nvGrpSpPr>
-        <p:cNvPr id="1" name=""/>
-        <p:cNvGrpSpPr/>
-        <p:nvPr/>
-      </p:nvGrpSpPr>
-      <p:grpSpPr>
-        <a:xfrm>
-          <a:off x="0" y="0"/>
-          <a:ext cx="0" cy="0"/>
-          <a:chOff x="0" y="0"/>
-          <a:chExt cx="0" cy="0"/>
-        </a:xfrm>
-      </p:grpSpPr>
-      <p:sp>
-        <p:nvSpPr>
-          <p:cNvPr id="4" name="矩形: 圆角 3">
-            <a:extLst>
-              <a:ext uri="{FF2B5EF4-FFF2-40B4-BE49-F238E27FC236}">
-                <a16:creationId xmlns:a16="http://schemas.microsoft.com/office/drawing/2014/main" id="{0AEFC547-D068-4961-B4E4-0B775940ED2E}"/>
-              </a:ext>
-            </a:extLst>
-          </p:cNvPr>
-          <p:cNvSpPr/>
-          <p:nvPr/>
-        </p:nvSpPr>
-        <p:spPr>
-          <a:xfrm>
-            <a:off x="2002172" y="1231084"/>
-            <a:ext cx="8187655" cy="4395831"/>
-          </a:xfrm>
-          <a:prstGeom prst="roundRect">
-            <a:avLst/>
-          </a:prstGeom>
-          <a:solidFill>
-            <a:schemeClr val="accent4">
-              <a:lumMod val="60000"/>
-              <a:lumOff val="40000"/>
-            </a:schemeClr>
-          </a:solidFill>
-          <a:ln>
-            <a:solidFill>
-              <a:schemeClr val="tx1"/>
-            </a:solidFill>
-          </a:ln>
-        </p:spPr>
-        <p:style>
-          <a:lnRef idx="2">
-            <a:schemeClr val="accent1">
-              <a:shade val="50000"/>
-            </a:schemeClr>
-          </a:lnRef>
-          <a:fillRef idx="1">
-            <a:schemeClr val="accent1"/>
-          </a:fillRef>
-          <a:effectRef idx="0">
-            <a:schemeClr val="accent1"/>
-          </a:effectRef>
-          <a:fontRef idx="minor">
-            <a:schemeClr val="lt1"/>
-          </a:fontRef>
-        </p:style>
-        <p:txBody>
-          <a:bodyPr rtlCol="0" anchor="ctr"/>
-          <a:lstStyle/>
-          <a:p>
-            <a:pPr algn="ctr"/>
-            <a:endParaRPr lang="zh-CN" altLang="en-US"/>
-          </a:p>
-        </p:txBody>
-      </p:sp>
-      <p:sp>
-        <p:nvSpPr>
-          <p:cNvPr id="5" name="标题 1">
-            <a:extLst>
-              <a:ext uri="{FF2B5EF4-FFF2-40B4-BE49-F238E27FC236}">
-                <a16:creationId xmlns:a16="http://schemas.microsoft.com/office/drawing/2014/main" id="{FE47D1B9-24D5-4AB3-B0DA-3438C9B2D92B}"/>
+                <a16:creationId xmlns:a16="http://schemas.microsoft.com/office/drawing/2014/main" id="{1B4EFC9A-F954-4B4B-B6C7-5AF4C02B8A8F}"/>
               </a:ext>
             </a:extLst>
           </p:cNvPr>
@@ -7051,7 +9330,7 @@
                 <a:latin typeface="微软雅黑" panose="020B0503020204020204" pitchFamily="34" charset="-122"/>
                 <a:ea typeface="微软雅黑" panose="020B0503020204020204" pitchFamily="34" charset="-122"/>
               </a:rPr>
-              <a:t>数据来源</a:t>
+              <a:t>结论</a:t>
             </a:r>
             <a:endParaRPr lang="zh-CN" altLang="en-US" dirty="0"/>
           </a:p>
@@ -7059,10 +9338,10 @@
       </p:sp>
       <p:sp>
         <p:nvSpPr>
-          <p:cNvPr id="6" name="文本框 5">
+          <p:cNvPr id="5" name="文本框 4">
             <a:extLst>
               <a:ext uri="{FF2B5EF4-FFF2-40B4-BE49-F238E27FC236}">
-                <a16:creationId xmlns:a16="http://schemas.microsoft.com/office/drawing/2014/main" id="{811CDF46-87D8-4F61-8941-B6122A0E3C09}"/>
+                <a16:creationId xmlns:a16="http://schemas.microsoft.com/office/drawing/2014/main" id="{F3769AAC-99C0-4C51-BE68-E66777B25794}"/>
               </a:ext>
             </a:extLst>
           </p:cNvPr>
@@ -7099,7 +9378,7 @@
     </p:spTree>
     <p:extLst>
       <p:ext uri="{BB962C8B-B14F-4D97-AF65-F5344CB8AC3E}">
-        <p14:creationId xmlns:p14="http://schemas.microsoft.com/office/powerpoint/2010/main" val="4040110178"/>
+        <p14:creationId xmlns:p14="http://schemas.microsoft.com/office/powerpoint/2010/main" val="2125540649"/>
       </p:ext>
     </p:extLst>
   </p:cSld>
@@ -7109,7 +9388,7 @@
 </p:sld>
 </file>
 
-<file path=ppt/slides/slide5.xml><?xml version="1.0" encoding="utf-8"?>
+<file path=ppt/slides/slide12.xml><?xml version="1.0" encoding="utf-8"?>
 <p:sld xmlns:a="http://schemas.openxmlformats.org/drawingml/2006/main" xmlns:r="http://schemas.openxmlformats.org/officeDocument/2006/relationships" xmlns:p="http://schemas.openxmlformats.org/presentationml/2006/main">
   <p:cSld>
     <p:spTree>
@@ -7126,10 +9405,46 @@
           <a:chExt cx="0" cy="0"/>
         </a:xfrm>
       </p:grpSpPr>
+      <p:sp>
+        <p:nvSpPr>
+          <p:cNvPr id="2" name="标题 1">
+            <a:extLst>
+              <a:ext uri="{FF2B5EF4-FFF2-40B4-BE49-F238E27FC236}">
+                <a16:creationId xmlns:a16="http://schemas.microsoft.com/office/drawing/2014/main" id="{5646614E-C073-401D-A314-E45B5A1CD03D}"/>
+              </a:ext>
+            </a:extLst>
+          </p:cNvPr>
+          <p:cNvSpPr>
+            <a:spLocks noGrp="1"/>
+          </p:cNvSpPr>
+          <p:nvPr>
+            <p:ph type="title"/>
+          </p:nvPr>
+        </p:nvSpPr>
+        <p:spPr>
+          <a:xfrm>
+            <a:off x="187929" y="215174"/>
+            <a:ext cx="9404723" cy="788853"/>
+          </a:xfrm>
+        </p:spPr>
+        <p:txBody>
+          <a:bodyPr/>
+          <a:lstStyle/>
+          <a:p>
+            <a:r>
+              <a:rPr lang="zh-CN" altLang="en-US" sz="4400" dirty="0">
+                <a:latin typeface="等线" panose="02010600030101010101" pitchFamily="2" charset="-122"/>
+                <a:ea typeface="等线" panose="02010600030101010101" pitchFamily="2" charset="-122"/>
+              </a:rPr>
+              <a:t>附录</a:t>
+            </a:r>
+          </a:p>
+        </p:txBody>
+      </p:sp>
     </p:spTree>
     <p:extLst>
       <p:ext uri="{BB962C8B-B14F-4D97-AF65-F5344CB8AC3E}">
-        <p14:creationId xmlns:p14="http://schemas.microsoft.com/office/powerpoint/2010/main" val="3711728002"/>
+        <p14:creationId xmlns:p14="http://schemas.microsoft.com/office/powerpoint/2010/main" val="1018427987"/>
       </p:ext>
     </p:extLst>
   </p:cSld>
@@ -7139,7 +9454,7 @@
 </p:sld>
 </file>
 
-<file path=ppt/slides/slide6.xml><?xml version="1.0" encoding="utf-8"?>
+<file path=ppt/slides/slide2.xml><?xml version="1.0" encoding="utf-8"?>
 <p:sld xmlns:a="http://schemas.openxmlformats.org/drawingml/2006/main" xmlns:r="http://schemas.openxmlformats.org/officeDocument/2006/relationships" xmlns:p="http://schemas.openxmlformats.org/presentationml/2006/main">
   <p:cSld>
     <p:spTree>
@@ -7158,10 +9473,90 @@
       </p:grpSpPr>
       <p:sp>
         <p:nvSpPr>
-          <p:cNvPr id="3" name="矩形: 圆角 2">
+          <p:cNvPr id="4" name="文本框 3">
             <a:extLst>
               <a:ext uri="{FF2B5EF4-FFF2-40B4-BE49-F238E27FC236}">
-                <a16:creationId xmlns:a16="http://schemas.microsoft.com/office/drawing/2014/main" id="{5685692A-EF91-4923-979E-63259523C81A}"/>
+                <a16:creationId xmlns:a16="http://schemas.microsoft.com/office/drawing/2014/main" id="{E655FD0E-9B79-4005-8FFE-1A2155E43DDE}"/>
+              </a:ext>
+            </a:extLst>
+          </p:cNvPr>
+          <p:cNvSpPr txBox="1"/>
+          <p:nvPr/>
+        </p:nvSpPr>
+        <p:spPr>
+          <a:xfrm>
+            <a:off x="3950515" y="1666847"/>
+            <a:ext cx="4290969" cy="400110"/>
+          </a:xfrm>
+          <a:prstGeom prst="rect">
+            <a:avLst/>
+          </a:prstGeom>
+          <a:solidFill>
+            <a:schemeClr val="tx1">
+              <a:lumMod val="50000"/>
+            </a:schemeClr>
+          </a:solidFill>
+        </p:spPr>
+        <p:txBody>
+          <a:bodyPr wrap="square" rtlCol="0">
+            <a:spAutoFit/>
+          </a:bodyPr>
+          <a:lstStyle/>
+          <a:p>
+            <a:r>
+              <a:rPr lang="zh-CN" altLang="en-US" sz="2000" dirty="0">
+                <a:latin typeface="等线" panose="02010600030101010101" pitchFamily="2" charset="-122"/>
+                <a:ea typeface="等线" panose="02010600030101010101" pitchFamily="2" charset="-122"/>
+              </a:rPr>
+              <a:t>分析背景与目的</a:t>
+            </a:r>
+          </a:p>
+        </p:txBody>
+      </p:sp>
+      <p:sp>
+        <p:nvSpPr>
+          <p:cNvPr id="6" name="文本框 5">
+            <a:extLst>
+              <a:ext uri="{FF2B5EF4-FFF2-40B4-BE49-F238E27FC236}">
+                <a16:creationId xmlns:a16="http://schemas.microsoft.com/office/drawing/2014/main" id="{55C3C340-5F07-42EE-A946-E14FABEFFB2B}"/>
+              </a:ext>
+            </a:extLst>
+          </p:cNvPr>
+          <p:cNvSpPr txBox="1"/>
+          <p:nvPr/>
+        </p:nvSpPr>
+        <p:spPr>
+          <a:xfrm>
+            <a:off x="2348918" y="722851"/>
+            <a:ext cx="2323750" cy="523220"/>
+          </a:xfrm>
+          <a:prstGeom prst="rect">
+            <a:avLst/>
+          </a:prstGeom>
+          <a:noFill/>
+        </p:spPr>
+        <p:txBody>
+          <a:bodyPr wrap="square" rtlCol="0">
+            <a:spAutoFit/>
+          </a:bodyPr>
+          <a:lstStyle/>
+          <a:p>
+            <a:r>
+              <a:rPr lang="zh-CN" altLang="en-US" sz="2800" dirty="0">
+                <a:latin typeface="微软雅黑" panose="020B0503020204020204" pitchFamily="34" charset="-122"/>
+                <a:ea typeface="微软雅黑" panose="020B0503020204020204" pitchFamily="34" charset="-122"/>
+              </a:rPr>
+              <a:t>目录</a:t>
+            </a:r>
+          </a:p>
+        </p:txBody>
+      </p:sp>
+      <p:sp>
+        <p:nvSpPr>
+          <p:cNvPr id="7" name="矩形: 圆角 6">
+            <a:extLst>
+              <a:ext uri="{FF2B5EF4-FFF2-40B4-BE49-F238E27FC236}">
+                <a16:creationId xmlns:a16="http://schemas.microsoft.com/office/drawing/2014/main" id="{680D5E7D-ABCA-4BDB-A303-CE7002B516F6}"/>
               </a:ext>
             </a:extLst>
           </p:cNvPr>
@@ -7170,38 +9565,221 @@
         </p:nvSpPr>
         <p:spPr>
           <a:xfrm>
-            <a:off x="2002172" y="1231084"/>
-            <a:ext cx="8187655" cy="4395831"/>
+            <a:off x="3452769" y="1699122"/>
+            <a:ext cx="335560" cy="335560"/>
           </a:xfrm>
           <a:prstGeom prst="roundRect">
             <a:avLst/>
           </a:prstGeom>
-          <a:solidFill>
-            <a:schemeClr val="accent4">
-              <a:lumMod val="60000"/>
-              <a:lumOff val="40000"/>
+          <a:ln>
+            <a:noFill/>
+          </a:ln>
+        </p:spPr>
+        <p:style>
+          <a:lnRef idx="1">
+            <a:schemeClr val="dk1"/>
+          </a:lnRef>
+          <a:fillRef idx="2">
+            <a:schemeClr val="dk1"/>
+          </a:fillRef>
+          <a:effectRef idx="1">
+            <a:schemeClr val="dk1"/>
+          </a:effectRef>
+          <a:fontRef idx="minor">
+            <a:schemeClr val="dk1"/>
+          </a:fontRef>
+        </p:style>
+        <p:txBody>
+          <a:bodyPr rtlCol="0" anchor="ctr"/>
+          <a:lstStyle/>
+          <a:p>
+            <a:pPr algn="ctr"/>
+            <a:r>
+              <a:rPr lang="en-US" altLang="zh-CN" dirty="0"/>
+              <a:t>1</a:t>
+            </a:r>
+            <a:endParaRPr lang="zh-CN" altLang="en-US" dirty="0"/>
+          </a:p>
+        </p:txBody>
+      </p:sp>
+      <p:sp>
+        <p:nvSpPr>
+          <p:cNvPr id="8" name="文本框 7">
+            <a:extLst>
+              <a:ext uri="{FF2B5EF4-FFF2-40B4-BE49-F238E27FC236}">
+                <a16:creationId xmlns:a16="http://schemas.microsoft.com/office/drawing/2014/main" id="{079E7422-4DFD-46DA-A053-386F0B48A736}"/>
+              </a:ext>
+            </a:extLst>
+          </p:cNvPr>
+          <p:cNvSpPr txBox="1"/>
+          <p:nvPr/>
+        </p:nvSpPr>
+        <p:spPr>
+          <a:xfrm>
+            <a:off x="3950516" y="3097125"/>
+            <a:ext cx="4290968" cy="400110"/>
+          </a:xfrm>
+          <a:prstGeom prst="rect">
+            <a:avLst/>
+          </a:prstGeom>
+          <a:solidFill>
+            <a:schemeClr val="tx1">
+              <a:lumMod val="50000"/>
+            </a:schemeClr>
+          </a:solidFill>
+        </p:spPr>
+        <p:txBody>
+          <a:bodyPr wrap="square" rtlCol="0">
+            <a:spAutoFit/>
+          </a:bodyPr>
+          <a:lstStyle/>
+          <a:p>
+            <a:r>
+              <a:rPr lang="zh-CN" altLang="en-US" sz="2000" dirty="0">
+                <a:latin typeface="等线" panose="02010600030101010101" pitchFamily="2" charset="-122"/>
+                <a:ea typeface="等线" panose="02010600030101010101" pitchFamily="2" charset="-122"/>
+              </a:rPr>
+              <a:t>图表分析</a:t>
+            </a:r>
+          </a:p>
+        </p:txBody>
+      </p:sp>
+      <p:sp>
+        <p:nvSpPr>
+          <p:cNvPr id="9" name="矩形: 圆角 8">
+            <a:extLst>
+              <a:ext uri="{FF2B5EF4-FFF2-40B4-BE49-F238E27FC236}">
+                <a16:creationId xmlns:a16="http://schemas.microsoft.com/office/drawing/2014/main" id="{CA8BD5BD-DD55-46DB-AC9D-F710DC3741B5}"/>
+              </a:ext>
+            </a:extLst>
+          </p:cNvPr>
+          <p:cNvSpPr/>
+          <p:nvPr/>
+        </p:nvSpPr>
+        <p:spPr>
+          <a:xfrm>
+            <a:off x="3452769" y="2414261"/>
+            <a:ext cx="335560" cy="335560"/>
+          </a:xfrm>
+          <a:prstGeom prst="roundRect">
+            <a:avLst/>
+          </a:prstGeom>
+          <a:ln>
+            <a:noFill/>
+          </a:ln>
+        </p:spPr>
+        <p:style>
+          <a:lnRef idx="1">
+            <a:schemeClr val="dk1"/>
+          </a:lnRef>
+          <a:fillRef idx="2">
+            <a:schemeClr val="dk1"/>
+          </a:fillRef>
+          <a:effectRef idx="1">
+            <a:schemeClr val="dk1"/>
+          </a:effectRef>
+          <a:fontRef idx="minor">
+            <a:schemeClr val="dk1"/>
+          </a:fontRef>
+        </p:style>
+        <p:txBody>
+          <a:bodyPr rtlCol="0" anchor="ctr"/>
+          <a:lstStyle/>
+          <a:p>
+            <a:pPr algn="ctr"/>
+            <a:r>
+              <a:rPr lang="en-US" altLang="zh-CN" dirty="0"/>
+              <a:t>2</a:t>
+            </a:r>
+            <a:endParaRPr lang="zh-CN" altLang="en-US" dirty="0"/>
+          </a:p>
+        </p:txBody>
+      </p:sp>
+      <p:sp>
+        <p:nvSpPr>
+          <p:cNvPr id="10" name="文本框 9">
+            <a:extLst>
+              <a:ext uri="{FF2B5EF4-FFF2-40B4-BE49-F238E27FC236}">
+                <a16:creationId xmlns:a16="http://schemas.microsoft.com/office/drawing/2014/main" id="{89CE8460-D400-4F5F-A67C-554C80A5473A}"/>
+              </a:ext>
+            </a:extLst>
+          </p:cNvPr>
+          <p:cNvSpPr txBox="1"/>
+          <p:nvPr/>
+        </p:nvSpPr>
+        <p:spPr>
+          <a:xfrm>
+            <a:off x="3950516" y="3808817"/>
+            <a:ext cx="4290968" cy="400110"/>
+          </a:xfrm>
+          <a:prstGeom prst="rect">
+            <a:avLst/>
+          </a:prstGeom>
+          <a:solidFill>
+            <a:schemeClr val="tx1">
+              <a:lumMod val="50000"/>
             </a:schemeClr>
           </a:solidFill>
           <a:ln>
             <a:solidFill>
-              <a:schemeClr val="tx1"/>
+              <a:schemeClr val="tx1">
+                <a:lumMod val="50000"/>
+              </a:schemeClr>
             </a:solidFill>
           </a:ln>
         </p:spPr>
+        <p:txBody>
+          <a:bodyPr wrap="square" rtlCol="0">
+            <a:spAutoFit/>
+          </a:bodyPr>
+          <a:lstStyle/>
+          <a:p>
+            <a:r>
+              <a:rPr lang="zh-CN" altLang="en-US" sz="2000" dirty="0">
+                <a:latin typeface="等线" panose="02010600030101010101" pitchFamily="2" charset="-122"/>
+                <a:ea typeface="等线" panose="02010600030101010101" pitchFamily="2" charset="-122"/>
+              </a:rPr>
+              <a:t>结论</a:t>
+            </a:r>
+          </a:p>
+        </p:txBody>
+      </p:sp>
+      <p:sp>
+        <p:nvSpPr>
+          <p:cNvPr id="11" name="矩形: 圆角 10">
+            <a:extLst>
+              <a:ext uri="{FF2B5EF4-FFF2-40B4-BE49-F238E27FC236}">
+                <a16:creationId xmlns:a16="http://schemas.microsoft.com/office/drawing/2014/main" id="{A3FE5395-2E3A-41B7-91A9-3FC71A53506D}"/>
+              </a:ext>
+            </a:extLst>
+          </p:cNvPr>
+          <p:cNvSpPr/>
+          <p:nvPr/>
+        </p:nvSpPr>
+        <p:spPr>
+          <a:xfrm>
+            <a:off x="3452769" y="3129400"/>
+            <a:ext cx="335560" cy="335560"/>
+          </a:xfrm>
+          <a:prstGeom prst="roundRect">
+            <a:avLst/>
+          </a:prstGeom>
+          <a:ln>
+            <a:noFill/>
+          </a:ln>
+        </p:spPr>
         <p:style>
-          <a:lnRef idx="2">
-            <a:schemeClr val="accent1">
-              <a:shade val="50000"/>
-            </a:schemeClr>
+          <a:lnRef idx="1">
+            <a:schemeClr val="dk1"/>
           </a:lnRef>
-          <a:fillRef idx="1">
-            <a:schemeClr val="accent1"/>
+          <a:fillRef idx="2">
+            <a:schemeClr val="dk1"/>
           </a:fillRef>
-          <a:effectRef idx="0">
-            <a:schemeClr val="accent1"/>
+          <a:effectRef idx="1">
+            <a:schemeClr val="dk1"/>
           </a:effectRef>
           <a:fontRef idx="minor">
-            <a:schemeClr val="lt1"/>
+            <a:schemeClr val="dk1"/>
           </a:fontRef>
         </p:style>
         <p:txBody>
@@ -7209,16 +9787,353 @@
           <a:lstStyle/>
           <a:p>
             <a:pPr algn="ctr"/>
-            <a:endParaRPr lang="zh-CN" altLang="en-US"/>
-          </a:p>
-        </p:txBody>
-      </p:sp>
-      <p:sp>
-        <p:nvSpPr>
-          <p:cNvPr id="4" name="标题 1">
+            <a:r>
+              <a:rPr lang="en-US" altLang="zh-CN" dirty="0"/>
+              <a:t>3</a:t>
+            </a:r>
+            <a:endParaRPr lang="zh-CN" altLang="en-US" dirty="0"/>
+          </a:p>
+        </p:txBody>
+      </p:sp>
+      <p:sp>
+        <p:nvSpPr>
+          <p:cNvPr id="12" name="文本框 11">
             <a:extLst>
               <a:ext uri="{FF2B5EF4-FFF2-40B4-BE49-F238E27FC236}">
-                <a16:creationId xmlns:a16="http://schemas.microsoft.com/office/drawing/2014/main" id="{1B4EFC9A-F954-4B4B-B6C7-5AF4C02B8A8F}"/>
+                <a16:creationId xmlns:a16="http://schemas.microsoft.com/office/drawing/2014/main" id="{1C1F8C46-2157-4459-AF1C-853FF08235A7}"/>
+              </a:ext>
+            </a:extLst>
+          </p:cNvPr>
+          <p:cNvSpPr txBox="1"/>
+          <p:nvPr/>
+        </p:nvSpPr>
+        <p:spPr>
+          <a:xfrm>
+            <a:off x="3950515" y="4527657"/>
+            <a:ext cx="4290967" cy="399600"/>
+          </a:xfrm>
+          <a:prstGeom prst="rect">
+            <a:avLst/>
+          </a:prstGeom>
+          <a:solidFill>
+            <a:schemeClr val="tx1">
+              <a:lumMod val="50000"/>
+            </a:schemeClr>
+          </a:solidFill>
+        </p:spPr>
+        <p:txBody>
+          <a:bodyPr wrap="square" rtlCol="0">
+            <a:spAutoFit/>
+          </a:bodyPr>
+          <a:lstStyle/>
+          <a:p>
+            <a:r>
+              <a:rPr lang="zh-CN" altLang="en-US" sz="2000" dirty="0">
+                <a:latin typeface="等线" panose="02010600030101010101" pitchFamily="2" charset="-122"/>
+                <a:ea typeface="等线" panose="02010600030101010101" pitchFamily="2" charset="-122"/>
+              </a:rPr>
+              <a:t>附录</a:t>
+            </a:r>
+          </a:p>
+        </p:txBody>
+      </p:sp>
+      <p:sp>
+        <p:nvSpPr>
+          <p:cNvPr id="13" name="矩形: 圆角 12">
+            <a:extLst>
+              <a:ext uri="{FF2B5EF4-FFF2-40B4-BE49-F238E27FC236}">
+                <a16:creationId xmlns:a16="http://schemas.microsoft.com/office/drawing/2014/main" id="{67C631C6-6FE5-4FFC-8807-D2457AD8D14F}"/>
+              </a:ext>
+            </a:extLst>
+          </p:cNvPr>
+          <p:cNvSpPr/>
+          <p:nvPr/>
+        </p:nvSpPr>
+        <p:spPr>
+          <a:xfrm>
+            <a:off x="3452769" y="3844539"/>
+            <a:ext cx="335560" cy="335560"/>
+          </a:xfrm>
+          <a:prstGeom prst="roundRect">
+            <a:avLst/>
+          </a:prstGeom>
+          <a:ln>
+            <a:noFill/>
+          </a:ln>
+        </p:spPr>
+        <p:style>
+          <a:lnRef idx="1">
+            <a:schemeClr val="dk1"/>
+          </a:lnRef>
+          <a:fillRef idx="2">
+            <a:schemeClr val="dk1"/>
+          </a:fillRef>
+          <a:effectRef idx="1">
+            <a:schemeClr val="dk1"/>
+          </a:effectRef>
+          <a:fontRef idx="minor">
+            <a:schemeClr val="dk1"/>
+          </a:fontRef>
+        </p:style>
+        <p:txBody>
+          <a:bodyPr rtlCol="0" anchor="ctr"/>
+          <a:lstStyle/>
+          <a:p>
+            <a:pPr algn="ctr"/>
+            <a:r>
+              <a:rPr lang="en-US" altLang="zh-CN" dirty="0"/>
+              <a:t>4</a:t>
+            </a:r>
+            <a:endParaRPr lang="zh-CN" altLang="en-US" dirty="0"/>
+          </a:p>
+        </p:txBody>
+      </p:sp>
+      <p:sp>
+        <p:nvSpPr>
+          <p:cNvPr id="14" name="矩形: 圆角 13">
+            <a:extLst>
+              <a:ext uri="{FF2B5EF4-FFF2-40B4-BE49-F238E27FC236}">
+                <a16:creationId xmlns:a16="http://schemas.microsoft.com/office/drawing/2014/main" id="{9F75767C-8B5D-47E3-8A21-BFA08A9E49B8}"/>
+              </a:ext>
+            </a:extLst>
+          </p:cNvPr>
+          <p:cNvSpPr/>
+          <p:nvPr/>
+        </p:nvSpPr>
+        <p:spPr>
+          <a:xfrm>
+            <a:off x="3452769" y="4559677"/>
+            <a:ext cx="335560" cy="335560"/>
+          </a:xfrm>
+          <a:prstGeom prst="roundRect">
+            <a:avLst/>
+          </a:prstGeom>
+          <a:ln>
+            <a:noFill/>
+          </a:ln>
+        </p:spPr>
+        <p:style>
+          <a:lnRef idx="1">
+            <a:schemeClr val="dk1"/>
+          </a:lnRef>
+          <a:fillRef idx="2">
+            <a:schemeClr val="dk1"/>
+          </a:fillRef>
+          <a:effectRef idx="1">
+            <a:schemeClr val="dk1"/>
+          </a:effectRef>
+          <a:fontRef idx="minor">
+            <a:schemeClr val="dk1"/>
+          </a:fontRef>
+        </p:style>
+        <p:txBody>
+          <a:bodyPr rtlCol="0" anchor="ctr"/>
+          <a:lstStyle/>
+          <a:p>
+            <a:pPr algn="ctr"/>
+            <a:r>
+              <a:rPr lang="en-US" altLang="zh-CN" dirty="0"/>
+              <a:t>5</a:t>
+            </a:r>
+            <a:endParaRPr lang="zh-CN" altLang="en-US" dirty="0"/>
+          </a:p>
+        </p:txBody>
+      </p:sp>
+      <p:sp>
+        <p:nvSpPr>
+          <p:cNvPr id="16" name="文本框 15">
+            <a:extLst>
+              <a:ext uri="{FF2B5EF4-FFF2-40B4-BE49-F238E27FC236}">
+                <a16:creationId xmlns:a16="http://schemas.microsoft.com/office/drawing/2014/main" id="{6DF2A479-3B12-4F35-8597-CFBB97119181}"/>
+              </a:ext>
+            </a:extLst>
+          </p:cNvPr>
+          <p:cNvSpPr txBox="1"/>
+          <p:nvPr/>
+        </p:nvSpPr>
+        <p:spPr>
+          <a:xfrm>
+            <a:off x="3950515" y="2385687"/>
+            <a:ext cx="4290968" cy="399600"/>
+          </a:xfrm>
+          <a:prstGeom prst="rect">
+            <a:avLst/>
+          </a:prstGeom>
+          <a:solidFill>
+            <a:schemeClr val="tx1">
+              <a:lumMod val="50000"/>
+            </a:schemeClr>
+          </a:solidFill>
+        </p:spPr>
+        <p:txBody>
+          <a:bodyPr wrap="square" rtlCol="0">
+            <a:spAutoFit/>
+          </a:bodyPr>
+          <a:lstStyle/>
+          <a:p>
+            <a:r>
+              <a:rPr lang="zh-CN" altLang="en-US" sz="2000" dirty="0">
+                <a:latin typeface="等线" panose="02010600030101010101" pitchFamily="2" charset="-122"/>
+                <a:ea typeface="等线" panose="02010600030101010101" pitchFamily="2" charset="-122"/>
+              </a:rPr>
+              <a:t>数据来源</a:t>
+            </a:r>
+          </a:p>
+        </p:txBody>
+      </p:sp>
+    </p:spTree>
+    <p:extLst>
+      <p:ext uri="{BB962C8B-B14F-4D97-AF65-F5344CB8AC3E}">
+        <p14:creationId xmlns:p14="http://schemas.microsoft.com/office/powerpoint/2010/main" val="3203505746"/>
+      </p:ext>
+    </p:extLst>
+  </p:cSld>
+  <p:clrMapOvr>
+    <a:masterClrMapping/>
+  </p:clrMapOvr>
+</p:sld>
+</file>
+
+<file path=ppt/slides/slide3.xml><?xml version="1.0" encoding="utf-8"?>
+<p:sld xmlns:a="http://schemas.openxmlformats.org/drawingml/2006/main" xmlns:r="http://schemas.openxmlformats.org/officeDocument/2006/relationships" xmlns:p="http://schemas.openxmlformats.org/presentationml/2006/main">
+  <p:cSld>
+    <p:spTree>
+      <p:nvGrpSpPr>
+        <p:cNvPr id="1" name=""/>
+        <p:cNvGrpSpPr/>
+        <p:nvPr/>
+      </p:nvGrpSpPr>
+      <p:grpSpPr>
+        <a:xfrm>
+          <a:off x="0" y="0"/>
+          <a:ext cx="0" cy="0"/>
+          <a:chOff x="0" y="0"/>
+          <a:chExt cx="0" cy="0"/>
+        </a:xfrm>
+      </p:grpSpPr>
+      <p:sp>
+        <p:nvSpPr>
+          <p:cNvPr id="2" name="标题 1">
+            <a:extLst>
+              <a:ext uri="{FF2B5EF4-FFF2-40B4-BE49-F238E27FC236}">
+                <a16:creationId xmlns:a16="http://schemas.microsoft.com/office/drawing/2014/main" id="{5646614E-C073-401D-A314-E45B5A1CD03D}"/>
+              </a:ext>
+            </a:extLst>
+          </p:cNvPr>
+          <p:cNvSpPr>
+            <a:spLocks noGrp="1"/>
+          </p:cNvSpPr>
+          <p:nvPr>
+            <p:ph type="title"/>
+          </p:nvPr>
+        </p:nvSpPr>
+        <p:spPr>
+          <a:xfrm>
+            <a:off x="2299158" y="1421091"/>
+            <a:ext cx="4518295" cy="724393"/>
+          </a:xfrm>
+        </p:spPr>
+        <p:txBody>
+          <a:bodyPr>
+            <a:normAutofit fontScale="90000"/>
+          </a:bodyPr>
+          <a:lstStyle/>
+          <a:p>
+            <a:r>
+              <a:rPr lang="zh-CN" altLang="en-US" sz="3200" dirty="0">
+                <a:solidFill>
+                  <a:schemeClr val="bg1"/>
+                </a:solidFill>
+                <a:latin typeface="微软雅黑" panose="020B0503020204020204" pitchFamily="34" charset="-122"/>
+                <a:ea typeface="微软雅黑" panose="020B0503020204020204" pitchFamily="34" charset="-122"/>
+              </a:rPr>
+              <a:t>分析背景与目的</a:t>
+            </a:r>
+            <a:br>
+              <a:rPr lang="zh-CN" altLang="en-US" sz="4400" dirty="0">
+                <a:latin typeface="等线" panose="02010600030101010101" pitchFamily="2" charset="-122"/>
+                <a:ea typeface="等线" panose="02010600030101010101" pitchFamily="2" charset="-122"/>
+              </a:rPr>
+            </a:br>
+            <a:endParaRPr lang="zh-CN" altLang="en-US" dirty="0"/>
+          </a:p>
+        </p:txBody>
+      </p:sp>
+      <p:sp>
+        <p:nvSpPr>
+          <p:cNvPr id="5" name="文本框 4">
+            <a:extLst>
+              <a:ext uri="{FF2B5EF4-FFF2-40B4-BE49-F238E27FC236}">
+                <a16:creationId xmlns:a16="http://schemas.microsoft.com/office/drawing/2014/main" id="{D1556DF4-43C2-42AF-800C-3FA59CEAA00E}"/>
+              </a:ext>
+            </a:extLst>
+          </p:cNvPr>
+          <p:cNvSpPr txBox="1"/>
+          <p:nvPr/>
+        </p:nvSpPr>
+        <p:spPr>
+          <a:xfrm>
+            <a:off x="2438399" y="2145484"/>
+            <a:ext cx="1107996" cy="369332"/>
+          </a:xfrm>
+          <a:prstGeom prst="rect">
+            <a:avLst/>
+          </a:prstGeom>
+          <a:noFill/>
+        </p:spPr>
+        <p:txBody>
+          <a:bodyPr wrap="none" rtlCol="0">
+            <a:spAutoFit/>
+          </a:bodyPr>
+          <a:lstStyle/>
+          <a:p>
+            <a:r>
+              <a:rPr lang="zh-CN" altLang="en-US" dirty="0">
+                <a:solidFill>
+                  <a:schemeClr val="bg1"/>
+                </a:solidFill>
+              </a:rPr>
+              <a:t>数据时代</a:t>
+            </a:r>
+          </a:p>
+        </p:txBody>
+      </p:sp>
+    </p:spTree>
+    <p:extLst>
+      <p:ext uri="{BB962C8B-B14F-4D97-AF65-F5344CB8AC3E}">
+        <p14:creationId xmlns:p14="http://schemas.microsoft.com/office/powerpoint/2010/main" val="3061139083"/>
+      </p:ext>
+    </p:extLst>
+  </p:cSld>
+  <p:clrMapOvr>
+    <a:masterClrMapping/>
+  </p:clrMapOvr>
+</p:sld>
+</file>
+
+<file path=ppt/slides/slide4.xml><?xml version="1.0" encoding="utf-8"?>
+<p:sld xmlns:a="http://schemas.openxmlformats.org/drawingml/2006/main" xmlns:r="http://schemas.openxmlformats.org/officeDocument/2006/relationships" xmlns:p="http://schemas.openxmlformats.org/presentationml/2006/main">
+  <p:cSld>
+    <p:spTree>
+      <p:nvGrpSpPr>
+        <p:cNvPr id="1" name=""/>
+        <p:cNvGrpSpPr/>
+        <p:nvPr/>
+      </p:nvGrpSpPr>
+      <p:grpSpPr>
+        <a:xfrm>
+          <a:off x="0" y="0"/>
+          <a:ext cx="0" cy="0"/>
+          <a:chOff x="0" y="0"/>
+          <a:chExt cx="0" cy="0"/>
+        </a:xfrm>
+      </p:grpSpPr>
+      <p:sp>
+        <p:nvSpPr>
+          <p:cNvPr id="5" name="标题 1">
+            <a:extLst>
+              <a:ext uri="{FF2B5EF4-FFF2-40B4-BE49-F238E27FC236}">
+                <a16:creationId xmlns:a16="http://schemas.microsoft.com/office/drawing/2014/main" id="{FE47D1B9-24D5-4AB3-B0DA-3438C9B2D92B}"/>
               </a:ext>
             </a:extLst>
           </p:cNvPr>
@@ -7321,7 +10236,7 @@
                 <a:latin typeface="微软雅黑" panose="020B0503020204020204" pitchFamily="34" charset="-122"/>
                 <a:ea typeface="微软雅黑" panose="020B0503020204020204" pitchFamily="34" charset="-122"/>
               </a:rPr>
-              <a:t>结论</a:t>
+              <a:t>数据来源</a:t>
             </a:r>
             <a:endParaRPr lang="zh-CN" altLang="en-US" dirty="0"/>
           </a:p>
@@ -7329,10 +10244,10 @@
       </p:sp>
       <p:sp>
         <p:nvSpPr>
-          <p:cNvPr id="5" name="文本框 4">
+          <p:cNvPr id="6" name="文本框 5">
             <a:extLst>
               <a:ext uri="{FF2B5EF4-FFF2-40B4-BE49-F238E27FC236}">
-                <a16:creationId xmlns:a16="http://schemas.microsoft.com/office/drawing/2014/main" id="{F3769AAC-99C0-4C51-BE68-E66777B25794}"/>
+                <a16:creationId xmlns:a16="http://schemas.microsoft.com/office/drawing/2014/main" id="{811CDF46-87D8-4F61-8941-B6122A0E3C09}"/>
               </a:ext>
             </a:extLst>
           </p:cNvPr>
@@ -7369,7 +10284,747 @@
     </p:spTree>
     <p:extLst>
       <p:ext uri="{BB962C8B-B14F-4D97-AF65-F5344CB8AC3E}">
-        <p14:creationId xmlns:p14="http://schemas.microsoft.com/office/powerpoint/2010/main" val="2125540649"/>
+        <p14:creationId xmlns:p14="http://schemas.microsoft.com/office/powerpoint/2010/main" val="4040110178"/>
+      </p:ext>
+    </p:extLst>
+  </p:cSld>
+  <p:clrMapOvr>
+    <a:masterClrMapping/>
+  </p:clrMapOvr>
+</p:sld>
+</file>
+
+<file path=ppt/slides/slide5.xml><?xml version="1.0" encoding="utf-8"?>
+<p:sld xmlns:a="http://schemas.openxmlformats.org/drawingml/2006/main" xmlns:r="http://schemas.openxmlformats.org/officeDocument/2006/relationships" xmlns:p="http://schemas.openxmlformats.org/presentationml/2006/main">
+  <p:cSld>
+    <p:spTree>
+      <p:nvGrpSpPr>
+        <p:cNvPr id="1" name=""/>
+        <p:cNvGrpSpPr/>
+        <p:nvPr/>
+      </p:nvGrpSpPr>
+      <p:grpSpPr>
+        <a:xfrm>
+          <a:off x="0" y="0"/>
+          <a:ext cx="0" cy="0"/>
+          <a:chOff x="0" y="0"/>
+          <a:chExt cx="0" cy="0"/>
+        </a:xfrm>
+      </p:grpSpPr>
+      <p:pic>
+        <p:nvPicPr>
+          <p:cNvPr id="19" name="图片 18">
+            <a:extLst>
+              <a:ext uri="{FF2B5EF4-FFF2-40B4-BE49-F238E27FC236}">
+                <a16:creationId xmlns:a16="http://schemas.microsoft.com/office/drawing/2014/main" id="{77C56E46-FC99-4A46-8EF1-4F6EFFA9F360}"/>
+              </a:ext>
+            </a:extLst>
+          </p:cNvPr>
+          <p:cNvPicPr>
+            <a:picLocks noChangeAspect="1"/>
+          </p:cNvPicPr>
+          <p:nvPr/>
+        </p:nvPicPr>
+        <p:blipFill>
+          <a:blip r:embed="rId2"/>
+          <a:stretch>
+            <a:fillRect/>
+          </a:stretch>
+        </p:blipFill>
+        <p:spPr>
+          <a:xfrm>
+            <a:off x="7096999" y="3413306"/>
+            <a:ext cx="3812560" cy="2880000"/>
+          </a:xfrm>
+          <a:prstGeom prst="rect">
+            <a:avLst/>
+          </a:prstGeom>
+        </p:spPr>
+      </p:pic>
+      <p:pic>
+        <p:nvPicPr>
+          <p:cNvPr id="21" name="图片 20">
+            <a:extLst>
+              <a:ext uri="{FF2B5EF4-FFF2-40B4-BE49-F238E27FC236}">
+                <a16:creationId xmlns:a16="http://schemas.microsoft.com/office/drawing/2014/main" id="{B62C9077-5541-45BF-9DC9-F6361E251246}"/>
+              </a:ext>
+            </a:extLst>
+          </p:cNvPr>
+          <p:cNvPicPr>
+            <a:picLocks noChangeAspect="1"/>
+          </p:cNvPicPr>
+          <p:nvPr/>
+        </p:nvPicPr>
+        <p:blipFill>
+          <a:blip r:embed="rId3"/>
+          <a:stretch>
+            <a:fillRect/>
+          </a:stretch>
+        </p:blipFill>
+        <p:spPr>
+          <a:xfrm>
+            <a:off x="4104615" y="2052583"/>
+            <a:ext cx="3404795" cy="2520000"/>
+          </a:xfrm>
+          <a:prstGeom prst="rect">
+            <a:avLst/>
+          </a:prstGeom>
+        </p:spPr>
+      </p:pic>
+      <p:pic>
+        <p:nvPicPr>
+          <p:cNvPr id="23" name="图片 22">
+            <a:extLst>
+              <a:ext uri="{FF2B5EF4-FFF2-40B4-BE49-F238E27FC236}">
+                <a16:creationId xmlns:a16="http://schemas.microsoft.com/office/drawing/2014/main" id="{E67A8346-211B-46D3-A9B2-D97C89BB0EBA}"/>
+              </a:ext>
+            </a:extLst>
+          </p:cNvPr>
+          <p:cNvPicPr>
+            <a:picLocks noChangeAspect="1"/>
+          </p:cNvPicPr>
+          <p:nvPr/>
+        </p:nvPicPr>
+        <p:blipFill>
+          <a:blip r:embed="rId4"/>
+          <a:stretch>
+            <a:fillRect/>
+          </a:stretch>
+        </p:blipFill>
+        <p:spPr>
+          <a:xfrm>
+            <a:off x="329683" y="522583"/>
+            <a:ext cx="4050845" cy="3060000"/>
+          </a:xfrm>
+          <a:prstGeom prst="rect">
+            <a:avLst/>
+          </a:prstGeom>
+        </p:spPr>
+      </p:pic>
+      <p:sp>
+        <p:nvSpPr>
+          <p:cNvPr id="24" name="文本框 23">
+            <a:extLst>
+              <a:ext uri="{FF2B5EF4-FFF2-40B4-BE49-F238E27FC236}">
+                <a16:creationId xmlns:a16="http://schemas.microsoft.com/office/drawing/2014/main" id="{BFC093AC-0650-4E6C-A6EB-0FCECE113B39}"/>
+              </a:ext>
+            </a:extLst>
+          </p:cNvPr>
+          <p:cNvSpPr txBox="1"/>
+          <p:nvPr/>
+        </p:nvSpPr>
+        <p:spPr>
+          <a:xfrm>
+            <a:off x="1749811" y="3412293"/>
+            <a:ext cx="1210588" cy="338554"/>
+          </a:xfrm>
+          <a:prstGeom prst="rect">
+            <a:avLst/>
+          </a:prstGeom>
+          <a:noFill/>
+        </p:spPr>
+        <p:txBody>
+          <a:bodyPr wrap="none" rtlCol="0">
+            <a:spAutoFit/>
+          </a:bodyPr>
+          <a:lstStyle/>
+          <a:p>
+            <a:r>
+              <a:rPr lang="zh-CN" altLang="en-US" sz="1600" dirty="0">
+                <a:solidFill>
+                  <a:schemeClr val="bg1"/>
+                </a:solidFill>
+                <a:latin typeface="微软雅黑" panose="020B0503020204020204" pitchFamily="34" charset="-122"/>
+                <a:ea typeface="微软雅黑" panose="020B0503020204020204" pitchFamily="34" charset="-122"/>
+              </a:rPr>
+              <a:t>初创型企业</a:t>
+            </a:r>
+          </a:p>
+        </p:txBody>
+      </p:sp>
+      <p:sp>
+        <p:nvSpPr>
+          <p:cNvPr id="25" name="文本框 24">
+            <a:extLst>
+              <a:ext uri="{FF2B5EF4-FFF2-40B4-BE49-F238E27FC236}">
+                <a16:creationId xmlns:a16="http://schemas.microsoft.com/office/drawing/2014/main" id="{A3257680-CC61-41EA-A13F-DC6E0312E6E0}"/>
+              </a:ext>
+            </a:extLst>
+          </p:cNvPr>
+          <p:cNvSpPr txBox="1"/>
+          <p:nvPr/>
+        </p:nvSpPr>
+        <p:spPr>
+          <a:xfrm>
+            <a:off x="5299310" y="1714029"/>
+            <a:ext cx="1005403" cy="338554"/>
+          </a:xfrm>
+          <a:prstGeom prst="rect">
+            <a:avLst/>
+          </a:prstGeom>
+          <a:noFill/>
+        </p:spPr>
+        <p:txBody>
+          <a:bodyPr wrap="none" rtlCol="0">
+            <a:spAutoFit/>
+          </a:bodyPr>
+          <a:lstStyle/>
+          <a:p>
+            <a:r>
+              <a:rPr lang="zh-CN" altLang="en-US" sz="1600" dirty="0">
+                <a:solidFill>
+                  <a:schemeClr val="bg1"/>
+                </a:solidFill>
+                <a:latin typeface="微软雅黑" panose="020B0503020204020204" pitchFamily="34" charset="-122"/>
+                <a:ea typeface="微软雅黑" panose="020B0503020204020204" pitchFamily="34" charset="-122"/>
+              </a:rPr>
+              <a:t>全部企业</a:t>
+            </a:r>
+          </a:p>
+        </p:txBody>
+      </p:sp>
+      <p:sp>
+        <p:nvSpPr>
+          <p:cNvPr id="27" name="文本框 26">
+            <a:extLst>
+              <a:ext uri="{FF2B5EF4-FFF2-40B4-BE49-F238E27FC236}">
+                <a16:creationId xmlns:a16="http://schemas.microsoft.com/office/drawing/2014/main" id="{3355FFAC-20E3-4F28-8229-A2C86009FBDB}"/>
+              </a:ext>
+            </a:extLst>
+          </p:cNvPr>
+          <p:cNvSpPr txBox="1"/>
+          <p:nvPr/>
+        </p:nvSpPr>
+        <p:spPr>
+          <a:xfrm>
+            <a:off x="8486415" y="6215452"/>
+            <a:ext cx="1210588" cy="338554"/>
+          </a:xfrm>
+          <a:prstGeom prst="rect">
+            <a:avLst/>
+          </a:prstGeom>
+          <a:noFill/>
+        </p:spPr>
+        <p:txBody>
+          <a:bodyPr wrap="none" rtlCol="0">
+            <a:spAutoFit/>
+          </a:bodyPr>
+          <a:lstStyle/>
+          <a:p>
+            <a:r>
+              <a:rPr lang="zh-CN" altLang="en-US" sz="1600" dirty="0">
+                <a:solidFill>
+                  <a:schemeClr val="bg1"/>
+                </a:solidFill>
+                <a:latin typeface="微软雅黑" panose="020B0503020204020204" pitchFamily="34" charset="-122"/>
+                <a:ea typeface="微软雅黑" panose="020B0503020204020204" pitchFamily="34" charset="-122"/>
+              </a:rPr>
+              <a:t>发展型企业</a:t>
+            </a:r>
+          </a:p>
+        </p:txBody>
+      </p:sp>
+      <p:cxnSp>
+        <p:nvCxnSpPr>
+          <p:cNvPr id="29" name="连接符: 肘形 28">
+            <a:extLst>
+              <a:ext uri="{FF2B5EF4-FFF2-40B4-BE49-F238E27FC236}">
+                <a16:creationId xmlns:a16="http://schemas.microsoft.com/office/drawing/2014/main" id="{2228366D-30DD-4233-AECE-2CCDB1048A40}"/>
+              </a:ext>
+            </a:extLst>
+          </p:cNvPr>
+          <p:cNvCxnSpPr/>
+          <p:nvPr/>
+        </p:nvCxnSpPr>
+        <p:spPr>
+          <a:xfrm rot="10800000" flipV="1">
+            <a:off x="419878" y="2799183"/>
+            <a:ext cx="1222310" cy="783399"/>
+          </a:xfrm>
+          <a:prstGeom prst="bentConnector3">
+            <a:avLst>
+              <a:gd name="adj1" fmla="val 39313"/>
+            </a:avLst>
+          </a:prstGeom>
+          <a:ln>
+            <a:solidFill>
+              <a:schemeClr val="tx1"/>
+            </a:solidFill>
+          </a:ln>
+        </p:spPr>
+        <p:style>
+          <a:lnRef idx="3">
+            <a:schemeClr val="dk1"/>
+          </a:lnRef>
+          <a:fillRef idx="0">
+            <a:schemeClr val="dk1"/>
+          </a:fillRef>
+          <a:effectRef idx="2">
+            <a:schemeClr val="dk1"/>
+          </a:effectRef>
+          <a:fontRef idx="minor">
+            <a:schemeClr val="tx1"/>
+          </a:fontRef>
+        </p:style>
+      </p:cxnSp>
+      <p:cxnSp>
+        <p:nvCxnSpPr>
+          <p:cNvPr id="3" name="直接连接符 2">
+            <a:extLst>
+              <a:ext uri="{FF2B5EF4-FFF2-40B4-BE49-F238E27FC236}">
+                <a16:creationId xmlns:a16="http://schemas.microsoft.com/office/drawing/2014/main" id="{097AD359-5B7A-4855-86B4-471DDD3A51F3}"/>
+              </a:ext>
+            </a:extLst>
+          </p:cNvPr>
+          <p:cNvCxnSpPr/>
+          <p:nvPr/>
+        </p:nvCxnSpPr>
+        <p:spPr>
+          <a:xfrm>
+            <a:off x="419878" y="3582582"/>
+            <a:ext cx="0" cy="930695"/>
+          </a:xfrm>
+          <a:prstGeom prst="line">
+            <a:avLst/>
+          </a:prstGeom>
+          <a:ln>
+            <a:solidFill>
+              <a:schemeClr val="tx1"/>
+            </a:solidFill>
+          </a:ln>
+        </p:spPr>
+        <p:style>
+          <a:lnRef idx="3">
+            <a:schemeClr val="dk1"/>
+          </a:lnRef>
+          <a:fillRef idx="0">
+            <a:schemeClr val="dk1"/>
+          </a:fillRef>
+          <a:effectRef idx="2">
+            <a:schemeClr val="dk1"/>
+          </a:effectRef>
+          <a:fontRef idx="minor">
+            <a:schemeClr val="tx1"/>
+          </a:fontRef>
+        </p:style>
+      </p:cxnSp>
+      <p:sp>
+        <p:nvSpPr>
+          <p:cNvPr id="4" name="文本框 3">
+            <a:extLst>
+              <a:ext uri="{FF2B5EF4-FFF2-40B4-BE49-F238E27FC236}">
+                <a16:creationId xmlns:a16="http://schemas.microsoft.com/office/drawing/2014/main" id="{7F1B4DB1-EDA8-493D-98EE-8242CFCDF5A5}"/>
+              </a:ext>
+            </a:extLst>
+          </p:cNvPr>
+          <p:cNvSpPr txBox="1"/>
+          <p:nvPr/>
+        </p:nvSpPr>
+        <p:spPr>
+          <a:xfrm>
+            <a:off x="300164" y="4513860"/>
+            <a:ext cx="2684048" cy="700576"/>
+          </a:xfrm>
+          <a:prstGeom prst="rect">
+            <a:avLst/>
+          </a:prstGeom>
+          <a:noFill/>
+        </p:spPr>
+        <p:txBody>
+          <a:bodyPr wrap="square" rtlCol="0">
+            <a:spAutoFit/>
+          </a:bodyPr>
+          <a:lstStyle/>
+          <a:p>
+            <a:pPr>
+              <a:lnSpc>
+                <a:spcPct val="150000"/>
+              </a:lnSpc>
+            </a:pPr>
+            <a:r>
+              <a:rPr lang="zh-CN" altLang="en-US" sz="1400" dirty="0">
+                <a:latin typeface="微软雅黑" panose="020B0503020204020204" pitchFamily="34" charset="-122"/>
+                <a:ea typeface="微软雅黑" panose="020B0503020204020204" pitchFamily="34" charset="-122"/>
+              </a:rPr>
+              <a:t>在初创型企业中，不需要融资的企业所占比重遥遥领先</a:t>
+            </a:r>
+          </a:p>
+        </p:txBody>
+      </p:sp>
+      <p:cxnSp>
+        <p:nvCxnSpPr>
+          <p:cNvPr id="6" name="连接符: 肘形 5">
+            <a:extLst>
+              <a:ext uri="{FF2B5EF4-FFF2-40B4-BE49-F238E27FC236}">
+                <a16:creationId xmlns:a16="http://schemas.microsoft.com/office/drawing/2014/main" id="{5CBC45C1-E646-42B8-86EE-4EE111586B77}"/>
+              </a:ext>
+            </a:extLst>
+          </p:cNvPr>
+          <p:cNvCxnSpPr>
+            <a:cxnSpLocks/>
+          </p:cNvCxnSpPr>
+          <p:nvPr/>
+        </p:nvCxnSpPr>
+        <p:spPr>
+          <a:xfrm rot="5400000">
+            <a:off x="5068460" y="3843666"/>
+            <a:ext cx="1467105" cy="1281467"/>
+          </a:xfrm>
+          <a:prstGeom prst="bentConnector3">
+            <a:avLst/>
+          </a:prstGeom>
+          <a:ln>
+            <a:solidFill>
+              <a:schemeClr val="tx1"/>
+            </a:solidFill>
+          </a:ln>
+        </p:spPr>
+        <p:style>
+          <a:lnRef idx="3">
+            <a:schemeClr val="dk1"/>
+          </a:lnRef>
+          <a:fillRef idx="0">
+            <a:schemeClr val="dk1"/>
+          </a:fillRef>
+          <a:effectRef idx="2">
+            <a:schemeClr val="dk1"/>
+          </a:effectRef>
+          <a:fontRef idx="minor">
+            <a:schemeClr val="tx1"/>
+          </a:fontRef>
+        </p:style>
+      </p:cxnSp>
+      <p:sp>
+        <p:nvSpPr>
+          <p:cNvPr id="15" name="文本框 14">
+            <a:extLst>
+              <a:ext uri="{FF2B5EF4-FFF2-40B4-BE49-F238E27FC236}">
+                <a16:creationId xmlns:a16="http://schemas.microsoft.com/office/drawing/2014/main" id="{54CD7BD6-415D-4791-AAC0-3B99C956373D}"/>
+              </a:ext>
+            </a:extLst>
+          </p:cNvPr>
+          <p:cNvSpPr txBox="1"/>
+          <p:nvPr/>
+        </p:nvSpPr>
+        <p:spPr>
+          <a:xfrm>
+            <a:off x="4085825" y="5243074"/>
+            <a:ext cx="2684048" cy="700576"/>
+          </a:xfrm>
+          <a:prstGeom prst="rect">
+            <a:avLst/>
+          </a:prstGeom>
+          <a:noFill/>
+        </p:spPr>
+        <p:txBody>
+          <a:bodyPr wrap="square" rtlCol="0">
+            <a:spAutoFit/>
+          </a:bodyPr>
+          <a:lstStyle/>
+          <a:p>
+            <a:pPr>
+              <a:lnSpc>
+                <a:spcPct val="150000"/>
+              </a:lnSpc>
+            </a:pPr>
+            <a:r>
+              <a:rPr lang="zh-CN" altLang="en-US" sz="1400" dirty="0">
+                <a:latin typeface="微软雅黑" panose="020B0503020204020204" pitchFamily="34" charset="-122"/>
+                <a:ea typeface="微软雅黑" panose="020B0503020204020204" pitchFamily="34" charset="-122"/>
+              </a:rPr>
+              <a:t>在全部企业中，发展型企业数量最多，上市公司数量最少</a:t>
+            </a:r>
+          </a:p>
+        </p:txBody>
+      </p:sp>
+      <p:sp>
+        <p:nvSpPr>
+          <p:cNvPr id="16" name="文本框 15">
+            <a:extLst>
+              <a:ext uri="{FF2B5EF4-FFF2-40B4-BE49-F238E27FC236}">
+                <a16:creationId xmlns:a16="http://schemas.microsoft.com/office/drawing/2014/main" id="{03A9A006-24B3-4FD2-BE0C-74D89C0648B6}"/>
+              </a:ext>
+            </a:extLst>
+          </p:cNvPr>
+          <p:cNvSpPr txBox="1"/>
+          <p:nvPr/>
+        </p:nvSpPr>
+        <p:spPr>
+          <a:xfrm>
+            <a:off x="7867460" y="1568456"/>
+            <a:ext cx="2684048" cy="1023742"/>
+          </a:xfrm>
+          <a:prstGeom prst="rect">
+            <a:avLst/>
+          </a:prstGeom>
+          <a:noFill/>
+        </p:spPr>
+        <p:txBody>
+          <a:bodyPr wrap="square" rtlCol="0">
+            <a:spAutoFit/>
+          </a:bodyPr>
+          <a:lstStyle/>
+          <a:p>
+            <a:pPr>
+              <a:lnSpc>
+                <a:spcPct val="150000"/>
+              </a:lnSpc>
+            </a:pPr>
+            <a:r>
+              <a:rPr lang="zh-CN" altLang="en-US" sz="1400" dirty="0">
+                <a:latin typeface="微软雅黑" panose="020B0503020204020204" pitchFamily="34" charset="-122"/>
+                <a:ea typeface="微软雅黑" panose="020B0503020204020204" pitchFamily="34" charset="-122"/>
+              </a:rPr>
+              <a:t>在发展型企业中，各轮融资阶段的数量相近，其中</a:t>
+            </a:r>
+            <a:r>
+              <a:rPr lang="en-US" altLang="zh-CN" sz="1400" dirty="0">
+                <a:latin typeface="微软雅黑" panose="020B0503020204020204" pitchFamily="34" charset="-122"/>
+                <a:ea typeface="微软雅黑" panose="020B0503020204020204" pitchFamily="34" charset="-122"/>
+              </a:rPr>
+              <a:t>A</a:t>
+            </a:r>
+            <a:r>
+              <a:rPr lang="zh-CN" altLang="en-US" sz="1400" dirty="0">
+                <a:latin typeface="微软雅黑" panose="020B0503020204020204" pitchFamily="34" charset="-122"/>
+                <a:ea typeface="微软雅黑" panose="020B0503020204020204" pitchFamily="34" charset="-122"/>
+              </a:rPr>
+              <a:t>、</a:t>
+            </a:r>
+            <a:r>
+              <a:rPr lang="en-US" altLang="zh-CN" sz="1400" dirty="0">
+                <a:latin typeface="微软雅黑" panose="020B0503020204020204" pitchFamily="34" charset="-122"/>
+                <a:ea typeface="微软雅黑" panose="020B0503020204020204" pitchFamily="34" charset="-122"/>
+              </a:rPr>
+              <a:t>C</a:t>
+            </a:r>
+            <a:r>
+              <a:rPr lang="zh-CN" altLang="en-US" sz="1400" dirty="0">
+                <a:latin typeface="微软雅黑" panose="020B0503020204020204" pitchFamily="34" charset="-122"/>
+                <a:ea typeface="微软雅黑" panose="020B0503020204020204" pitchFamily="34" charset="-122"/>
+              </a:rPr>
+              <a:t>轮要略多于</a:t>
+            </a:r>
+            <a:r>
+              <a:rPr lang="en-US" altLang="zh-CN" sz="1400" dirty="0">
+                <a:latin typeface="微软雅黑" panose="020B0503020204020204" pitchFamily="34" charset="-122"/>
+                <a:ea typeface="微软雅黑" panose="020B0503020204020204" pitchFamily="34" charset="-122"/>
+              </a:rPr>
+              <a:t>B</a:t>
+            </a:r>
+            <a:r>
+              <a:rPr lang="zh-CN" altLang="en-US" sz="1400" dirty="0">
+                <a:latin typeface="微软雅黑" panose="020B0503020204020204" pitchFamily="34" charset="-122"/>
+                <a:ea typeface="微软雅黑" panose="020B0503020204020204" pitchFamily="34" charset="-122"/>
+              </a:rPr>
+              <a:t>、</a:t>
+            </a:r>
+            <a:r>
+              <a:rPr lang="en-US" altLang="zh-CN" sz="1400" dirty="0">
+                <a:latin typeface="微软雅黑" panose="020B0503020204020204" pitchFamily="34" charset="-122"/>
+                <a:ea typeface="微软雅黑" panose="020B0503020204020204" pitchFamily="34" charset="-122"/>
+              </a:rPr>
+              <a:t>D</a:t>
+            </a:r>
+            <a:r>
+              <a:rPr lang="zh-CN" altLang="en-US" sz="1400" dirty="0">
+                <a:latin typeface="微软雅黑" panose="020B0503020204020204" pitchFamily="34" charset="-122"/>
+                <a:ea typeface="微软雅黑" panose="020B0503020204020204" pitchFamily="34" charset="-122"/>
+              </a:rPr>
+              <a:t>轮企业</a:t>
+            </a:r>
+          </a:p>
+        </p:txBody>
+      </p:sp>
+      <p:cxnSp>
+        <p:nvCxnSpPr>
+          <p:cNvPr id="9" name="直接连接符 8">
+            <a:extLst>
+              <a:ext uri="{FF2B5EF4-FFF2-40B4-BE49-F238E27FC236}">
+                <a16:creationId xmlns:a16="http://schemas.microsoft.com/office/drawing/2014/main" id="{E3D36690-83FE-4E77-BF37-F105CC30380D}"/>
+              </a:ext>
+            </a:extLst>
+          </p:cNvPr>
+          <p:cNvCxnSpPr/>
+          <p:nvPr/>
+        </p:nvCxnSpPr>
+        <p:spPr>
+          <a:xfrm flipV="1">
+            <a:off x="8011486" y="2592198"/>
+            <a:ext cx="385894" cy="1158649"/>
+          </a:xfrm>
+          <a:prstGeom prst="line">
+            <a:avLst/>
+          </a:prstGeom>
+          <a:ln>
+            <a:solidFill>
+              <a:schemeClr val="tx1"/>
+            </a:solidFill>
+          </a:ln>
+        </p:spPr>
+        <p:style>
+          <a:lnRef idx="3">
+            <a:schemeClr val="dk1"/>
+          </a:lnRef>
+          <a:fillRef idx="0">
+            <a:schemeClr val="dk1"/>
+          </a:fillRef>
+          <a:effectRef idx="2">
+            <a:schemeClr val="dk1"/>
+          </a:effectRef>
+          <a:fontRef idx="minor">
+            <a:schemeClr val="tx1"/>
+          </a:fontRef>
+        </p:style>
+      </p:cxnSp>
+      <p:cxnSp>
+        <p:nvCxnSpPr>
+          <p:cNvPr id="11" name="直接连接符 10">
+            <a:extLst>
+              <a:ext uri="{FF2B5EF4-FFF2-40B4-BE49-F238E27FC236}">
+                <a16:creationId xmlns:a16="http://schemas.microsoft.com/office/drawing/2014/main" id="{B09A70A5-2942-4863-84E4-C65BC8E63A32}"/>
+              </a:ext>
+            </a:extLst>
+          </p:cNvPr>
+          <p:cNvCxnSpPr/>
+          <p:nvPr/>
+        </p:nvCxnSpPr>
+        <p:spPr>
+          <a:xfrm flipH="1" flipV="1">
+            <a:off x="9697003" y="2504891"/>
+            <a:ext cx="745186" cy="1245956"/>
+          </a:xfrm>
+          <a:prstGeom prst="line">
+            <a:avLst/>
+          </a:prstGeom>
+          <a:ln>
+            <a:solidFill>
+              <a:schemeClr val="tx1"/>
+            </a:solidFill>
+          </a:ln>
+        </p:spPr>
+        <p:style>
+          <a:lnRef idx="3">
+            <a:schemeClr val="dk1"/>
+          </a:lnRef>
+          <a:fillRef idx="0">
+            <a:schemeClr val="dk1"/>
+          </a:fillRef>
+          <a:effectRef idx="2">
+            <a:schemeClr val="dk1"/>
+          </a:effectRef>
+          <a:fontRef idx="minor">
+            <a:schemeClr val="tx1"/>
+          </a:fontRef>
+        </p:style>
+      </p:cxnSp>
+    </p:spTree>
+    <p:extLst>
+      <p:ext uri="{BB962C8B-B14F-4D97-AF65-F5344CB8AC3E}">
+        <p14:creationId xmlns:p14="http://schemas.microsoft.com/office/powerpoint/2010/main" val="3711728002"/>
+      </p:ext>
+    </p:extLst>
+  </p:cSld>
+  <p:clrMapOvr>
+    <a:masterClrMapping/>
+  </p:clrMapOvr>
+</p:sld>
+</file>
+
+<file path=ppt/slides/slide6.xml><?xml version="1.0" encoding="utf-8"?>
+<p:sld xmlns:a="http://schemas.openxmlformats.org/drawingml/2006/main" xmlns:r="http://schemas.openxmlformats.org/officeDocument/2006/relationships" xmlns:p="http://schemas.openxmlformats.org/presentationml/2006/main">
+  <p:cSld>
+    <p:spTree>
+      <p:nvGrpSpPr>
+        <p:cNvPr id="1" name=""/>
+        <p:cNvGrpSpPr/>
+        <p:nvPr/>
+      </p:nvGrpSpPr>
+      <p:grpSpPr>
+        <a:xfrm>
+          <a:off x="0" y="0"/>
+          <a:ext cx="0" cy="0"/>
+          <a:chOff x="0" y="0"/>
+          <a:chExt cx="0" cy="0"/>
+        </a:xfrm>
+      </p:grpSpPr>
+      <p:sp>
+        <p:nvSpPr>
+          <p:cNvPr id="8" name="文本框 7">
+            <a:extLst>
+              <a:ext uri="{FF2B5EF4-FFF2-40B4-BE49-F238E27FC236}">
+                <a16:creationId xmlns:a16="http://schemas.microsoft.com/office/drawing/2014/main" id="{710AF93E-FA33-45CB-B45F-E97B134E5DCD}"/>
+              </a:ext>
+            </a:extLst>
+          </p:cNvPr>
+          <p:cNvSpPr txBox="1"/>
+          <p:nvPr/>
+        </p:nvSpPr>
+        <p:spPr>
+          <a:xfrm>
+            <a:off x="2351896" y="5006982"/>
+            <a:ext cx="7488208" cy="738664"/>
+          </a:xfrm>
+          <a:prstGeom prst="rect">
+            <a:avLst/>
+          </a:prstGeom>
+          <a:noFill/>
+        </p:spPr>
+        <p:txBody>
+          <a:bodyPr wrap="square" rtlCol="0">
+            <a:spAutoFit/>
+          </a:bodyPr>
+          <a:lstStyle/>
+          <a:p>
+            <a:pPr>
+              <a:lnSpc>
+                <a:spcPct val="150000"/>
+              </a:lnSpc>
+            </a:pPr>
+            <a:r>
+              <a:rPr lang="zh-CN" altLang="en-US" sz="1400" dirty="0">
+                <a:latin typeface="微软雅黑" panose="020B0503020204020204" pitchFamily="34" charset="-122"/>
+                <a:ea typeface="微软雅黑" panose="020B0503020204020204" pitchFamily="34" charset="-122"/>
+              </a:rPr>
+              <a:t>在需求数据分析职位的企业中，随着企业规模的增大，对于这一职位的需求程度也随之增加，图中可以看出需要数据分析的更多是大型企业，而小公司对这一职位的需求程度较低。</a:t>
+            </a:r>
+          </a:p>
+        </p:txBody>
+      </p:sp>
+      <p:pic>
+        <p:nvPicPr>
+          <p:cNvPr id="3" name="图片 2">
+            <a:extLst>
+              <a:ext uri="{FF2B5EF4-FFF2-40B4-BE49-F238E27FC236}">
+                <a16:creationId xmlns:a16="http://schemas.microsoft.com/office/drawing/2014/main" id="{5682C9F7-28E0-490E-8A06-718F19767649}"/>
+              </a:ext>
+            </a:extLst>
+          </p:cNvPr>
+          <p:cNvPicPr>
+            <a:picLocks noChangeAspect="1"/>
+          </p:cNvPicPr>
+          <p:nvPr/>
+        </p:nvPicPr>
+        <p:blipFill>
+          <a:blip r:embed="rId2"/>
+          <a:stretch>
+            <a:fillRect/>
+          </a:stretch>
+        </p:blipFill>
+        <p:spPr>
+          <a:xfrm>
+            <a:off x="3020153" y="533504"/>
+            <a:ext cx="6151694" cy="4246287"/>
+          </a:xfrm>
+          <a:prstGeom prst="rect">
+            <a:avLst/>
+          </a:prstGeom>
+        </p:spPr>
+      </p:pic>
+    </p:spTree>
+    <p:extLst>
+      <p:ext uri="{BB962C8B-B14F-4D97-AF65-F5344CB8AC3E}">
+        <p14:creationId xmlns:p14="http://schemas.microsoft.com/office/powerpoint/2010/main" val="173941489"/>
       </p:ext>
     </p:extLst>
   </p:cSld>
@@ -7396,46 +11051,705 @@
           <a:chExt cx="0" cy="0"/>
         </a:xfrm>
       </p:grpSpPr>
-      <p:sp>
-        <p:nvSpPr>
-          <p:cNvPr id="2" name="标题 1">
+      <p:grpSp>
+        <p:nvGrpSpPr>
+          <p:cNvPr id="13" name="组合 12">
             <a:extLst>
               <a:ext uri="{FF2B5EF4-FFF2-40B4-BE49-F238E27FC236}">
-                <a16:creationId xmlns:a16="http://schemas.microsoft.com/office/drawing/2014/main" id="{5646614E-C073-401D-A314-E45B5A1CD03D}"/>
+                <a16:creationId xmlns:a16="http://schemas.microsoft.com/office/drawing/2014/main" id="{52F596C5-6605-41E8-A9C7-FB5FE44A6E65}"/>
               </a:ext>
             </a:extLst>
           </p:cNvPr>
-          <p:cNvSpPr>
-            <a:spLocks noGrp="1"/>
-          </p:cNvSpPr>
-          <p:nvPr>
-            <p:ph type="title"/>
-          </p:nvPr>
+          <p:cNvGrpSpPr/>
+          <p:nvPr/>
+        </p:nvGrpSpPr>
+        <p:grpSpPr>
+          <a:xfrm>
+            <a:off x="973735" y="853584"/>
+            <a:ext cx="4728982" cy="3617983"/>
+            <a:chOff x="3731509" y="1620008"/>
+            <a:chExt cx="4728982" cy="3617983"/>
+          </a:xfrm>
+        </p:grpSpPr>
+        <p:pic>
+          <p:nvPicPr>
+            <p:cNvPr id="11" name="图片 10">
+              <a:extLst>
+                <a:ext uri="{FF2B5EF4-FFF2-40B4-BE49-F238E27FC236}">
+                  <a16:creationId xmlns:a16="http://schemas.microsoft.com/office/drawing/2014/main" id="{03C60C1E-4387-49A4-B944-1AE13AE951A7}"/>
+                </a:ext>
+              </a:extLst>
+            </p:cNvPr>
+            <p:cNvPicPr>
+              <a:picLocks noChangeAspect="1"/>
+            </p:cNvPicPr>
+            <p:nvPr/>
+          </p:nvPicPr>
+          <p:blipFill>
+            <a:blip r:embed="rId2"/>
+            <a:stretch>
+              <a:fillRect/>
+            </a:stretch>
+          </p:blipFill>
+          <p:spPr>
+            <a:xfrm>
+              <a:off x="3731509" y="1620008"/>
+              <a:ext cx="4728982" cy="3617983"/>
+            </a:xfrm>
+            <a:prstGeom prst="rect">
+              <a:avLst/>
+            </a:prstGeom>
+          </p:spPr>
+        </p:pic>
+        <p:sp>
+          <p:nvSpPr>
+            <p:cNvPr id="12" name="文本框 11">
+              <a:extLst>
+                <a:ext uri="{FF2B5EF4-FFF2-40B4-BE49-F238E27FC236}">
+                  <a16:creationId xmlns:a16="http://schemas.microsoft.com/office/drawing/2014/main" id="{531A3E3B-482F-440B-9280-04C805B87D52}"/>
+                </a:ext>
+              </a:extLst>
+            </p:cNvPr>
+            <p:cNvSpPr txBox="1"/>
+            <p:nvPr/>
+          </p:nvSpPr>
+          <p:spPr>
+            <a:xfrm>
+              <a:off x="5852964" y="3981178"/>
+              <a:ext cx="927859" cy="392541"/>
+            </a:xfrm>
+            <a:prstGeom prst="rect">
+              <a:avLst/>
+            </a:prstGeom>
+            <a:noFill/>
+          </p:spPr>
+          <p:txBody>
+            <a:bodyPr wrap="none" rtlCol="0">
+              <a:spAutoFit/>
+            </a:bodyPr>
+            <a:lstStyle/>
+            <a:p>
+              <a:r>
+                <a:rPr lang="en-US" altLang="zh-CN" sz="1400" dirty="0">
+                  <a:solidFill>
+                    <a:schemeClr val="bg1"/>
+                  </a:solidFill>
+                  <a:latin typeface="微软雅黑" panose="020B0503020204020204" pitchFamily="34" charset="-122"/>
+                  <a:ea typeface="微软雅黑" panose="020B0503020204020204" pitchFamily="34" charset="-122"/>
+                </a:rPr>
+                <a:t>84.5%</a:t>
+              </a:r>
+              <a:endParaRPr lang="zh-CN" altLang="en-US" sz="1400" dirty="0">
+                <a:solidFill>
+                  <a:schemeClr val="bg1"/>
+                </a:solidFill>
+                <a:latin typeface="微软雅黑" panose="020B0503020204020204" pitchFamily="34" charset="-122"/>
+                <a:ea typeface="微软雅黑" panose="020B0503020204020204" pitchFamily="34" charset="-122"/>
+              </a:endParaRPr>
+            </a:p>
+          </p:txBody>
+        </p:sp>
+      </p:grpSp>
+      <p:grpSp>
+        <p:nvGrpSpPr>
+          <p:cNvPr id="18" name="组合 17">
+            <a:extLst>
+              <a:ext uri="{FF2B5EF4-FFF2-40B4-BE49-F238E27FC236}">
+                <a16:creationId xmlns:a16="http://schemas.microsoft.com/office/drawing/2014/main" id="{56401546-D809-4C79-83AB-6FC99B9A721C}"/>
+              </a:ext>
+            </a:extLst>
+          </p:cNvPr>
+          <p:cNvGrpSpPr/>
+          <p:nvPr/>
+        </p:nvGrpSpPr>
+        <p:grpSpPr>
+          <a:xfrm>
+            <a:off x="6096000" y="906480"/>
+            <a:ext cx="4805504" cy="3721350"/>
+            <a:chOff x="6381900" y="803113"/>
+            <a:chExt cx="4728982" cy="3572263"/>
+          </a:xfrm>
+        </p:grpSpPr>
+        <p:pic>
+          <p:nvPicPr>
+            <p:cNvPr id="17" name="图片 16">
+              <a:extLst>
+                <a:ext uri="{FF2B5EF4-FFF2-40B4-BE49-F238E27FC236}">
+                  <a16:creationId xmlns:a16="http://schemas.microsoft.com/office/drawing/2014/main" id="{DFE9FC7D-3357-46E2-AC0B-9F7B3FB320CF}"/>
+                </a:ext>
+              </a:extLst>
+            </p:cNvPr>
+            <p:cNvPicPr>
+              <a:picLocks noChangeAspect="1"/>
+            </p:cNvPicPr>
+            <p:nvPr/>
+          </p:nvPicPr>
+          <p:blipFill>
+            <a:blip r:embed="rId3"/>
+            <a:stretch>
+              <a:fillRect/>
+            </a:stretch>
+          </p:blipFill>
+          <p:spPr>
+            <a:xfrm>
+              <a:off x="6381900" y="803113"/>
+              <a:ext cx="4728982" cy="3572263"/>
+            </a:xfrm>
+            <a:prstGeom prst="rect">
+              <a:avLst/>
+            </a:prstGeom>
+          </p:spPr>
+        </p:pic>
+        <p:sp>
+          <p:nvSpPr>
+            <p:cNvPr id="14" name="文本框 13">
+              <a:extLst>
+                <a:ext uri="{FF2B5EF4-FFF2-40B4-BE49-F238E27FC236}">
+                  <a16:creationId xmlns:a16="http://schemas.microsoft.com/office/drawing/2014/main" id="{E5591A38-FE36-4648-AEA2-B9897DEAD403}"/>
+                </a:ext>
+              </a:extLst>
+            </p:cNvPr>
+            <p:cNvSpPr txBox="1"/>
+            <p:nvPr/>
+          </p:nvSpPr>
+          <p:spPr>
+            <a:xfrm>
+              <a:off x="7691381" y="2903170"/>
+              <a:ext cx="705642" cy="307777"/>
+            </a:xfrm>
+            <a:prstGeom prst="rect">
+              <a:avLst/>
+            </a:prstGeom>
+            <a:noFill/>
+          </p:spPr>
+          <p:txBody>
+            <a:bodyPr wrap="none" rtlCol="0">
+              <a:spAutoFit/>
+            </a:bodyPr>
+            <a:lstStyle/>
+            <a:p>
+              <a:r>
+                <a:rPr lang="en-US" altLang="zh-CN" sz="1400" dirty="0">
+                  <a:solidFill>
+                    <a:schemeClr val="bg1"/>
+                  </a:solidFill>
+                  <a:latin typeface="微软雅黑" panose="020B0503020204020204" pitchFamily="34" charset="-122"/>
+                  <a:ea typeface="微软雅黑" panose="020B0503020204020204" pitchFamily="34" charset="-122"/>
+                </a:rPr>
+                <a:t>40.4%</a:t>
+              </a:r>
+              <a:endParaRPr lang="zh-CN" altLang="en-US" sz="1400" dirty="0">
+                <a:solidFill>
+                  <a:schemeClr val="bg1"/>
+                </a:solidFill>
+                <a:latin typeface="微软雅黑" panose="020B0503020204020204" pitchFamily="34" charset="-122"/>
+                <a:ea typeface="微软雅黑" panose="020B0503020204020204" pitchFamily="34" charset="-122"/>
+              </a:endParaRPr>
+            </a:p>
+          </p:txBody>
+        </p:sp>
+        <p:sp>
+          <p:nvSpPr>
+            <p:cNvPr id="15" name="文本框 14">
+              <a:extLst>
+                <a:ext uri="{FF2B5EF4-FFF2-40B4-BE49-F238E27FC236}">
+                  <a16:creationId xmlns:a16="http://schemas.microsoft.com/office/drawing/2014/main" id="{165CDB94-B854-455D-A2BE-8950731BD063}"/>
+                </a:ext>
+              </a:extLst>
+            </p:cNvPr>
+            <p:cNvSpPr txBox="1"/>
+            <p:nvPr/>
+          </p:nvSpPr>
+          <p:spPr>
+            <a:xfrm>
+              <a:off x="9401131" y="2595393"/>
+              <a:ext cx="705642" cy="307777"/>
+            </a:xfrm>
+            <a:prstGeom prst="rect">
+              <a:avLst/>
+            </a:prstGeom>
+            <a:noFill/>
+          </p:spPr>
+          <p:txBody>
+            <a:bodyPr wrap="none" rtlCol="0">
+              <a:spAutoFit/>
+            </a:bodyPr>
+            <a:lstStyle/>
+            <a:p>
+              <a:r>
+                <a:rPr lang="en-US" altLang="zh-CN" sz="1400" dirty="0">
+                  <a:solidFill>
+                    <a:schemeClr val="bg1"/>
+                  </a:solidFill>
+                  <a:latin typeface="微软雅黑" panose="020B0503020204020204" pitchFamily="34" charset="-122"/>
+                  <a:ea typeface="微软雅黑" panose="020B0503020204020204" pitchFamily="34" charset="-122"/>
+                </a:rPr>
+                <a:t>38.3%</a:t>
+              </a:r>
+              <a:endParaRPr lang="zh-CN" altLang="en-US" sz="1400" dirty="0">
+                <a:solidFill>
+                  <a:schemeClr val="bg1"/>
+                </a:solidFill>
+                <a:latin typeface="微软雅黑" panose="020B0503020204020204" pitchFamily="34" charset="-122"/>
+                <a:ea typeface="微软雅黑" panose="020B0503020204020204" pitchFamily="34" charset="-122"/>
+              </a:endParaRPr>
+            </a:p>
+          </p:txBody>
+        </p:sp>
+      </p:grpSp>
+      <p:sp>
+        <p:nvSpPr>
+          <p:cNvPr id="19" name="文本框 18">
+            <a:extLst>
+              <a:ext uri="{FF2B5EF4-FFF2-40B4-BE49-F238E27FC236}">
+                <a16:creationId xmlns:a16="http://schemas.microsoft.com/office/drawing/2014/main" id="{D148AD51-81C7-4F40-B1F2-935E67B8D2CA}"/>
+              </a:ext>
+            </a:extLst>
+          </p:cNvPr>
+          <p:cNvSpPr txBox="1"/>
+          <p:nvPr/>
         </p:nvSpPr>
         <p:spPr>
           <a:xfrm>
-            <a:off x="187929" y="215174"/>
-            <a:ext cx="9404723" cy="788853"/>
+            <a:off x="1211428" y="4627830"/>
+            <a:ext cx="4253596" cy="1346907"/>
           </a:xfrm>
+          <a:prstGeom prst="rect">
+            <a:avLst/>
+          </a:prstGeom>
+          <a:noFill/>
         </p:spPr>
         <p:txBody>
-          <a:bodyPr/>
+          <a:bodyPr wrap="square" rtlCol="0">
+            <a:spAutoFit/>
+          </a:bodyPr>
           <a:lstStyle/>
           <a:p>
-            <a:r>
-              <a:rPr lang="zh-CN" altLang="en-US" sz="4400" dirty="0">
-                <a:latin typeface="等线" panose="02010600030101010101" pitchFamily="2" charset="-122"/>
-                <a:ea typeface="等线" panose="02010600030101010101" pitchFamily="2" charset="-122"/>
+            <a:pPr>
+              <a:lnSpc>
+                <a:spcPct val="150000"/>
+              </a:lnSpc>
+            </a:pPr>
+            <a:r>
+              <a:rPr lang="zh-CN" altLang="en-US" sz="1400" dirty="0">
+                <a:latin typeface="微软雅黑" panose="020B0503020204020204" pitchFamily="34" charset="-122"/>
+                <a:ea typeface="微软雅黑" panose="020B0503020204020204" pitchFamily="34" charset="-122"/>
               </a:rPr>
-              <a:t>附录</a:t>
-            </a:r>
+              <a:t>在数据分析职位中，学历要求本科的占有遥遥领先的地位</a:t>
+            </a:r>
+            <a:r>
+              <a:rPr lang="en-US" altLang="zh-CN" sz="1400" dirty="0">
+                <a:latin typeface="微软雅黑" panose="020B0503020204020204" pitchFamily="34" charset="-122"/>
+                <a:ea typeface="微软雅黑" panose="020B0503020204020204" pitchFamily="34" charset="-122"/>
+              </a:rPr>
+              <a:t>84.5%</a:t>
+            </a:r>
+            <a:r>
+              <a:rPr lang="zh-CN" altLang="en-US" sz="1400" dirty="0">
+                <a:latin typeface="微软雅黑" panose="020B0503020204020204" pitchFamily="34" charset="-122"/>
+                <a:ea typeface="微软雅黑" panose="020B0503020204020204" pitchFamily="34" charset="-122"/>
+              </a:rPr>
+              <a:t>，大多数企业要求本科，学历要求博士的企业低于</a:t>
+            </a:r>
+            <a:r>
+              <a:rPr lang="en-US" altLang="zh-CN" sz="1400" dirty="0">
+                <a:latin typeface="微软雅黑" panose="020B0503020204020204" pitchFamily="34" charset="-122"/>
+                <a:ea typeface="微软雅黑" panose="020B0503020204020204" pitchFamily="34" charset="-122"/>
+              </a:rPr>
+              <a:t>0.1%</a:t>
+            </a:r>
+            <a:r>
+              <a:rPr lang="zh-CN" altLang="en-US" sz="1400" dirty="0">
+                <a:latin typeface="微软雅黑" panose="020B0503020204020204" pitchFamily="34" charset="-122"/>
+                <a:ea typeface="微软雅黑" panose="020B0503020204020204" pitchFamily="34" charset="-122"/>
+              </a:rPr>
+              <a:t>，可以看出学历不会成为数据分析发展的天花板。</a:t>
+            </a:r>
+          </a:p>
+        </p:txBody>
+      </p:sp>
+      <p:sp>
+        <p:nvSpPr>
+          <p:cNvPr id="20" name="文本框 19">
+            <a:extLst>
+              <a:ext uri="{FF2B5EF4-FFF2-40B4-BE49-F238E27FC236}">
+                <a16:creationId xmlns:a16="http://schemas.microsoft.com/office/drawing/2014/main" id="{B2ABB7EE-0D9B-450E-95DD-BD4B2DA627E6}"/>
+              </a:ext>
+            </a:extLst>
+          </p:cNvPr>
+          <p:cNvSpPr txBox="1"/>
+          <p:nvPr/>
+        </p:nvSpPr>
+        <p:spPr>
+          <a:xfrm>
+            <a:off x="6422796" y="4627830"/>
+            <a:ext cx="4361254" cy="1061829"/>
+          </a:xfrm>
+          <a:prstGeom prst="rect">
+            <a:avLst/>
+          </a:prstGeom>
+          <a:noFill/>
+        </p:spPr>
+        <p:txBody>
+          <a:bodyPr wrap="square" rtlCol="0">
+            <a:spAutoFit/>
+          </a:bodyPr>
+          <a:lstStyle/>
+          <a:p>
+            <a:pPr>
+              <a:lnSpc>
+                <a:spcPct val="150000"/>
+              </a:lnSpc>
+            </a:pPr>
+            <a:r>
+              <a:rPr lang="zh-CN" altLang="en-US" sz="1400" dirty="0">
+                <a:latin typeface="微软雅黑" panose="020B0503020204020204" pitchFamily="34" charset="-122"/>
+                <a:ea typeface="微软雅黑" panose="020B0503020204020204" pitchFamily="34" charset="-122"/>
+              </a:rPr>
+              <a:t>对工作年限的要求中，接近</a:t>
+            </a:r>
+            <a:r>
+              <a:rPr lang="en-US" altLang="zh-CN" sz="1400" dirty="0">
+                <a:latin typeface="微软雅黑" panose="020B0503020204020204" pitchFamily="34" charset="-122"/>
+                <a:ea typeface="微软雅黑" panose="020B0503020204020204" pitchFamily="34" charset="-122"/>
+              </a:rPr>
+              <a:t>80%</a:t>
+            </a:r>
+            <a:r>
+              <a:rPr lang="zh-CN" altLang="en-US" sz="1400" dirty="0">
+                <a:latin typeface="微软雅黑" panose="020B0503020204020204" pitchFamily="34" charset="-122"/>
+                <a:ea typeface="微软雅黑" panose="020B0503020204020204" pitchFamily="34" charset="-122"/>
+              </a:rPr>
+              <a:t>的企业需要</a:t>
+            </a:r>
+            <a:r>
+              <a:rPr lang="en-US" altLang="zh-CN" sz="1400" dirty="0">
+                <a:latin typeface="微软雅黑" panose="020B0503020204020204" pitchFamily="34" charset="-122"/>
+                <a:ea typeface="微软雅黑" panose="020B0503020204020204" pitchFamily="34" charset="-122"/>
+              </a:rPr>
+              <a:t>1-3</a:t>
+            </a:r>
+            <a:r>
+              <a:rPr lang="zh-CN" altLang="en-US" sz="1400" dirty="0">
+                <a:latin typeface="微软雅黑" panose="020B0503020204020204" pitchFamily="34" charset="-122"/>
+                <a:ea typeface="微软雅黑" panose="020B0503020204020204" pitchFamily="34" charset="-122"/>
+              </a:rPr>
+              <a:t>年和</a:t>
+            </a:r>
+            <a:r>
+              <a:rPr lang="en-US" altLang="zh-CN" sz="1400" dirty="0">
+                <a:latin typeface="微软雅黑" panose="020B0503020204020204" pitchFamily="34" charset="-122"/>
+                <a:ea typeface="微软雅黑" panose="020B0503020204020204" pitchFamily="34" charset="-122"/>
+              </a:rPr>
+              <a:t>3-5</a:t>
+            </a:r>
+            <a:r>
+              <a:rPr lang="zh-CN" altLang="en-US" sz="1400" dirty="0">
+                <a:latin typeface="微软雅黑" panose="020B0503020204020204" pitchFamily="34" charset="-122"/>
+                <a:ea typeface="微软雅黑" panose="020B0503020204020204" pitchFamily="34" charset="-122"/>
+              </a:rPr>
+              <a:t>年的员工，</a:t>
+            </a:r>
+            <a:r>
+              <a:rPr lang="en-US" altLang="zh-CN" sz="1400" dirty="0">
+                <a:latin typeface="微软雅黑" panose="020B0503020204020204" pitchFamily="34" charset="-122"/>
+                <a:ea typeface="微软雅黑" panose="020B0503020204020204" pitchFamily="34" charset="-122"/>
+              </a:rPr>
+              <a:t>1</a:t>
+            </a:r>
+            <a:r>
+              <a:rPr lang="zh-CN" altLang="en-US" sz="1400" dirty="0">
+                <a:latin typeface="微软雅黑" panose="020B0503020204020204" pitchFamily="34" charset="-122"/>
+                <a:ea typeface="微软雅黑" panose="020B0503020204020204" pitchFamily="34" charset="-122"/>
+              </a:rPr>
+              <a:t>年以下和应届生极少，而相对而言</a:t>
+            </a:r>
+            <a:r>
+              <a:rPr lang="en-US" altLang="zh-CN" sz="1400" dirty="0">
+                <a:latin typeface="微软雅黑" panose="020B0503020204020204" pitchFamily="34" charset="-122"/>
+                <a:ea typeface="微软雅黑" panose="020B0503020204020204" pitchFamily="34" charset="-122"/>
+              </a:rPr>
+              <a:t>5-10</a:t>
+            </a:r>
+            <a:r>
+              <a:rPr lang="zh-CN" altLang="en-US" sz="1400" dirty="0">
+                <a:latin typeface="微软雅黑" panose="020B0503020204020204" pitchFamily="34" charset="-122"/>
+                <a:ea typeface="微软雅黑" panose="020B0503020204020204" pitchFamily="34" charset="-122"/>
+              </a:rPr>
+              <a:t>年的需求量也同样并不是很高，仅为</a:t>
+            </a:r>
+            <a:r>
+              <a:rPr lang="en-US" altLang="zh-CN" sz="1400" dirty="0">
+                <a:latin typeface="微软雅黑" panose="020B0503020204020204" pitchFamily="34" charset="-122"/>
+                <a:ea typeface="微软雅黑" panose="020B0503020204020204" pitchFamily="34" charset="-122"/>
+              </a:rPr>
+              <a:t>9%</a:t>
+            </a:r>
+            <a:endParaRPr lang="zh-CN" altLang="en-US" sz="1400" dirty="0">
+              <a:latin typeface="微软雅黑" panose="020B0503020204020204" pitchFamily="34" charset="-122"/>
+              <a:ea typeface="微软雅黑" panose="020B0503020204020204" pitchFamily="34" charset="-122"/>
+            </a:endParaRPr>
+          </a:p>
+        </p:txBody>
+      </p:sp>
+      <p:sp>
+        <p:nvSpPr>
+          <p:cNvPr id="21" name="文本框 20">
+            <a:extLst>
+              <a:ext uri="{FF2B5EF4-FFF2-40B4-BE49-F238E27FC236}">
+                <a16:creationId xmlns:a16="http://schemas.microsoft.com/office/drawing/2014/main" id="{3E98DDC8-8047-4F55-ACA5-5E8DA88D24AE}"/>
+              </a:ext>
+            </a:extLst>
+          </p:cNvPr>
+          <p:cNvSpPr txBox="1"/>
+          <p:nvPr/>
+        </p:nvSpPr>
+        <p:spPr>
+          <a:xfrm>
+            <a:off x="8603423" y="1516610"/>
+            <a:ext cx="450764" cy="307777"/>
+          </a:xfrm>
+          <a:prstGeom prst="rect">
+            <a:avLst/>
+          </a:prstGeom>
+          <a:noFill/>
+        </p:spPr>
+        <p:txBody>
+          <a:bodyPr wrap="none" rtlCol="0">
+            <a:spAutoFit/>
+          </a:bodyPr>
+          <a:lstStyle/>
+          <a:p>
+            <a:r>
+              <a:rPr lang="en-US" altLang="zh-CN" sz="1400" dirty="0">
+                <a:solidFill>
+                  <a:schemeClr val="bg1"/>
+                </a:solidFill>
+                <a:latin typeface="微软雅黑" panose="020B0503020204020204" pitchFamily="34" charset="-122"/>
+                <a:ea typeface="微软雅黑" panose="020B0503020204020204" pitchFamily="34" charset="-122"/>
+              </a:rPr>
+              <a:t>9%</a:t>
+            </a:r>
+            <a:endParaRPr lang="zh-CN" altLang="en-US" sz="1400" dirty="0">
+              <a:solidFill>
+                <a:schemeClr val="bg1"/>
+              </a:solidFill>
+              <a:latin typeface="微软雅黑" panose="020B0503020204020204" pitchFamily="34" charset="-122"/>
+              <a:ea typeface="微软雅黑" panose="020B0503020204020204" pitchFamily="34" charset="-122"/>
+            </a:endParaRPr>
           </a:p>
         </p:txBody>
       </p:sp>
     </p:spTree>
     <p:extLst>
       <p:ext uri="{BB962C8B-B14F-4D97-AF65-F5344CB8AC3E}">
-        <p14:creationId xmlns:p14="http://schemas.microsoft.com/office/powerpoint/2010/main" val="1018427987"/>
+        <p14:creationId xmlns:p14="http://schemas.microsoft.com/office/powerpoint/2010/main" val="3923231853"/>
+      </p:ext>
+    </p:extLst>
+  </p:cSld>
+  <p:clrMapOvr>
+    <a:masterClrMapping/>
+  </p:clrMapOvr>
+</p:sld>
+</file>
+
+<file path=ppt/slides/slide8.xml><?xml version="1.0" encoding="utf-8"?>
+<p:sld xmlns:a="http://schemas.openxmlformats.org/drawingml/2006/main" xmlns:r="http://schemas.openxmlformats.org/officeDocument/2006/relationships" xmlns:p="http://schemas.openxmlformats.org/presentationml/2006/main">
+  <p:cSld>
+    <p:spTree>
+      <p:nvGrpSpPr>
+        <p:cNvPr id="1" name=""/>
+        <p:cNvGrpSpPr/>
+        <p:nvPr/>
+      </p:nvGrpSpPr>
+      <p:grpSpPr>
+        <a:xfrm>
+          <a:off x="0" y="0"/>
+          <a:ext cx="0" cy="0"/>
+          <a:chOff x="0" y="0"/>
+          <a:chExt cx="0" cy="0"/>
+        </a:xfrm>
+      </p:grpSpPr>
+      <p:sp>
+        <p:nvSpPr>
+          <p:cNvPr id="8" name="文本框 7">
+            <a:extLst>
+              <a:ext uri="{FF2B5EF4-FFF2-40B4-BE49-F238E27FC236}">
+                <a16:creationId xmlns:a16="http://schemas.microsoft.com/office/drawing/2014/main" id="{710AF93E-FA33-45CB-B45F-E97B134E5DCD}"/>
+              </a:ext>
+            </a:extLst>
+          </p:cNvPr>
+          <p:cNvSpPr txBox="1"/>
+          <p:nvPr/>
+        </p:nvSpPr>
+        <p:spPr>
+          <a:xfrm>
+            <a:off x="2351896" y="5006982"/>
+            <a:ext cx="7488208" cy="738664"/>
+          </a:xfrm>
+          <a:prstGeom prst="rect">
+            <a:avLst/>
+          </a:prstGeom>
+          <a:noFill/>
+        </p:spPr>
+        <p:txBody>
+          <a:bodyPr wrap="square" rtlCol="0">
+            <a:spAutoFit/>
+          </a:bodyPr>
+          <a:lstStyle/>
+          <a:p>
+            <a:pPr>
+              <a:lnSpc>
+                <a:spcPct val="150000"/>
+              </a:lnSpc>
+            </a:pPr>
+            <a:r>
+              <a:rPr lang="zh-CN" altLang="en-US" sz="1400" dirty="0">
+                <a:latin typeface="微软雅黑" panose="020B0503020204020204" pitchFamily="34" charset="-122"/>
+                <a:ea typeface="微软雅黑" panose="020B0503020204020204" pitchFamily="34" charset="-122"/>
+              </a:rPr>
+              <a:t>北京、上海、深圳对于数据分析岗位的需求量远远高于其他地区，尤其是北京、上海地区，其次是杭州和广州仅次于北上深地区，而除此以外的其他地区对于这一职位的需求则相对较低。</a:t>
+            </a:r>
+          </a:p>
+        </p:txBody>
+      </p:sp>
+      <p:pic>
+        <p:nvPicPr>
+          <p:cNvPr id="6" name="图片 5">
+            <a:extLst>
+              <a:ext uri="{FF2B5EF4-FFF2-40B4-BE49-F238E27FC236}">
+                <a16:creationId xmlns:a16="http://schemas.microsoft.com/office/drawing/2014/main" id="{43E03A1C-D59A-4B85-8E60-73AF48123754}"/>
+              </a:ext>
+            </a:extLst>
+          </p:cNvPr>
+          <p:cNvPicPr>
+            <a:picLocks noChangeAspect="1"/>
+          </p:cNvPicPr>
+          <p:nvPr/>
+        </p:nvPicPr>
+        <p:blipFill>
+          <a:blip r:embed="rId2"/>
+          <a:stretch>
+            <a:fillRect/>
+          </a:stretch>
+        </p:blipFill>
+        <p:spPr>
+          <a:xfrm>
+            <a:off x="3162134" y="351658"/>
+            <a:ext cx="5867731" cy="4426723"/>
+          </a:xfrm>
+          <a:prstGeom prst="rect">
+            <a:avLst/>
+          </a:prstGeom>
+        </p:spPr>
+      </p:pic>
+    </p:spTree>
+    <p:extLst>
+      <p:ext uri="{BB962C8B-B14F-4D97-AF65-F5344CB8AC3E}">
+        <p14:creationId xmlns:p14="http://schemas.microsoft.com/office/powerpoint/2010/main" val="3101276202"/>
+      </p:ext>
+    </p:extLst>
+  </p:cSld>
+  <p:clrMapOvr>
+    <a:masterClrMapping/>
+  </p:clrMapOvr>
+</p:sld>
+</file>
+
+<file path=ppt/slides/slide9.xml><?xml version="1.0" encoding="utf-8"?>
+<p:sld xmlns:a="http://schemas.openxmlformats.org/drawingml/2006/main" xmlns:r="http://schemas.openxmlformats.org/officeDocument/2006/relationships" xmlns:p="http://schemas.openxmlformats.org/presentationml/2006/main">
+  <p:cSld>
+    <p:spTree>
+      <p:nvGrpSpPr>
+        <p:cNvPr id="1" name=""/>
+        <p:cNvGrpSpPr/>
+        <p:nvPr/>
+      </p:nvGrpSpPr>
+      <p:grpSpPr>
+        <a:xfrm>
+          <a:off x="0" y="0"/>
+          <a:ext cx="0" cy="0"/>
+          <a:chOff x="0" y="0"/>
+          <a:chExt cx="0" cy="0"/>
+        </a:xfrm>
+      </p:grpSpPr>
+      <p:pic>
+        <p:nvPicPr>
+          <p:cNvPr id="5" name="图片 4">
+            <a:extLst>
+              <a:ext uri="{FF2B5EF4-FFF2-40B4-BE49-F238E27FC236}">
+                <a16:creationId xmlns:a16="http://schemas.microsoft.com/office/drawing/2014/main" id="{69E7778A-7069-4385-B8B4-74896D12FAAC}"/>
+              </a:ext>
+            </a:extLst>
+          </p:cNvPr>
+          <p:cNvPicPr>
+            <a:picLocks noChangeAspect="1"/>
+          </p:cNvPicPr>
+          <p:nvPr/>
+        </p:nvPicPr>
+        <p:blipFill>
+          <a:blip r:embed="rId2"/>
+          <a:stretch>
+            <a:fillRect/>
+          </a:stretch>
+        </p:blipFill>
+        <p:spPr>
+          <a:xfrm>
+            <a:off x="2841532" y="422023"/>
+            <a:ext cx="6508935" cy="4492877"/>
+          </a:xfrm>
+          <a:prstGeom prst="rect">
+            <a:avLst/>
+          </a:prstGeom>
+        </p:spPr>
+      </p:pic>
+      <p:sp>
+        <p:nvSpPr>
+          <p:cNvPr id="7" name="文本框 6">
+            <a:extLst>
+              <a:ext uri="{FF2B5EF4-FFF2-40B4-BE49-F238E27FC236}">
+                <a16:creationId xmlns:a16="http://schemas.microsoft.com/office/drawing/2014/main" id="{6CE1001C-465A-4C14-8C79-E8C0B57A709B}"/>
+              </a:ext>
+            </a:extLst>
+          </p:cNvPr>
+          <p:cNvSpPr txBox="1"/>
+          <p:nvPr/>
+        </p:nvSpPr>
+        <p:spPr>
+          <a:xfrm>
+            <a:off x="2351896" y="5006982"/>
+            <a:ext cx="7488208" cy="738664"/>
+          </a:xfrm>
+          <a:prstGeom prst="rect">
+            <a:avLst/>
+          </a:prstGeom>
+          <a:noFill/>
+        </p:spPr>
+        <p:txBody>
+          <a:bodyPr wrap="square" rtlCol="0">
+            <a:spAutoFit/>
+          </a:bodyPr>
+          <a:lstStyle/>
+          <a:p>
+            <a:pPr>
+              <a:lnSpc>
+                <a:spcPct val="150000"/>
+              </a:lnSpc>
+            </a:pPr>
+            <a:r>
+              <a:rPr lang="zh-CN" altLang="en-US" sz="1400" dirty="0">
+                <a:latin typeface="微软雅黑" panose="020B0503020204020204" pitchFamily="34" charset="-122"/>
+                <a:ea typeface="微软雅黑" panose="020B0503020204020204" pitchFamily="34" charset="-122"/>
+              </a:rPr>
+              <a:t>移动互联网企业对于数据分析职位的需求量远高于其他行业，而除此以外，金融、电子商务、数据服务这三大行业对于数据分析的需求也相对较大。</a:t>
+            </a:r>
+          </a:p>
+        </p:txBody>
+      </p:sp>
+    </p:spTree>
+    <p:extLst>
+      <p:ext uri="{BB962C8B-B14F-4D97-AF65-F5344CB8AC3E}">
+        <p14:creationId xmlns:p14="http://schemas.microsoft.com/office/powerpoint/2010/main" val="2816712976"/>
       </p:ext>
     </p:extLst>
   </p:cSld>
@@ -7709,4 +12023,2364 @@
     </a:ext>
   </a:extLst>
 </a:theme>
+</file>
+
+<file path=ppt/theme/theme2.xml><?xml version="1.0" encoding="utf-8"?>
+<a:theme xmlns:a="http://schemas.openxmlformats.org/drawingml/2006/main" name="Office 主题​​">
+  <a:themeElements>
+    <a:clrScheme name="Office">
+      <a:dk1>
+        <a:sysClr val="windowText" lastClr="000000"/>
+      </a:dk1>
+      <a:lt1>
+        <a:sysClr val="window" lastClr="FFFFFF"/>
+      </a:lt1>
+      <a:dk2>
+        <a:srgbClr val="44546A"/>
+      </a:dk2>
+      <a:lt2>
+        <a:srgbClr val="E7E6E6"/>
+      </a:lt2>
+      <a:accent1>
+        <a:srgbClr val="4472C4"/>
+      </a:accent1>
+      <a:accent2>
+        <a:srgbClr val="ED7D31"/>
+      </a:accent2>
+      <a:accent3>
+        <a:srgbClr val="A5A5A5"/>
+      </a:accent3>
+      <a:accent4>
+        <a:srgbClr val="FFC000"/>
+      </a:accent4>
+      <a:accent5>
+        <a:srgbClr val="5B9BD5"/>
+      </a:accent5>
+      <a:accent6>
+        <a:srgbClr val="70AD47"/>
+      </a:accent6>
+      <a:hlink>
+        <a:srgbClr val="0563C1"/>
+      </a:hlink>
+      <a:folHlink>
+        <a:srgbClr val="954F72"/>
+      </a:folHlink>
+    </a:clrScheme>
+    <a:fontScheme name="Office">
+      <a:majorFont>
+        <a:latin typeface="等线 Light" panose="020F0302020204030204"/>
+        <a:ea typeface=""/>
+        <a:cs typeface=""/>
+        <a:font script="Jpan" typeface="游ゴシック Light"/>
+        <a:font script="Hang" typeface="맑은 고딕"/>
+        <a:font script="Hans" typeface="等线 Light"/>
+        <a:font script="Hant" typeface="新細明體"/>
+        <a:font script="Arab" typeface="Times New Roman"/>
+        <a:font script="Hebr" typeface="Times New Roman"/>
+        <a:font script="Thai" typeface="Angsana New"/>
+        <a:font script="Ethi" typeface="Nyala"/>
+        <a:font script="Beng" typeface="Vrinda"/>
+        <a:font script="Gujr" typeface="Shruti"/>
+        <a:font script="Khmr" typeface="MoolBoran"/>
+        <a:font script="Knda" typeface="Tunga"/>
+        <a:font script="Guru" typeface="Raavi"/>
+        <a:font script="Cans" typeface="Euphemia"/>
+        <a:font script="Cher" typeface="Plantagenet Cherokee"/>
+        <a:font script="Yiii" typeface="Microsoft Yi Baiti"/>
+        <a:font script="Tibt" typeface="Microsoft Himalaya"/>
+        <a:font script="Thaa" typeface="MV Boli"/>
+        <a:font script="Deva" typeface="Mangal"/>
+        <a:font script="Telu" typeface="Gautami"/>
+        <a:font script="Taml" typeface="Latha"/>
+        <a:font script="Syrc" typeface="Estrangelo Edessa"/>
+        <a:font script="Orya" typeface="Kalinga"/>
+        <a:font script="Mlym" typeface="Kartika"/>
+        <a:font script="Laoo" typeface="DokChampa"/>
+        <a:font script="Sinh" typeface="Iskoola Pota"/>
+        <a:font script="Mong" typeface="Mongolian Baiti"/>
+        <a:font script="Viet" typeface="Times New Roman"/>
+        <a:font script="Uigh" typeface="Microsoft Uighur"/>
+        <a:font script="Geor" typeface="Sylfaen"/>
+        <a:font script="Armn" typeface="Arial"/>
+        <a:font script="Bugi" typeface="Leelawadee UI"/>
+        <a:font script="Bopo" typeface="Microsoft JhengHei"/>
+        <a:font script="Java" typeface="Javanese Text"/>
+        <a:font script="Lisu" typeface="Segoe UI"/>
+        <a:font script="Mymr" typeface="Myanmar Text"/>
+        <a:font script="Nkoo" typeface="Ebrima"/>
+        <a:font script="Olck" typeface="Nirmala UI"/>
+        <a:font script="Osma" typeface="Ebrima"/>
+        <a:font script="Phag" typeface="Phagspa"/>
+        <a:font script="Syrn" typeface="Estrangelo Edessa"/>
+        <a:font script="Syrj" typeface="Estrangelo Edessa"/>
+        <a:font script="Syre" typeface="Estrangelo Edessa"/>
+        <a:font script="Sora" typeface="Nirmala UI"/>
+        <a:font script="Tale" typeface="Microsoft Tai Le"/>
+        <a:font script="Talu" typeface="Microsoft New Tai Lue"/>
+        <a:font script="Tfng" typeface="Ebrima"/>
+      </a:majorFont>
+      <a:minorFont>
+        <a:latin typeface="等线" panose="020F0502020204030204"/>
+        <a:ea typeface=""/>
+        <a:cs typeface=""/>
+        <a:font script="Jpan" typeface="游ゴシック"/>
+        <a:font script="Hang" typeface="맑은 고딕"/>
+        <a:font script="Hans" typeface="等线"/>
+        <a:font script="Hant" typeface="新細明體"/>
+        <a:font script="Arab" typeface="Arial"/>
+        <a:font script="Hebr" typeface="Arial"/>
+        <a:font script="Thai" typeface="Cordia New"/>
+        <a:font script="Ethi" typeface="Nyala"/>
+        <a:font script="Beng" typeface="Vrinda"/>
+        <a:font script="Gujr" typeface="Shruti"/>
+        <a:font script="Khmr" typeface="DaunPenh"/>
+        <a:font script="Knda" typeface="Tunga"/>
+        <a:font script="Guru" typeface="Raavi"/>
+        <a:font script="Cans" typeface="Euphemia"/>
+        <a:font script="Cher" typeface="Plantagenet Cherokee"/>
+        <a:font script="Yiii" typeface="Microsoft Yi Baiti"/>
+        <a:font script="Tibt" typeface="Microsoft Himalaya"/>
+        <a:font script="Thaa" typeface="MV Boli"/>
+        <a:font script="Deva" typeface="Mangal"/>
+        <a:font script="Telu" typeface="Gautami"/>
+        <a:font script="Taml" typeface="Latha"/>
+        <a:font script="Syrc" typeface="Estrangelo Edessa"/>
+        <a:font script="Orya" typeface="Kalinga"/>
+        <a:font script="Mlym" typeface="Kartika"/>
+        <a:font script="Laoo" typeface="DokChampa"/>
+        <a:font script="Sinh" typeface="Iskoola Pota"/>
+        <a:font script="Mong" typeface="Mongolian Baiti"/>
+        <a:font script="Viet" typeface="Arial"/>
+        <a:font script="Uigh" typeface="Microsoft Uighur"/>
+        <a:font script="Geor" typeface="Sylfaen"/>
+        <a:font script="Armn" typeface="Arial"/>
+        <a:font script="Bugi" typeface="Leelawadee UI"/>
+        <a:font script="Bopo" typeface="Microsoft JhengHei"/>
+        <a:font script="Java" typeface="Javanese Text"/>
+        <a:font script="Lisu" typeface="Segoe UI"/>
+        <a:font script="Mymr" typeface="Myanmar Text"/>
+        <a:font script="Nkoo" typeface="Ebrima"/>
+        <a:font script="Olck" typeface="Nirmala UI"/>
+        <a:font script="Osma" typeface="Ebrima"/>
+        <a:font script="Phag" typeface="Phagspa"/>
+        <a:font script="Syrn" typeface="Estrangelo Edessa"/>
+        <a:font script="Syrj" typeface="Estrangelo Edessa"/>
+        <a:font script="Syre" typeface="Estrangelo Edessa"/>
+        <a:font script="Sora" typeface="Nirmala UI"/>
+        <a:font script="Tale" typeface="Microsoft Tai Le"/>
+        <a:font script="Talu" typeface="Microsoft New Tai Lue"/>
+        <a:font script="Tfng" typeface="Ebrima"/>
+      </a:minorFont>
+    </a:fontScheme>
+    <a:fmtScheme name="Office">
+      <a:fillStyleLst>
+        <a:solidFill>
+          <a:schemeClr val="phClr"/>
+        </a:solidFill>
+        <a:gradFill rotWithShape="1">
+          <a:gsLst>
+            <a:gs pos="0">
+              <a:schemeClr val="phClr">
+                <a:lumMod val="110000"/>
+                <a:satMod val="105000"/>
+                <a:tint val="67000"/>
+              </a:schemeClr>
+            </a:gs>
+            <a:gs pos="50000">
+              <a:schemeClr val="phClr">
+                <a:lumMod val="105000"/>
+                <a:satMod val="103000"/>
+                <a:tint val="73000"/>
+              </a:schemeClr>
+            </a:gs>
+            <a:gs pos="100000">
+              <a:schemeClr val="phClr">
+                <a:lumMod val="105000"/>
+                <a:satMod val="109000"/>
+                <a:tint val="81000"/>
+              </a:schemeClr>
+            </a:gs>
+          </a:gsLst>
+          <a:lin ang="5400000" scaled="0"/>
+        </a:gradFill>
+        <a:gradFill rotWithShape="1">
+          <a:gsLst>
+            <a:gs pos="0">
+              <a:schemeClr val="phClr">
+                <a:satMod val="103000"/>
+                <a:lumMod val="102000"/>
+                <a:tint val="94000"/>
+              </a:schemeClr>
+            </a:gs>
+            <a:gs pos="50000">
+              <a:schemeClr val="phClr">
+                <a:satMod val="110000"/>
+                <a:lumMod val="100000"/>
+                <a:shade val="100000"/>
+              </a:schemeClr>
+            </a:gs>
+            <a:gs pos="100000">
+              <a:schemeClr val="phClr">
+                <a:lumMod val="99000"/>
+                <a:satMod val="120000"/>
+                <a:shade val="78000"/>
+              </a:schemeClr>
+            </a:gs>
+          </a:gsLst>
+          <a:lin ang="5400000" scaled="0"/>
+        </a:gradFill>
+      </a:fillStyleLst>
+      <a:lnStyleLst>
+        <a:ln w="6350" cap="flat" cmpd="sng" algn="ctr">
+          <a:solidFill>
+            <a:schemeClr val="phClr"/>
+          </a:solidFill>
+          <a:prstDash val="solid"/>
+          <a:miter lim="800000"/>
+        </a:ln>
+        <a:ln w="12700" cap="flat" cmpd="sng" algn="ctr">
+          <a:solidFill>
+            <a:schemeClr val="phClr"/>
+          </a:solidFill>
+          <a:prstDash val="solid"/>
+          <a:miter lim="800000"/>
+        </a:ln>
+        <a:ln w="19050" cap="flat" cmpd="sng" algn="ctr">
+          <a:solidFill>
+            <a:schemeClr val="phClr"/>
+          </a:solidFill>
+          <a:prstDash val="solid"/>
+          <a:miter lim="800000"/>
+        </a:ln>
+      </a:lnStyleLst>
+      <a:effectStyleLst>
+        <a:effectStyle>
+          <a:effectLst/>
+        </a:effectStyle>
+        <a:effectStyle>
+          <a:effectLst/>
+        </a:effectStyle>
+        <a:effectStyle>
+          <a:effectLst>
+            <a:outerShdw blurRad="57150" dist="19050" dir="5400000" algn="ctr" rotWithShape="0">
+              <a:srgbClr val="000000">
+                <a:alpha val="63000"/>
+              </a:srgbClr>
+            </a:outerShdw>
+          </a:effectLst>
+        </a:effectStyle>
+      </a:effectStyleLst>
+      <a:bgFillStyleLst>
+        <a:solidFill>
+          <a:schemeClr val="phClr"/>
+        </a:solidFill>
+        <a:solidFill>
+          <a:schemeClr val="phClr">
+            <a:tint val="95000"/>
+            <a:satMod val="170000"/>
+          </a:schemeClr>
+        </a:solidFill>
+        <a:gradFill rotWithShape="1">
+          <a:gsLst>
+            <a:gs pos="0">
+              <a:schemeClr val="phClr">
+                <a:tint val="93000"/>
+                <a:satMod val="150000"/>
+                <a:shade val="98000"/>
+                <a:lumMod val="102000"/>
+              </a:schemeClr>
+            </a:gs>
+            <a:gs pos="50000">
+              <a:schemeClr val="phClr">
+                <a:tint val="98000"/>
+                <a:satMod val="130000"/>
+                <a:shade val="90000"/>
+                <a:lumMod val="103000"/>
+              </a:schemeClr>
+            </a:gs>
+            <a:gs pos="100000">
+              <a:schemeClr val="phClr">
+                <a:shade val="63000"/>
+                <a:satMod val="120000"/>
+              </a:schemeClr>
+            </a:gs>
+          </a:gsLst>
+          <a:lin ang="5400000" scaled="0"/>
+        </a:gradFill>
+      </a:bgFillStyleLst>
+    </a:fmtScheme>
+  </a:themeElements>
+  <a:objectDefaults/>
+  <a:extraClrSchemeLst/>
+  <a:extLst>
+    <a:ext uri="{05A4C25C-085E-4340-85A3-A5531E510DB2}">
+      <thm15:themeFamily xmlns:thm15="http://schemas.microsoft.com/office/thememl/2012/main" name="Office Theme" id="{62F939B6-93AF-4DB8-9C6B-D6C7DFDC589F}" vid="{4A3C46E8-61CC-4603-A589-7422A47A8E4A}"/>
+    </a:ext>
+  </a:extLst>
+</a:theme>
+</file>
+
+<file path=ppt/theme/theme3.xml><?xml version="1.0" encoding="utf-8"?>
+<a:theme xmlns:a="http://schemas.openxmlformats.org/drawingml/2006/main" name="Office 主题​​">
+  <a:themeElements>
+    <a:clrScheme name="Office">
+      <a:dk1>
+        <a:sysClr val="windowText" lastClr="000000"/>
+      </a:dk1>
+      <a:lt1>
+        <a:sysClr val="window" lastClr="FFFFFF"/>
+      </a:lt1>
+      <a:dk2>
+        <a:srgbClr val="44546A"/>
+      </a:dk2>
+      <a:lt2>
+        <a:srgbClr val="E7E6E6"/>
+      </a:lt2>
+      <a:accent1>
+        <a:srgbClr val="4472C4"/>
+      </a:accent1>
+      <a:accent2>
+        <a:srgbClr val="ED7D31"/>
+      </a:accent2>
+      <a:accent3>
+        <a:srgbClr val="A5A5A5"/>
+      </a:accent3>
+      <a:accent4>
+        <a:srgbClr val="FFC000"/>
+      </a:accent4>
+      <a:accent5>
+        <a:srgbClr val="5B9BD5"/>
+      </a:accent5>
+      <a:accent6>
+        <a:srgbClr val="70AD47"/>
+      </a:accent6>
+      <a:hlink>
+        <a:srgbClr val="0563C1"/>
+      </a:hlink>
+      <a:folHlink>
+        <a:srgbClr val="954F72"/>
+      </a:folHlink>
+    </a:clrScheme>
+    <a:fontScheme name="Office">
+      <a:majorFont>
+        <a:latin typeface="等线 Light" panose="020F0302020204030204"/>
+        <a:ea typeface=""/>
+        <a:cs typeface=""/>
+        <a:font script="Jpan" typeface="游ゴシック Light"/>
+        <a:font script="Hang" typeface="맑은 고딕"/>
+        <a:font script="Hans" typeface="等线 Light"/>
+        <a:font script="Hant" typeface="新細明體"/>
+        <a:font script="Arab" typeface="Times New Roman"/>
+        <a:font script="Hebr" typeface="Times New Roman"/>
+        <a:font script="Thai" typeface="Angsana New"/>
+        <a:font script="Ethi" typeface="Nyala"/>
+        <a:font script="Beng" typeface="Vrinda"/>
+        <a:font script="Gujr" typeface="Shruti"/>
+        <a:font script="Khmr" typeface="MoolBoran"/>
+        <a:font script="Knda" typeface="Tunga"/>
+        <a:font script="Guru" typeface="Raavi"/>
+        <a:font script="Cans" typeface="Euphemia"/>
+        <a:font script="Cher" typeface="Plantagenet Cherokee"/>
+        <a:font script="Yiii" typeface="Microsoft Yi Baiti"/>
+        <a:font script="Tibt" typeface="Microsoft Himalaya"/>
+        <a:font script="Thaa" typeface="MV Boli"/>
+        <a:font script="Deva" typeface="Mangal"/>
+        <a:font script="Telu" typeface="Gautami"/>
+        <a:font script="Taml" typeface="Latha"/>
+        <a:font script="Syrc" typeface="Estrangelo Edessa"/>
+        <a:font script="Orya" typeface="Kalinga"/>
+        <a:font script="Mlym" typeface="Kartika"/>
+        <a:font script="Laoo" typeface="DokChampa"/>
+        <a:font script="Sinh" typeface="Iskoola Pota"/>
+        <a:font script="Mong" typeface="Mongolian Baiti"/>
+        <a:font script="Viet" typeface="Times New Roman"/>
+        <a:font script="Uigh" typeface="Microsoft Uighur"/>
+        <a:font script="Geor" typeface="Sylfaen"/>
+        <a:font script="Armn" typeface="Arial"/>
+        <a:font script="Bugi" typeface="Leelawadee UI"/>
+        <a:font script="Bopo" typeface="Microsoft JhengHei"/>
+        <a:font script="Java" typeface="Javanese Text"/>
+        <a:font script="Lisu" typeface="Segoe UI"/>
+        <a:font script="Mymr" typeface="Myanmar Text"/>
+        <a:font script="Nkoo" typeface="Ebrima"/>
+        <a:font script="Olck" typeface="Nirmala UI"/>
+        <a:font script="Osma" typeface="Ebrima"/>
+        <a:font script="Phag" typeface="Phagspa"/>
+        <a:font script="Syrn" typeface="Estrangelo Edessa"/>
+        <a:font script="Syrj" typeface="Estrangelo Edessa"/>
+        <a:font script="Syre" typeface="Estrangelo Edessa"/>
+        <a:font script="Sora" typeface="Nirmala UI"/>
+        <a:font script="Tale" typeface="Microsoft Tai Le"/>
+        <a:font script="Talu" typeface="Microsoft New Tai Lue"/>
+        <a:font script="Tfng" typeface="Ebrima"/>
+      </a:majorFont>
+      <a:minorFont>
+        <a:latin typeface="等线" panose="020F0502020204030204"/>
+        <a:ea typeface=""/>
+        <a:cs typeface=""/>
+        <a:font script="Jpan" typeface="游ゴシック"/>
+        <a:font script="Hang" typeface="맑은 고딕"/>
+        <a:font script="Hans" typeface="等线"/>
+        <a:font script="Hant" typeface="新細明體"/>
+        <a:font script="Arab" typeface="Arial"/>
+        <a:font script="Hebr" typeface="Arial"/>
+        <a:font script="Thai" typeface="Cordia New"/>
+        <a:font script="Ethi" typeface="Nyala"/>
+        <a:font script="Beng" typeface="Vrinda"/>
+        <a:font script="Gujr" typeface="Shruti"/>
+        <a:font script="Khmr" typeface="DaunPenh"/>
+        <a:font script="Knda" typeface="Tunga"/>
+        <a:font script="Guru" typeface="Raavi"/>
+        <a:font script="Cans" typeface="Euphemia"/>
+        <a:font script="Cher" typeface="Plantagenet Cherokee"/>
+        <a:font script="Yiii" typeface="Microsoft Yi Baiti"/>
+        <a:font script="Tibt" typeface="Microsoft Himalaya"/>
+        <a:font script="Thaa" typeface="MV Boli"/>
+        <a:font script="Deva" typeface="Mangal"/>
+        <a:font script="Telu" typeface="Gautami"/>
+        <a:font script="Taml" typeface="Latha"/>
+        <a:font script="Syrc" typeface="Estrangelo Edessa"/>
+        <a:font script="Orya" typeface="Kalinga"/>
+        <a:font script="Mlym" typeface="Kartika"/>
+        <a:font script="Laoo" typeface="DokChampa"/>
+        <a:font script="Sinh" typeface="Iskoola Pota"/>
+        <a:font script="Mong" typeface="Mongolian Baiti"/>
+        <a:font script="Viet" typeface="Arial"/>
+        <a:font script="Uigh" typeface="Microsoft Uighur"/>
+        <a:font script="Geor" typeface="Sylfaen"/>
+        <a:font script="Armn" typeface="Arial"/>
+        <a:font script="Bugi" typeface="Leelawadee UI"/>
+        <a:font script="Bopo" typeface="Microsoft JhengHei"/>
+        <a:font script="Java" typeface="Javanese Text"/>
+        <a:font script="Lisu" typeface="Segoe UI"/>
+        <a:font script="Mymr" typeface="Myanmar Text"/>
+        <a:font script="Nkoo" typeface="Ebrima"/>
+        <a:font script="Olck" typeface="Nirmala UI"/>
+        <a:font script="Osma" typeface="Ebrima"/>
+        <a:font script="Phag" typeface="Phagspa"/>
+        <a:font script="Syrn" typeface="Estrangelo Edessa"/>
+        <a:font script="Syrj" typeface="Estrangelo Edessa"/>
+        <a:font script="Syre" typeface="Estrangelo Edessa"/>
+        <a:font script="Sora" typeface="Nirmala UI"/>
+        <a:font script="Tale" typeface="Microsoft Tai Le"/>
+        <a:font script="Talu" typeface="Microsoft New Tai Lue"/>
+        <a:font script="Tfng" typeface="Ebrima"/>
+      </a:minorFont>
+    </a:fontScheme>
+    <a:fmtScheme name="Office">
+      <a:fillStyleLst>
+        <a:solidFill>
+          <a:schemeClr val="phClr"/>
+        </a:solidFill>
+        <a:gradFill rotWithShape="1">
+          <a:gsLst>
+            <a:gs pos="0">
+              <a:schemeClr val="phClr">
+                <a:lumMod val="110000"/>
+                <a:satMod val="105000"/>
+                <a:tint val="67000"/>
+              </a:schemeClr>
+            </a:gs>
+            <a:gs pos="50000">
+              <a:schemeClr val="phClr">
+                <a:lumMod val="105000"/>
+                <a:satMod val="103000"/>
+                <a:tint val="73000"/>
+              </a:schemeClr>
+            </a:gs>
+            <a:gs pos="100000">
+              <a:schemeClr val="phClr">
+                <a:lumMod val="105000"/>
+                <a:satMod val="109000"/>
+                <a:tint val="81000"/>
+              </a:schemeClr>
+            </a:gs>
+          </a:gsLst>
+          <a:lin ang="5400000" scaled="0"/>
+        </a:gradFill>
+        <a:gradFill rotWithShape="1">
+          <a:gsLst>
+            <a:gs pos="0">
+              <a:schemeClr val="phClr">
+                <a:satMod val="103000"/>
+                <a:lumMod val="102000"/>
+                <a:tint val="94000"/>
+              </a:schemeClr>
+            </a:gs>
+            <a:gs pos="50000">
+              <a:schemeClr val="phClr">
+                <a:satMod val="110000"/>
+                <a:lumMod val="100000"/>
+                <a:shade val="100000"/>
+              </a:schemeClr>
+            </a:gs>
+            <a:gs pos="100000">
+              <a:schemeClr val="phClr">
+                <a:lumMod val="99000"/>
+                <a:satMod val="120000"/>
+                <a:shade val="78000"/>
+              </a:schemeClr>
+            </a:gs>
+          </a:gsLst>
+          <a:lin ang="5400000" scaled="0"/>
+        </a:gradFill>
+      </a:fillStyleLst>
+      <a:lnStyleLst>
+        <a:ln w="6350" cap="flat" cmpd="sng" algn="ctr">
+          <a:solidFill>
+            <a:schemeClr val="phClr"/>
+          </a:solidFill>
+          <a:prstDash val="solid"/>
+          <a:miter lim="800000"/>
+        </a:ln>
+        <a:ln w="12700" cap="flat" cmpd="sng" algn="ctr">
+          <a:solidFill>
+            <a:schemeClr val="phClr"/>
+          </a:solidFill>
+          <a:prstDash val="solid"/>
+          <a:miter lim="800000"/>
+        </a:ln>
+        <a:ln w="19050" cap="flat" cmpd="sng" algn="ctr">
+          <a:solidFill>
+            <a:schemeClr val="phClr"/>
+          </a:solidFill>
+          <a:prstDash val="solid"/>
+          <a:miter lim="800000"/>
+        </a:ln>
+      </a:lnStyleLst>
+      <a:effectStyleLst>
+        <a:effectStyle>
+          <a:effectLst/>
+        </a:effectStyle>
+        <a:effectStyle>
+          <a:effectLst/>
+        </a:effectStyle>
+        <a:effectStyle>
+          <a:effectLst>
+            <a:outerShdw blurRad="57150" dist="19050" dir="5400000" algn="ctr" rotWithShape="0">
+              <a:srgbClr val="000000">
+                <a:alpha val="63000"/>
+              </a:srgbClr>
+            </a:outerShdw>
+          </a:effectLst>
+        </a:effectStyle>
+      </a:effectStyleLst>
+      <a:bgFillStyleLst>
+        <a:solidFill>
+          <a:schemeClr val="phClr"/>
+        </a:solidFill>
+        <a:solidFill>
+          <a:schemeClr val="phClr">
+            <a:tint val="95000"/>
+            <a:satMod val="170000"/>
+          </a:schemeClr>
+        </a:solidFill>
+        <a:gradFill rotWithShape="1">
+          <a:gsLst>
+            <a:gs pos="0">
+              <a:schemeClr val="phClr">
+                <a:tint val="93000"/>
+                <a:satMod val="150000"/>
+                <a:shade val="98000"/>
+                <a:lumMod val="102000"/>
+              </a:schemeClr>
+            </a:gs>
+            <a:gs pos="50000">
+              <a:schemeClr val="phClr">
+                <a:tint val="98000"/>
+                <a:satMod val="130000"/>
+                <a:shade val="90000"/>
+                <a:lumMod val="103000"/>
+              </a:schemeClr>
+            </a:gs>
+            <a:gs pos="100000">
+              <a:schemeClr val="phClr">
+                <a:shade val="63000"/>
+                <a:satMod val="120000"/>
+              </a:schemeClr>
+            </a:gs>
+          </a:gsLst>
+          <a:lin ang="5400000" scaled="0"/>
+        </a:gradFill>
+      </a:bgFillStyleLst>
+    </a:fmtScheme>
+  </a:themeElements>
+  <a:objectDefaults/>
+  <a:extraClrSchemeLst/>
+  <a:extLst>
+    <a:ext uri="{05A4C25C-085E-4340-85A3-A5531E510DB2}">
+      <thm15:themeFamily xmlns:thm15="http://schemas.microsoft.com/office/thememl/2012/main" name="Office Theme" id="{62F939B6-93AF-4DB8-9C6B-D6C7DFDC589F}" vid="{4A3C46E8-61CC-4603-A589-7422A47A8E4A}"/>
+    </a:ext>
+  </a:extLst>
+</a:theme>
+</file>
+
+<file path=ppt/theme/theme4.xml><?xml version="1.0" encoding="utf-8"?>
+<a:theme xmlns:a="http://schemas.openxmlformats.org/drawingml/2006/main" name="Office 主题​​">
+  <a:themeElements>
+    <a:clrScheme name="Office">
+      <a:dk1>
+        <a:sysClr val="windowText" lastClr="000000"/>
+      </a:dk1>
+      <a:lt1>
+        <a:sysClr val="window" lastClr="FFFFFF"/>
+      </a:lt1>
+      <a:dk2>
+        <a:srgbClr val="44546A"/>
+      </a:dk2>
+      <a:lt2>
+        <a:srgbClr val="E7E6E6"/>
+      </a:lt2>
+      <a:accent1>
+        <a:srgbClr val="4472C4"/>
+      </a:accent1>
+      <a:accent2>
+        <a:srgbClr val="ED7D31"/>
+      </a:accent2>
+      <a:accent3>
+        <a:srgbClr val="A5A5A5"/>
+      </a:accent3>
+      <a:accent4>
+        <a:srgbClr val="FFC000"/>
+      </a:accent4>
+      <a:accent5>
+        <a:srgbClr val="5B9BD5"/>
+      </a:accent5>
+      <a:accent6>
+        <a:srgbClr val="70AD47"/>
+      </a:accent6>
+      <a:hlink>
+        <a:srgbClr val="0563C1"/>
+      </a:hlink>
+      <a:folHlink>
+        <a:srgbClr val="954F72"/>
+      </a:folHlink>
+    </a:clrScheme>
+    <a:fontScheme name="Office">
+      <a:majorFont>
+        <a:latin typeface="等线 Light" panose="020F0302020204030204"/>
+        <a:ea typeface=""/>
+        <a:cs typeface=""/>
+        <a:font script="Jpan" typeface="游ゴシック Light"/>
+        <a:font script="Hang" typeface="맑은 고딕"/>
+        <a:font script="Hans" typeface="等线 Light"/>
+        <a:font script="Hant" typeface="新細明體"/>
+        <a:font script="Arab" typeface="Times New Roman"/>
+        <a:font script="Hebr" typeface="Times New Roman"/>
+        <a:font script="Thai" typeface="Angsana New"/>
+        <a:font script="Ethi" typeface="Nyala"/>
+        <a:font script="Beng" typeface="Vrinda"/>
+        <a:font script="Gujr" typeface="Shruti"/>
+        <a:font script="Khmr" typeface="MoolBoran"/>
+        <a:font script="Knda" typeface="Tunga"/>
+        <a:font script="Guru" typeface="Raavi"/>
+        <a:font script="Cans" typeface="Euphemia"/>
+        <a:font script="Cher" typeface="Plantagenet Cherokee"/>
+        <a:font script="Yiii" typeface="Microsoft Yi Baiti"/>
+        <a:font script="Tibt" typeface="Microsoft Himalaya"/>
+        <a:font script="Thaa" typeface="MV Boli"/>
+        <a:font script="Deva" typeface="Mangal"/>
+        <a:font script="Telu" typeface="Gautami"/>
+        <a:font script="Taml" typeface="Latha"/>
+        <a:font script="Syrc" typeface="Estrangelo Edessa"/>
+        <a:font script="Orya" typeface="Kalinga"/>
+        <a:font script="Mlym" typeface="Kartika"/>
+        <a:font script="Laoo" typeface="DokChampa"/>
+        <a:font script="Sinh" typeface="Iskoola Pota"/>
+        <a:font script="Mong" typeface="Mongolian Baiti"/>
+        <a:font script="Viet" typeface="Times New Roman"/>
+        <a:font script="Uigh" typeface="Microsoft Uighur"/>
+        <a:font script="Geor" typeface="Sylfaen"/>
+        <a:font script="Armn" typeface="Arial"/>
+        <a:font script="Bugi" typeface="Leelawadee UI"/>
+        <a:font script="Bopo" typeface="Microsoft JhengHei"/>
+        <a:font script="Java" typeface="Javanese Text"/>
+        <a:font script="Lisu" typeface="Segoe UI"/>
+        <a:font script="Mymr" typeface="Myanmar Text"/>
+        <a:font script="Nkoo" typeface="Ebrima"/>
+        <a:font script="Olck" typeface="Nirmala UI"/>
+        <a:font script="Osma" typeface="Ebrima"/>
+        <a:font script="Phag" typeface="Phagspa"/>
+        <a:font script="Syrn" typeface="Estrangelo Edessa"/>
+        <a:font script="Syrj" typeface="Estrangelo Edessa"/>
+        <a:font script="Syre" typeface="Estrangelo Edessa"/>
+        <a:font script="Sora" typeface="Nirmala UI"/>
+        <a:font script="Tale" typeface="Microsoft Tai Le"/>
+        <a:font script="Talu" typeface="Microsoft New Tai Lue"/>
+        <a:font script="Tfng" typeface="Ebrima"/>
+      </a:majorFont>
+      <a:minorFont>
+        <a:latin typeface="等线" panose="020F0502020204030204"/>
+        <a:ea typeface=""/>
+        <a:cs typeface=""/>
+        <a:font script="Jpan" typeface="游ゴシック"/>
+        <a:font script="Hang" typeface="맑은 고딕"/>
+        <a:font script="Hans" typeface="等线"/>
+        <a:font script="Hant" typeface="新細明體"/>
+        <a:font script="Arab" typeface="Arial"/>
+        <a:font script="Hebr" typeface="Arial"/>
+        <a:font script="Thai" typeface="Cordia New"/>
+        <a:font script="Ethi" typeface="Nyala"/>
+        <a:font script="Beng" typeface="Vrinda"/>
+        <a:font script="Gujr" typeface="Shruti"/>
+        <a:font script="Khmr" typeface="DaunPenh"/>
+        <a:font script="Knda" typeface="Tunga"/>
+        <a:font script="Guru" typeface="Raavi"/>
+        <a:font script="Cans" typeface="Euphemia"/>
+        <a:font script="Cher" typeface="Plantagenet Cherokee"/>
+        <a:font script="Yiii" typeface="Microsoft Yi Baiti"/>
+        <a:font script="Tibt" typeface="Microsoft Himalaya"/>
+        <a:font script="Thaa" typeface="MV Boli"/>
+        <a:font script="Deva" typeface="Mangal"/>
+        <a:font script="Telu" typeface="Gautami"/>
+        <a:font script="Taml" typeface="Latha"/>
+        <a:font script="Syrc" typeface="Estrangelo Edessa"/>
+        <a:font script="Orya" typeface="Kalinga"/>
+        <a:font script="Mlym" typeface="Kartika"/>
+        <a:font script="Laoo" typeface="DokChampa"/>
+        <a:font script="Sinh" typeface="Iskoola Pota"/>
+        <a:font script="Mong" typeface="Mongolian Baiti"/>
+        <a:font script="Viet" typeface="Arial"/>
+        <a:font script="Uigh" typeface="Microsoft Uighur"/>
+        <a:font script="Geor" typeface="Sylfaen"/>
+        <a:font script="Armn" typeface="Arial"/>
+        <a:font script="Bugi" typeface="Leelawadee UI"/>
+        <a:font script="Bopo" typeface="Microsoft JhengHei"/>
+        <a:font script="Java" typeface="Javanese Text"/>
+        <a:font script="Lisu" typeface="Segoe UI"/>
+        <a:font script="Mymr" typeface="Myanmar Text"/>
+        <a:font script="Nkoo" typeface="Ebrima"/>
+        <a:font script="Olck" typeface="Nirmala UI"/>
+        <a:font script="Osma" typeface="Ebrima"/>
+        <a:font script="Phag" typeface="Phagspa"/>
+        <a:font script="Syrn" typeface="Estrangelo Edessa"/>
+        <a:font script="Syrj" typeface="Estrangelo Edessa"/>
+        <a:font script="Syre" typeface="Estrangelo Edessa"/>
+        <a:font script="Sora" typeface="Nirmala UI"/>
+        <a:font script="Tale" typeface="Microsoft Tai Le"/>
+        <a:font script="Talu" typeface="Microsoft New Tai Lue"/>
+        <a:font script="Tfng" typeface="Ebrima"/>
+      </a:minorFont>
+    </a:fontScheme>
+    <a:fmtScheme name="Office">
+      <a:fillStyleLst>
+        <a:solidFill>
+          <a:schemeClr val="phClr"/>
+        </a:solidFill>
+        <a:gradFill rotWithShape="1">
+          <a:gsLst>
+            <a:gs pos="0">
+              <a:schemeClr val="phClr">
+                <a:lumMod val="110000"/>
+                <a:satMod val="105000"/>
+                <a:tint val="67000"/>
+              </a:schemeClr>
+            </a:gs>
+            <a:gs pos="50000">
+              <a:schemeClr val="phClr">
+                <a:lumMod val="105000"/>
+                <a:satMod val="103000"/>
+                <a:tint val="73000"/>
+              </a:schemeClr>
+            </a:gs>
+            <a:gs pos="100000">
+              <a:schemeClr val="phClr">
+                <a:lumMod val="105000"/>
+                <a:satMod val="109000"/>
+                <a:tint val="81000"/>
+              </a:schemeClr>
+            </a:gs>
+          </a:gsLst>
+          <a:lin ang="5400000" scaled="0"/>
+        </a:gradFill>
+        <a:gradFill rotWithShape="1">
+          <a:gsLst>
+            <a:gs pos="0">
+              <a:schemeClr val="phClr">
+                <a:satMod val="103000"/>
+                <a:lumMod val="102000"/>
+                <a:tint val="94000"/>
+              </a:schemeClr>
+            </a:gs>
+            <a:gs pos="50000">
+              <a:schemeClr val="phClr">
+                <a:satMod val="110000"/>
+                <a:lumMod val="100000"/>
+                <a:shade val="100000"/>
+              </a:schemeClr>
+            </a:gs>
+            <a:gs pos="100000">
+              <a:schemeClr val="phClr">
+                <a:lumMod val="99000"/>
+                <a:satMod val="120000"/>
+                <a:shade val="78000"/>
+              </a:schemeClr>
+            </a:gs>
+          </a:gsLst>
+          <a:lin ang="5400000" scaled="0"/>
+        </a:gradFill>
+      </a:fillStyleLst>
+      <a:lnStyleLst>
+        <a:ln w="6350" cap="flat" cmpd="sng" algn="ctr">
+          <a:solidFill>
+            <a:schemeClr val="phClr"/>
+          </a:solidFill>
+          <a:prstDash val="solid"/>
+          <a:miter lim="800000"/>
+        </a:ln>
+        <a:ln w="12700" cap="flat" cmpd="sng" algn="ctr">
+          <a:solidFill>
+            <a:schemeClr val="phClr"/>
+          </a:solidFill>
+          <a:prstDash val="solid"/>
+          <a:miter lim="800000"/>
+        </a:ln>
+        <a:ln w="19050" cap="flat" cmpd="sng" algn="ctr">
+          <a:solidFill>
+            <a:schemeClr val="phClr"/>
+          </a:solidFill>
+          <a:prstDash val="solid"/>
+          <a:miter lim="800000"/>
+        </a:ln>
+      </a:lnStyleLst>
+      <a:effectStyleLst>
+        <a:effectStyle>
+          <a:effectLst/>
+        </a:effectStyle>
+        <a:effectStyle>
+          <a:effectLst/>
+        </a:effectStyle>
+        <a:effectStyle>
+          <a:effectLst>
+            <a:outerShdw blurRad="57150" dist="19050" dir="5400000" algn="ctr" rotWithShape="0">
+              <a:srgbClr val="000000">
+                <a:alpha val="63000"/>
+              </a:srgbClr>
+            </a:outerShdw>
+          </a:effectLst>
+        </a:effectStyle>
+      </a:effectStyleLst>
+      <a:bgFillStyleLst>
+        <a:solidFill>
+          <a:schemeClr val="phClr"/>
+        </a:solidFill>
+        <a:solidFill>
+          <a:schemeClr val="phClr">
+            <a:tint val="95000"/>
+            <a:satMod val="170000"/>
+          </a:schemeClr>
+        </a:solidFill>
+        <a:gradFill rotWithShape="1">
+          <a:gsLst>
+            <a:gs pos="0">
+              <a:schemeClr val="phClr">
+                <a:tint val="93000"/>
+                <a:satMod val="150000"/>
+                <a:shade val="98000"/>
+                <a:lumMod val="102000"/>
+              </a:schemeClr>
+            </a:gs>
+            <a:gs pos="50000">
+              <a:schemeClr val="phClr">
+                <a:tint val="98000"/>
+                <a:satMod val="130000"/>
+                <a:shade val="90000"/>
+                <a:lumMod val="103000"/>
+              </a:schemeClr>
+            </a:gs>
+            <a:gs pos="100000">
+              <a:schemeClr val="phClr">
+                <a:shade val="63000"/>
+                <a:satMod val="120000"/>
+              </a:schemeClr>
+            </a:gs>
+          </a:gsLst>
+          <a:lin ang="5400000" scaled="0"/>
+        </a:gradFill>
+      </a:bgFillStyleLst>
+    </a:fmtScheme>
+  </a:themeElements>
+  <a:objectDefaults/>
+  <a:extraClrSchemeLst/>
+  <a:extLst>
+    <a:ext uri="{05A4C25C-085E-4340-85A3-A5531E510DB2}">
+      <thm15:themeFamily xmlns:thm15="http://schemas.microsoft.com/office/thememl/2012/main" name="Office Theme" id="{62F939B6-93AF-4DB8-9C6B-D6C7DFDC589F}" vid="{4A3C46E8-61CC-4603-A589-7422A47A8E4A}"/>
+    </a:ext>
+  </a:extLst>
+</a:theme>
+</file>
+
+<file path=ppt/theme/theme5.xml><?xml version="1.0" encoding="utf-8"?>
+<a:theme xmlns:a="http://schemas.openxmlformats.org/drawingml/2006/main" name="Office 主题​​">
+  <a:themeElements>
+    <a:clrScheme name="Office">
+      <a:dk1>
+        <a:sysClr val="windowText" lastClr="000000"/>
+      </a:dk1>
+      <a:lt1>
+        <a:sysClr val="window" lastClr="FFFFFF"/>
+      </a:lt1>
+      <a:dk2>
+        <a:srgbClr val="44546A"/>
+      </a:dk2>
+      <a:lt2>
+        <a:srgbClr val="E7E6E6"/>
+      </a:lt2>
+      <a:accent1>
+        <a:srgbClr val="4472C4"/>
+      </a:accent1>
+      <a:accent2>
+        <a:srgbClr val="ED7D31"/>
+      </a:accent2>
+      <a:accent3>
+        <a:srgbClr val="A5A5A5"/>
+      </a:accent3>
+      <a:accent4>
+        <a:srgbClr val="FFC000"/>
+      </a:accent4>
+      <a:accent5>
+        <a:srgbClr val="5B9BD5"/>
+      </a:accent5>
+      <a:accent6>
+        <a:srgbClr val="70AD47"/>
+      </a:accent6>
+      <a:hlink>
+        <a:srgbClr val="0563C1"/>
+      </a:hlink>
+      <a:folHlink>
+        <a:srgbClr val="954F72"/>
+      </a:folHlink>
+    </a:clrScheme>
+    <a:fontScheme name="Office">
+      <a:majorFont>
+        <a:latin typeface="等线 Light" panose="020F0302020204030204"/>
+        <a:ea typeface=""/>
+        <a:cs typeface=""/>
+        <a:font script="Jpan" typeface="游ゴシック Light"/>
+        <a:font script="Hang" typeface="맑은 고딕"/>
+        <a:font script="Hans" typeface="等线 Light"/>
+        <a:font script="Hant" typeface="新細明體"/>
+        <a:font script="Arab" typeface="Times New Roman"/>
+        <a:font script="Hebr" typeface="Times New Roman"/>
+        <a:font script="Thai" typeface="Angsana New"/>
+        <a:font script="Ethi" typeface="Nyala"/>
+        <a:font script="Beng" typeface="Vrinda"/>
+        <a:font script="Gujr" typeface="Shruti"/>
+        <a:font script="Khmr" typeface="MoolBoran"/>
+        <a:font script="Knda" typeface="Tunga"/>
+        <a:font script="Guru" typeface="Raavi"/>
+        <a:font script="Cans" typeface="Euphemia"/>
+        <a:font script="Cher" typeface="Plantagenet Cherokee"/>
+        <a:font script="Yiii" typeface="Microsoft Yi Baiti"/>
+        <a:font script="Tibt" typeface="Microsoft Himalaya"/>
+        <a:font script="Thaa" typeface="MV Boli"/>
+        <a:font script="Deva" typeface="Mangal"/>
+        <a:font script="Telu" typeface="Gautami"/>
+        <a:font script="Taml" typeface="Latha"/>
+        <a:font script="Syrc" typeface="Estrangelo Edessa"/>
+        <a:font script="Orya" typeface="Kalinga"/>
+        <a:font script="Mlym" typeface="Kartika"/>
+        <a:font script="Laoo" typeface="DokChampa"/>
+        <a:font script="Sinh" typeface="Iskoola Pota"/>
+        <a:font script="Mong" typeface="Mongolian Baiti"/>
+        <a:font script="Viet" typeface="Times New Roman"/>
+        <a:font script="Uigh" typeface="Microsoft Uighur"/>
+        <a:font script="Geor" typeface="Sylfaen"/>
+        <a:font script="Armn" typeface="Arial"/>
+        <a:font script="Bugi" typeface="Leelawadee UI"/>
+        <a:font script="Bopo" typeface="Microsoft JhengHei"/>
+        <a:font script="Java" typeface="Javanese Text"/>
+        <a:font script="Lisu" typeface="Segoe UI"/>
+        <a:font script="Mymr" typeface="Myanmar Text"/>
+        <a:font script="Nkoo" typeface="Ebrima"/>
+        <a:font script="Olck" typeface="Nirmala UI"/>
+        <a:font script="Osma" typeface="Ebrima"/>
+        <a:font script="Phag" typeface="Phagspa"/>
+        <a:font script="Syrn" typeface="Estrangelo Edessa"/>
+        <a:font script="Syrj" typeface="Estrangelo Edessa"/>
+        <a:font script="Syre" typeface="Estrangelo Edessa"/>
+        <a:font script="Sora" typeface="Nirmala UI"/>
+        <a:font script="Tale" typeface="Microsoft Tai Le"/>
+        <a:font script="Talu" typeface="Microsoft New Tai Lue"/>
+        <a:font script="Tfng" typeface="Ebrima"/>
+      </a:majorFont>
+      <a:minorFont>
+        <a:latin typeface="等线" panose="020F0502020204030204"/>
+        <a:ea typeface=""/>
+        <a:cs typeface=""/>
+        <a:font script="Jpan" typeface="游ゴシック"/>
+        <a:font script="Hang" typeface="맑은 고딕"/>
+        <a:font script="Hans" typeface="等线"/>
+        <a:font script="Hant" typeface="新細明體"/>
+        <a:font script="Arab" typeface="Arial"/>
+        <a:font script="Hebr" typeface="Arial"/>
+        <a:font script="Thai" typeface="Cordia New"/>
+        <a:font script="Ethi" typeface="Nyala"/>
+        <a:font script="Beng" typeface="Vrinda"/>
+        <a:font script="Gujr" typeface="Shruti"/>
+        <a:font script="Khmr" typeface="DaunPenh"/>
+        <a:font script="Knda" typeface="Tunga"/>
+        <a:font script="Guru" typeface="Raavi"/>
+        <a:font script="Cans" typeface="Euphemia"/>
+        <a:font script="Cher" typeface="Plantagenet Cherokee"/>
+        <a:font script="Yiii" typeface="Microsoft Yi Baiti"/>
+        <a:font script="Tibt" typeface="Microsoft Himalaya"/>
+        <a:font script="Thaa" typeface="MV Boli"/>
+        <a:font script="Deva" typeface="Mangal"/>
+        <a:font script="Telu" typeface="Gautami"/>
+        <a:font script="Taml" typeface="Latha"/>
+        <a:font script="Syrc" typeface="Estrangelo Edessa"/>
+        <a:font script="Orya" typeface="Kalinga"/>
+        <a:font script="Mlym" typeface="Kartika"/>
+        <a:font script="Laoo" typeface="DokChampa"/>
+        <a:font script="Sinh" typeface="Iskoola Pota"/>
+        <a:font script="Mong" typeface="Mongolian Baiti"/>
+        <a:font script="Viet" typeface="Arial"/>
+        <a:font script="Uigh" typeface="Microsoft Uighur"/>
+        <a:font script="Geor" typeface="Sylfaen"/>
+        <a:font script="Armn" typeface="Arial"/>
+        <a:font script="Bugi" typeface="Leelawadee UI"/>
+        <a:font script="Bopo" typeface="Microsoft JhengHei"/>
+        <a:font script="Java" typeface="Javanese Text"/>
+        <a:font script="Lisu" typeface="Segoe UI"/>
+        <a:font script="Mymr" typeface="Myanmar Text"/>
+        <a:font script="Nkoo" typeface="Ebrima"/>
+        <a:font script="Olck" typeface="Nirmala UI"/>
+        <a:font script="Osma" typeface="Ebrima"/>
+        <a:font script="Phag" typeface="Phagspa"/>
+        <a:font script="Syrn" typeface="Estrangelo Edessa"/>
+        <a:font script="Syrj" typeface="Estrangelo Edessa"/>
+        <a:font script="Syre" typeface="Estrangelo Edessa"/>
+        <a:font script="Sora" typeface="Nirmala UI"/>
+        <a:font script="Tale" typeface="Microsoft Tai Le"/>
+        <a:font script="Talu" typeface="Microsoft New Tai Lue"/>
+        <a:font script="Tfng" typeface="Ebrima"/>
+      </a:minorFont>
+    </a:fontScheme>
+    <a:fmtScheme name="Office">
+      <a:fillStyleLst>
+        <a:solidFill>
+          <a:schemeClr val="phClr"/>
+        </a:solidFill>
+        <a:gradFill rotWithShape="1">
+          <a:gsLst>
+            <a:gs pos="0">
+              <a:schemeClr val="phClr">
+                <a:lumMod val="110000"/>
+                <a:satMod val="105000"/>
+                <a:tint val="67000"/>
+              </a:schemeClr>
+            </a:gs>
+            <a:gs pos="50000">
+              <a:schemeClr val="phClr">
+                <a:lumMod val="105000"/>
+                <a:satMod val="103000"/>
+                <a:tint val="73000"/>
+              </a:schemeClr>
+            </a:gs>
+            <a:gs pos="100000">
+              <a:schemeClr val="phClr">
+                <a:lumMod val="105000"/>
+                <a:satMod val="109000"/>
+                <a:tint val="81000"/>
+              </a:schemeClr>
+            </a:gs>
+          </a:gsLst>
+          <a:lin ang="5400000" scaled="0"/>
+        </a:gradFill>
+        <a:gradFill rotWithShape="1">
+          <a:gsLst>
+            <a:gs pos="0">
+              <a:schemeClr val="phClr">
+                <a:satMod val="103000"/>
+                <a:lumMod val="102000"/>
+                <a:tint val="94000"/>
+              </a:schemeClr>
+            </a:gs>
+            <a:gs pos="50000">
+              <a:schemeClr val="phClr">
+                <a:satMod val="110000"/>
+                <a:lumMod val="100000"/>
+                <a:shade val="100000"/>
+              </a:schemeClr>
+            </a:gs>
+            <a:gs pos="100000">
+              <a:schemeClr val="phClr">
+                <a:lumMod val="99000"/>
+                <a:satMod val="120000"/>
+                <a:shade val="78000"/>
+              </a:schemeClr>
+            </a:gs>
+          </a:gsLst>
+          <a:lin ang="5400000" scaled="0"/>
+        </a:gradFill>
+      </a:fillStyleLst>
+      <a:lnStyleLst>
+        <a:ln w="6350" cap="flat" cmpd="sng" algn="ctr">
+          <a:solidFill>
+            <a:schemeClr val="phClr"/>
+          </a:solidFill>
+          <a:prstDash val="solid"/>
+          <a:miter lim="800000"/>
+        </a:ln>
+        <a:ln w="12700" cap="flat" cmpd="sng" algn="ctr">
+          <a:solidFill>
+            <a:schemeClr val="phClr"/>
+          </a:solidFill>
+          <a:prstDash val="solid"/>
+          <a:miter lim="800000"/>
+        </a:ln>
+        <a:ln w="19050" cap="flat" cmpd="sng" algn="ctr">
+          <a:solidFill>
+            <a:schemeClr val="phClr"/>
+          </a:solidFill>
+          <a:prstDash val="solid"/>
+          <a:miter lim="800000"/>
+        </a:ln>
+      </a:lnStyleLst>
+      <a:effectStyleLst>
+        <a:effectStyle>
+          <a:effectLst/>
+        </a:effectStyle>
+        <a:effectStyle>
+          <a:effectLst/>
+        </a:effectStyle>
+        <a:effectStyle>
+          <a:effectLst>
+            <a:outerShdw blurRad="57150" dist="19050" dir="5400000" algn="ctr" rotWithShape="0">
+              <a:srgbClr val="000000">
+                <a:alpha val="63000"/>
+              </a:srgbClr>
+            </a:outerShdw>
+          </a:effectLst>
+        </a:effectStyle>
+      </a:effectStyleLst>
+      <a:bgFillStyleLst>
+        <a:solidFill>
+          <a:schemeClr val="phClr"/>
+        </a:solidFill>
+        <a:solidFill>
+          <a:schemeClr val="phClr">
+            <a:tint val="95000"/>
+            <a:satMod val="170000"/>
+          </a:schemeClr>
+        </a:solidFill>
+        <a:gradFill rotWithShape="1">
+          <a:gsLst>
+            <a:gs pos="0">
+              <a:schemeClr val="phClr">
+                <a:tint val="93000"/>
+                <a:satMod val="150000"/>
+                <a:shade val="98000"/>
+                <a:lumMod val="102000"/>
+              </a:schemeClr>
+            </a:gs>
+            <a:gs pos="50000">
+              <a:schemeClr val="phClr">
+                <a:tint val="98000"/>
+                <a:satMod val="130000"/>
+                <a:shade val="90000"/>
+                <a:lumMod val="103000"/>
+              </a:schemeClr>
+            </a:gs>
+            <a:gs pos="100000">
+              <a:schemeClr val="phClr">
+                <a:shade val="63000"/>
+                <a:satMod val="120000"/>
+              </a:schemeClr>
+            </a:gs>
+          </a:gsLst>
+          <a:lin ang="5400000" scaled="0"/>
+        </a:gradFill>
+      </a:bgFillStyleLst>
+    </a:fmtScheme>
+  </a:themeElements>
+  <a:objectDefaults/>
+  <a:extraClrSchemeLst/>
+  <a:extLst>
+    <a:ext uri="{05A4C25C-085E-4340-85A3-A5531E510DB2}">
+      <thm15:themeFamily xmlns:thm15="http://schemas.microsoft.com/office/thememl/2012/main" name="Office Theme" id="{62F939B6-93AF-4DB8-9C6B-D6C7DFDC589F}" vid="{4A3C46E8-61CC-4603-A589-7422A47A8E4A}"/>
+    </a:ext>
+  </a:extLst>
+</a:theme>
+</file>
+
+<file path=ppt/theme/theme6.xml><?xml version="1.0" encoding="utf-8"?>
+<a:theme xmlns:a="http://schemas.openxmlformats.org/drawingml/2006/main" name="Office 主题​​">
+  <a:themeElements>
+    <a:clrScheme name="Office">
+      <a:dk1>
+        <a:sysClr val="windowText" lastClr="000000"/>
+      </a:dk1>
+      <a:lt1>
+        <a:sysClr val="window" lastClr="FFFFFF"/>
+      </a:lt1>
+      <a:dk2>
+        <a:srgbClr val="44546A"/>
+      </a:dk2>
+      <a:lt2>
+        <a:srgbClr val="E7E6E6"/>
+      </a:lt2>
+      <a:accent1>
+        <a:srgbClr val="4472C4"/>
+      </a:accent1>
+      <a:accent2>
+        <a:srgbClr val="ED7D31"/>
+      </a:accent2>
+      <a:accent3>
+        <a:srgbClr val="A5A5A5"/>
+      </a:accent3>
+      <a:accent4>
+        <a:srgbClr val="FFC000"/>
+      </a:accent4>
+      <a:accent5>
+        <a:srgbClr val="5B9BD5"/>
+      </a:accent5>
+      <a:accent6>
+        <a:srgbClr val="70AD47"/>
+      </a:accent6>
+      <a:hlink>
+        <a:srgbClr val="0563C1"/>
+      </a:hlink>
+      <a:folHlink>
+        <a:srgbClr val="954F72"/>
+      </a:folHlink>
+    </a:clrScheme>
+    <a:fontScheme name="Office">
+      <a:majorFont>
+        <a:latin typeface="等线 Light" panose="020F0302020204030204"/>
+        <a:ea typeface=""/>
+        <a:cs typeface=""/>
+        <a:font script="Jpan" typeface="游ゴシック Light"/>
+        <a:font script="Hang" typeface="맑은 고딕"/>
+        <a:font script="Hans" typeface="等线 Light"/>
+        <a:font script="Hant" typeface="新細明體"/>
+        <a:font script="Arab" typeface="Times New Roman"/>
+        <a:font script="Hebr" typeface="Times New Roman"/>
+        <a:font script="Thai" typeface="Angsana New"/>
+        <a:font script="Ethi" typeface="Nyala"/>
+        <a:font script="Beng" typeface="Vrinda"/>
+        <a:font script="Gujr" typeface="Shruti"/>
+        <a:font script="Khmr" typeface="MoolBoran"/>
+        <a:font script="Knda" typeface="Tunga"/>
+        <a:font script="Guru" typeface="Raavi"/>
+        <a:font script="Cans" typeface="Euphemia"/>
+        <a:font script="Cher" typeface="Plantagenet Cherokee"/>
+        <a:font script="Yiii" typeface="Microsoft Yi Baiti"/>
+        <a:font script="Tibt" typeface="Microsoft Himalaya"/>
+        <a:font script="Thaa" typeface="MV Boli"/>
+        <a:font script="Deva" typeface="Mangal"/>
+        <a:font script="Telu" typeface="Gautami"/>
+        <a:font script="Taml" typeface="Latha"/>
+        <a:font script="Syrc" typeface="Estrangelo Edessa"/>
+        <a:font script="Orya" typeface="Kalinga"/>
+        <a:font script="Mlym" typeface="Kartika"/>
+        <a:font script="Laoo" typeface="DokChampa"/>
+        <a:font script="Sinh" typeface="Iskoola Pota"/>
+        <a:font script="Mong" typeface="Mongolian Baiti"/>
+        <a:font script="Viet" typeface="Times New Roman"/>
+        <a:font script="Uigh" typeface="Microsoft Uighur"/>
+        <a:font script="Geor" typeface="Sylfaen"/>
+        <a:font script="Armn" typeface="Arial"/>
+        <a:font script="Bugi" typeface="Leelawadee UI"/>
+        <a:font script="Bopo" typeface="Microsoft JhengHei"/>
+        <a:font script="Java" typeface="Javanese Text"/>
+        <a:font script="Lisu" typeface="Segoe UI"/>
+        <a:font script="Mymr" typeface="Myanmar Text"/>
+        <a:font script="Nkoo" typeface="Ebrima"/>
+        <a:font script="Olck" typeface="Nirmala UI"/>
+        <a:font script="Osma" typeface="Ebrima"/>
+        <a:font script="Phag" typeface="Phagspa"/>
+        <a:font script="Syrn" typeface="Estrangelo Edessa"/>
+        <a:font script="Syrj" typeface="Estrangelo Edessa"/>
+        <a:font script="Syre" typeface="Estrangelo Edessa"/>
+        <a:font script="Sora" typeface="Nirmala UI"/>
+        <a:font script="Tale" typeface="Microsoft Tai Le"/>
+        <a:font script="Talu" typeface="Microsoft New Tai Lue"/>
+        <a:font script="Tfng" typeface="Ebrima"/>
+      </a:majorFont>
+      <a:minorFont>
+        <a:latin typeface="等线" panose="020F0502020204030204"/>
+        <a:ea typeface=""/>
+        <a:cs typeface=""/>
+        <a:font script="Jpan" typeface="游ゴシック"/>
+        <a:font script="Hang" typeface="맑은 고딕"/>
+        <a:font script="Hans" typeface="等线"/>
+        <a:font script="Hant" typeface="新細明體"/>
+        <a:font script="Arab" typeface="Arial"/>
+        <a:font script="Hebr" typeface="Arial"/>
+        <a:font script="Thai" typeface="Cordia New"/>
+        <a:font script="Ethi" typeface="Nyala"/>
+        <a:font script="Beng" typeface="Vrinda"/>
+        <a:font script="Gujr" typeface="Shruti"/>
+        <a:font script="Khmr" typeface="DaunPenh"/>
+        <a:font script="Knda" typeface="Tunga"/>
+        <a:font script="Guru" typeface="Raavi"/>
+        <a:font script="Cans" typeface="Euphemia"/>
+        <a:font script="Cher" typeface="Plantagenet Cherokee"/>
+        <a:font script="Yiii" typeface="Microsoft Yi Baiti"/>
+        <a:font script="Tibt" typeface="Microsoft Himalaya"/>
+        <a:font script="Thaa" typeface="MV Boli"/>
+        <a:font script="Deva" typeface="Mangal"/>
+        <a:font script="Telu" typeface="Gautami"/>
+        <a:font script="Taml" typeface="Latha"/>
+        <a:font script="Syrc" typeface="Estrangelo Edessa"/>
+        <a:font script="Orya" typeface="Kalinga"/>
+        <a:font script="Mlym" typeface="Kartika"/>
+        <a:font script="Laoo" typeface="DokChampa"/>
+        <a:font script="Sinh" typeface="Iskoola Pota"/>
+        <a:font script="Mong" typeface="Mongolian Baiti"/>
+        <a:font script="Viet" typeface="Arial"/>
+        <a:font script="Uigh" typeface="Microsoft Uighur"/>
+        <a:font script="Geor" typeface="Sylfaen"/>
+        <a:font script="Armn" typeface="Arial"/>
+        <a:font script="Bugi" typeface="Leelawadee UI"/>
+        <a:font script="Bopo" typeface="Microsoft JhengHei"/>
+        <a:font script="Java" typeface="Javanese Text"/>
+        <a:font script="Lisu" typeface="Segoe UI"/>
+        <a:font script="Mymr" typeface="Myanmar Text"/>
+        <a:font script="Nkoo" typeface="Ebrima"/>
+        <a:font script="Olck" typeface="Nirmala UI"/>
+        <a:font script="Osma" typeface="Ebrima"/>
+        <a:font script="Phag" typeface="Phagspa"/>
+        <a:font script="Syrn" typeface="Estrangelo Edessa"/>
+        <a:font script="Syrj" typeface="Estrangelo Edessa"/>
+        <a:font script="Syre" typeface="Estrangelo Edessa"/>
+        <a:font script="Sora" typeface="Nirmala UI"/>
+        <a:font script="Tale" typeface="Microsoft Tai Le"/>
+        <a:font script="Talu" typeface="Microsoft New Tai Lue"/>
+        <a:font script="Tfng" typeface="Ebrima"/>
+      </a:minorFont>
+    </a:fontScheme>
+    <a:fmtScheme name="Office">
+      <a:fillStyleLst>
+        <a:solidFill>
+          <a:schemeClr val="phClr"/>
+        </a:solidFill>
+        <a:gradFill rotWithShape="1">
+          <a:gsLst>
+            <a:gs pos="0">
+              <a:schemeClr val="phClr">
+                <a:lumMod val="110000"/>
+                <a:satMod val="105000"/>
+                <a:tint val="67000"/>
+              </a:schemeClr>
+            </a:gs>
+            <a:gs pos="50000">
+              <a:schemeClr val="phClr">
+                <a:lumMod val="105000"/>
+                <a:satMod val="103000"/>
+                <a:tint val="73000"/>
+              </a:schemeClr>
+            </a:gs>
+            <a:gs pos="100000">
+              <a:schemeClr val="phClr">
+                <a:lumMod val="105000"/>
+                <a:satMod val="109000"/>
+                <a:tint val="81000"/>
+              </a:schemeClr>
+            </a:gs>
+          </a:gsLst>
+          <a:lin ang="5400000" scaled="0"/>
+        </a:gradFill>
+        <a:gradFill rotWithShape="1">
+          <a:gsLst>
+            <a:gs pos="0">
+              <a:schemeClr val="phClr">
+                <a:satMod val="103000"/>
+                <a:lumMod val="102000"/>
+                <a:tint val="94000"/>
+              </a:schemeClr>
+            </a:gs>
+            <a:gs pos="50000">
+              <a:schemeClr val="phClr">
+                <a:satMod val="110000"/>
+                <a:lumMod val="100000"/>
+                <a:shade val="100000"/>
+              </a:schemeClr>
+            </a:gs>
+            <a:gs pos="100000">
+              <a:schemeClr val="phClr">
+                <a:lumMod val="99000"/>
+                <a:satMod val="120000"/>
+                <a:shade val="78000"/>
+              </a:schemeClr>
+            </a:gs>
+          </a:gsLst>
+          <a:lin ang="5400000" scaled="0"/>
+        </a:gradFill>
+      </a:fillStyleLst>
+      <a:lnStyleLst>
+        <a:ln w="6350" cap="flat" cmpd="sng" algn="ctr">
+          <a:solidFill>
+            <a:schemeClr val="phClr"/>
+          </a:solidFill>
+          <a:prstDash val="solid"/>
+          <a:miter lim="800000"/>
+        </a:ln>
+        <a:ln w="12700" cap="flat" cmpd="sng" algn="ctr">
+          <a:solidFill>
+            <a:schemeClr val="phClr"/>
+          </a:solidFill>
+          <a:prstDash val="solid"/>
+          <a:miter lim="800000"/>
+        </a:ln>
+        <a:ln w="19050" cap="flat" cmpd="sng" algn="ctr">
+          <a:solidFill>
+            <a:schemeClr val="phClr"/>
+          </a:solidFill>
+          <a:prstDash val="solid"/>
+          <a:miter lim="800000"/>
+        </a:ln>
+      </a:lnStyleLst>
+      <a:effectStyleLst>
+        <a:effectStyle>
+          <a:effectLst/>
+        </a:effectStyle>
+        <a:effectStyle>
+          <a:effectLst/>
+        </a:effectStyle>
+        <a:effectStyle>
+          <a:effectLst>
+            <a:outerShdw blurRad="57150" dist="19050" dir="5400000" algn="ctr" rotWithShape="0">
+              <a:srgbClr val="000000">
+                <a:alpha val="63000"/>
+              </a:srgbClr>
+            </a:outerShdw>
+          </a:effectLst>
+        </a:effectStyle>
+      </a:effectStyleLst>
+      <a:bgFillStyleLst>
+        <a:solidFill>
+          <a:schemeClr val="phClr"/>
+        </a:solidFill>
+        <a:solidFill>
+          <a:schemeClr val="phClr">
+            <a:tint val="95000"/>
+            <a:satMod val="170000"/>
+          </a:schemeClr>
+        </a:solidFill>
+        <a:gradFill rotWithShape="1">
+          <a:gsLst>
+            <a:gs pos="0">
+              <a:schemeClr val="phClr">
+                <a:tint val="93000"/>
+                <a:satMod val="150000"/>
+                <a:shade val="98000"/>
+                <a:lumMod val="102000"/>
+              </a:schemeClr>
+            </a:gs>
+            <a:gs pos="50000">
+              <a:schemeClr val="phClr">
+                <a:tint val="98000"/>
+                <a:satMod val="130000"/>
+                <a:shade val="90000"/>
+                <a:lumMod val="103000"/>
+              </a:schemeClr>
+            </a:gs>
+            <a:gs pos="100000">
+              <a:schemeClr val="phClr">
+                <a:shade val="63000"/>
+                <a:satMod val="120000"/>
+              </a:schemeClr>
+            </a:gs>
+          </a:gsLst>
+          <a:lin ang="5400000" scaled="0"/>
+        </a:gradFill>
+      </a:bgFillStyleLst>
+    </a:fmtScheme>
+  </a:themeElements>
+  <a:objectDefaults/>
+  <a:extraClrSchemeLst/>
+  <a:extLst>
+    <a:ext uri="{05A4C25C-085E-4340-85A3-A5531E510DB2}">
+      <thm15:themeFamily xmlns:thm15="http://schemas.microsoft.com/office/thememl/2012/main" name="Office Theme" id="{62F939B6-93AF-4DB8-9C6B-D6C7DFDC589F}" vid="{4A3C46E8-61CC-4603-A589-7422A47A8E4A}"/>
+    </a:ext>
+  </a:extLst>
+</a:theme>
+</file>
+
+<file path=ppt/theme/theme7.xml><?xml version="1.0" encoding="utf-8"?>
+<a:theme xmlns:a="http://schemas.openxmlformats.org/drawingml/2006/main" name="Office 主题​​">
+  <a:themeElements>
+    <a:clrScheme name="Office">
+      <a:dk1>
+        <a:sysClr val="windowText" lastClr="000000"/>
+      </a:dk1>
+      <a:lt1>
+        <a:sysClr val="window" lastClr="FFFFFF"/>
+      </a:lt1>
+      <a:dk2>
+        <a:srgbClr val="44546A"/>
+      </a:dk2>
+      <a:lt2>
+        <a:srgbClr val="E7E6E6"/>
+      </a:lt2>
+      <a:accent1>
+        <a:srgbClr val="4472C4"/>
+      </a:accent1>
+      <a:accent2>
+        <a:srgbClr val="ED7D31"/>
+      </a:accent2>
+      <a:accent3>
+        <a:srgbClr val="A5A5A5"/>
+      </a:accent3>
+      <a:accent4>
+        <a:srgbClr val="FFC000"/>
+      </a:accent4>
+      <a:accent5>
+        <a:srgbClr val="5B9BD5"/>
+      </a:accent5>
+      <a:accent6>
+        <a:srgbClr val="70AD47"/>
+      </a:accent6>
+      <a:hlink>
+        <a:srgbClr val="0563C1"/>
+      </a:hlink>
+      <a:folHlink>
+        <a:srgbClr val="954F72"/>
+      </a:folHlink>
+    </a:clrScheme>
+    <a:fontScheme name="Office">
+      <a:majorFont>
+        <a:latin typeface="等线 Light" panose="020F0302020204030204"/>
+        <a:ea typeface=""/>
+        <a:cs typeface=""/>
+        <a:font script="Jpan" typeface="游ゴシック Light"/>
+        <a:font script="Hang" typeface="맑은 고딕"/>
+        <a:font script="Hans" typeface="等线 Light"/>
+        <a:font script="Hant" typeface="新細明體"/>
+        <a:font script="Arab" typeface="Times New Roman"/>
+        <a:font script="Hebr" typeface="Times New Roman"/>
+        <a:font script="Thai" typeface="Angsana New"/>
+        <a:font script="Ethi" typeface="Nyala"/>
+        <a:font script="Beng" typeface="Vrinda"/>
+        <a:font script="Gujr" typeface="Shruti"/>
+        <a:font script="Khmr" typeface="MoolBoran"/>
+        <a:font script="Knda" typeface="Tunga"/>
+        <a:font script="Guru" typeface="Raavi"/>
+        <a:font script="Cans" typeface="Euphemia"/>
+        <a:font script="Cher" typeface="Plantagenet Cherokee"/>
+        <a:font script="Yiii" typeface="Microsoft Yi Baiti"/>
+        <a:font script="Tibt" typeface="Microsoft Himalaya"/>
+        <a:font script="Thaa" typeface="MV Boli"/>
+        <a:font script="Deva" typeface="Mangal"/>
+        <a:font script="Telu" typeface="Gautami"/>
+        <a:font script="Taml" typeface="Latha"/>
+        <a:font script="Syrc" typeface="Estrangelo Edessa"/>
+        <a:font script="Orya" typeface="Kalinga"/>
+        <a:font script="Mlym" typeface="Kartika"/>
+        <a:font script="Laoo" typeface="DokChampa"/>
+        <a:font script="Sinh" typeface="Iskoola Pota"/>
+        <a:font script="Mong" typeface="Mongolian Baiti"/>
+        <a:font script="Viet" typeface="Times New Roman"/>
+        <a:font script="Uigh" typeface="Microsoft Uighur"/>
+        <a:font script="Geor" typeface="Sylfaen"/>
+        <a:font script="Armn" typeface="Arial"/>
+        <a:font script="Bugi" typeface="Leelawadee UI"/>
+        <a:font script="Bopo" typeface="Microsoft JhengHei"/>
+        <a:font script="Java" typeface="Javanese Text"/>
+        <a:font script="Lisu" typeface="Segoe UI"/>
+        <a:font script="Mymr" typeface="Myanmar Text"/>
+        <a:font script="Nkoo" typeface="Ebrima"/>
+        <a:font script="Olck" typeface="Nirmala UI"/>
+        <a:font script="Osma" typeface="Ebrima"/>
+        <a:font script="Phag" typeface="Phagspa"/>
+        <a:font script="Syrn" typeface="Estrangelo Edessa"/>
+        <a:font script="Syrj" typeface="Estrangelo Edessa"/>
+        <a:font script="Syre" typeface="Estrangelo Edessa"/>
+        <a:font script="Sora" typeface="Nirmala UI"/>
+        <a:font script="Tale" typeface="Microsoft Tai Le"/>
+        <a:font script="Talu" typeface="Microsoft New Tai Lue"/>
+        <a:font script="Tfng" typeface="Ebrima"/>
+      </a:majorFont>
+      <a:minorFont>
+        <a:latin typeface="等线" panose="020F0502020204030204"/>
+        <a:ea typeface=""/>
+        <a:cs typeface=""/>
+        <a:font script="Jpan" typeface="游ゴシック"/>
+        <a:font script="Hang" typeface="맑은 고딕"/>
+        <a:font script="Hans" typeface="等线"/>
+        <a:font script="Hant" typeface="新細明體"/>
+        <a:font script="Arab" typeface="Arial"/>
+        <a:font script="Hebr" typeface="Arial"/>
+        <a:font script="Thai" typeface="Cordia New"/>
+        <a:font script="Ethi" typeface="Nyala"/>
+        <a:font script="Beng" typeface="Vrinda"/>
+        <a:font script="Gujr" typeface="Shruti"/>
+        <a:font script="Khmr" typeface="DaunPenh"/>
+        <a:font script="Knda" typeface="Tunga"/>
+        <a:font script="Guru" typeface="Raavi"/>
+        <a:font script="Cans" typeface="Euphemia"/>
+        <a:font script="Cher" typeface="Plantagenet Cherokee"/>
+        <a:font script="Yiii" typeface="Microsoft Yi Baiti"/>
+        <a:font script="Tibt" typeface="Microsoft Himalaya"/>
+        <a:font script="Thaa" typeface="MV Boli"/>
+        <a:font script="Deva" typeface="Mangal"/>
+        <a:font script="Telu" typeface="Gautami"/>
+        <a:font script="Taml" typeface="Latha"/>
+        <a:font script="Syrc" typeface="Estrangelo Edessa"/>
+        <a:font script="Orya" typeface="Kalinga"/>
+        <a:font script="Mlym" typeface="Kartika"/>
+        <a:font script="Laoo" typeface="DokChampa"/>
+        <a:font script="Sinh" typeface="Iskoola Pota"/>
+        <a:font script="Mong" typeface="Mongolian Baiti"/>
+        <a:font script="Viet" typeface="Arial"/>
+        <a:font script="Uigh" typeface="Microsoft Uighur"/>
+        <a:font script="Geor" typeface="Sylfaen"/>
+        <a:font script="Armn" typeface="Arial"/>
+        <a:font script="Bugi" typeface="Leelawadee UI"/>
+        <a:font script="Bopo" typeface="Microsoft JhengHei"/>
+        <a:font script="Java" typeface="Javanese Text"/>
+        <a:font script="Lisu" typeface="Segoe UI"/>
+        <a:font script="Mymr" typeface="Myanmar Text"/>
+        <a:font script="Nkoo" typeface="Ebrima"/>
+        <a:font script="Olck" typeface="Nirmala UI"/>
+        <a:font script="Osma" typeface="Ebrima"/>
+        <a:font script="Phag" typeface="Phagspa"/>
+        <a:font script="Syrn" typeface="Estrangelo Edessa"/>
+        <a:font script="Syrj" typeface="Estrangelo Edessa"/>
+        <a:font script="Syre" typeface="Estrangelo Edessa"/>
+        <a:font script="Sora" typeface="Nirmala UI"/>
+        <a:font script="Tale" typeface="Microsoft Tai Le"/>
+        <a:font script="Talu" typeface="Microsoft New Tai Lue"/>
+        <a:font script="Tfng" typeface="Ebrima"/>
+      </a:minorFont>
+    </a:fontScheme>
+    <a:fmtScheme name="Office">
+      <a:fillStyleLst>
+        <a:solidFill>
+          <a:schemeClr val="phClr"/>
+        </a:solidFill>
+        <a:gradFill rotWithShape="1">
+          <a:gsLst>
+            <a:gs pos="0">
+              <a:schemeClr val="phClr">
+                <a:lumMod val="110000"/>
+                <a:satMod val="105000"/>
+                <a:tint val="67000"/>
+              </a:schemeClr>
+            </a:gs>
+            <a:gs pos="50000">
+              <a:schemeClr val="phClr">
+                <a:lumMod val="105000"/>
+                <a:satMod val="103000"/>
+                <a:tint val="73000"/>
+              </a:schemeClr>
+            </a:gs>
+            <a:gs pos="100000">
+              <a:schemeClr val="phClr">
+                <a:lumMod val="105000"/>
+                <a:satMod val="109000"/>
+                <a:tint val="81000"/>
+              </a:schemeClr>
+            </a:gs>
+          </a:gsLst>
+          <a:lin ang="5400000" scaled="0"/>
+        </a:gradFill>
+        <a:gradFill rotWithShape="1">
+          <a:gsLst>
+            <a:gs pos="0">
+              <a:schemeClr val="phClr">
+                <a:satMod val="103000"/>
+                <a:lumMod val="102000"/>
+                <a:tint val="94000"/>
+              </a:schemeClr>
+            </a:gs>
+            <a:gs pos="50000">
+              <a:schemeClr val="phClr">
+                <a:satMod val="110000"/>
+                <a:lumMod val="100000"/>
+                <a:shade val="100000"/>
+              </a:schemeClr>
+            </a:gs>
+            <a:gs pos="100000">
+              <a:schemeClr val="phClr">
+                <a:lumMod val="99000"/>
+                <a:satMod val="120000"/>
+                <a:shade val="78000"/>
+              </a:schemeClr>
+            </a:gs>
+          </a:gsLst>
+          <a:lin ang="5400000" scaled="0"/>
+        </a:gradFill>
+      </a:fillStyleLst>
+      <a:lnStyleLst>
+        <a:ln w="6350" cap="flat" cmpd="sng" algn="ctr">
+          <a:solidFill>
+            <a:schemeClr val="phClr"/>
+          </a:solidFill>
+          <a:prstDash val="solid"/>
+          <a:miter lim="800000"/>
+        </a:ln>
+        <a:ln w="12700" cap="flat" cmpd="sng" algn="ctr">
+          <a:solidFill>
+            <a:schemeClr val="phClr"/>
+          </a:solidFill>
+          <a:prstDash val="solid"/>
+          <a:miter lim="800000"/>
+        </a:ln>
+        <a:ln w="19050" cap="flat" cmpd="sng" algn="ctr">
+          <a:solidFill>
+            <a:schemeClr val="phClr"/>
+          </a:solidFill>
+          <a:prstDash val="solid"/>
+          <a:miter lim="800000"/>
+        </a:ln>
+      </a:lnStyleLst>
+      <a:effectStyleLst>
+        <a:effectStyle>
+          <a:effectLst/>
+        </a:effectStyle>
+        <a:effectStyle>
+          <a:effectLst/>
+        </a:effectStyle>
+        <a:effectStyle>
+          <a:effectLst>
+            <a:outerShdw blurRad="57150" dist="19050" dir="5400000" algn="ctr" rotWithShape="0">
+              <a:srgbClr val="000000">
+                <a:alpha val="63000"/>
+              </a:srgbClr>
+            </a:outerShdw>
+          </a:effectLst>
+        </a:effectStyle>
+      </a:effectStyleLst>
+      <a:bgFillStyleLst>
+        <a:solidFill>
+          <a:schemeClr val="phClr"/>
+        </a:solidFill>
+        <a:solidFill>
+          <a:schemeClr val="phClr">
+            <a:tint val="95000"/>
+            <a:satMod val="170000"/>
+          </a:schemeClr>
+        </a:solidFill>
+        <a:gradFill rotWithShape="1">
+          <a:gsLst>
+            <a:gs pos="0">
+              <a:schemeClr val="phClr">
+                <a:tint val="93000"/>
+                <a:satMod val="150000"/>
+                <a:shade val="98000"/>
+                <a:lumMod val="102000"/>
+              </a:schemeClr>
+            </a:gs>
+            <a:gs pos="50000">
+              <a:schemeClr val="phClr">
+                <a:tint val="98000"/>
+                <a:satMod val="130000"/>
+                <a:shade val="90000"/>
+                <a:lumMod val="103000"/>
+              </a:schemeClr>
+            </a:gs>
+            <a:gs pos="100000">
+              <a:schemeClr val="phClr">
+                <a:shade val="63000"/>
+                <a:satMod val="120000"/>
+              </a:schemeClr>
+            </a:gs>
+          </a:gsLst>
+          <a:lin ang="5400000" scaled="0"/>
+        </a:gradFill>
+      </a:bgFillStyleLst>
+    </a:fmtScheme>
+  </a:themeElements>
+  <a:objectDefaults/>
+  <a:extraClrSchemeLst/>
+  <a:extLst>
+    <a:ext uri="{05A4C25C-085E-4340-85A3-A5531E510DB2}">
+      <thm15:themeFamily xmlns:thm15="http://schemas.microsoft.com/office/thememl/2012/main" name="Office Theme" id="{62F939B6-93AF-4DB8-9C6B-D6C7DFDC589F}" vid="{4A3C46E8-61CC-4603-A589-7422A47A8E4A}"/>
+    </a:ext>
+  </a:extLst>
+</a:theme>
+</file>
+
+<file path=ppt/theme/theme8.xml><?xml version="1.0" encoding="utf-8"?>
+<a:theme xmlns:a="http://schemas.openxmlformats.org/drawingml/2006/main" name="Office 主题​​">
+  <a:themeElements>
+    <a:clrScheme name="Office">
+      <a:dk1>
+        <a:sysClr val="windowText" lastClr="000000"/>
+      </a:dk1>
+      <a:lt1>
+        <a:sysClr val="window" lastClr="FFFFFF"/>
+      </a:lt1>
+      <a:dk2>
+        <a:srgbClr val="44546A"/>
+      </a:dk2>
+      <a:lt2>
+        <a:srgbClr val="E7E6E6"/>
+      </a:lt2>
+      <a:accent1>
+        <a:srgbClr val="4472C4"/>
+      </a:accent1>
+      <a:accent2>
+        <a:srgbClr val="ED7D31"/>
+      </a:accent2>
+      <a:accent3>
+        <a:srgbClr val="A5A5A5"/>
+      </a:accent3>
+      <a:accent4>
+        <a:srgbClr val="FFC000"/>
+      </a:accent4>
+      <a:accent5>
+        <a:srgbClr val="5B9BD5"/>
+      </a:accent5>
+      <a:accent6>
+        <a:srgbClr val="70AD47"/>
+      </a:accent6>
+      <a:hlink>
+        <a:srgbClr val="0563C1"/>
+      </a:hlink>
+      <a:folHlink>
+        <a:srgbClr val="954F72"/>
+      </a:folHlink>
+    </a:clrScheme>
+    <a:fontScheme name="Office">
+      <a:majorFont>
+        <a:latin typeface="等线 Light" panose="020F0302020204030204"/>
+        <a:ea typeface=""/>
+        <a:cs typeface=""/>
+        <a:font script="Jpan" typeface="游ゴシック Light"/>
+        <a:font script="Hang" typeface="맑은 고딕"/>
+        <a:font script="Hans" typeface="等线 Light"/>
+        <a:font script="Hant" typeface="新細明體"/>
+        <a:font script="Arab" typeface="Times New Roman"/>
+        <a:font script="Hebr" typeface="Times New Roman"/>
+        <a:font script="Thai" typeface="Angsana New"/>
+        <a:font script="Ethi" typeface="Nyala"/>
+        <a:font script="Beng" typeface="Vrinda"/>
+        <a:font script="Gujr" typeface="Shruti"/>
+        <a:font script="Khmr" typeface="MoolBoran"/>
+        <a:font script="Knda" typeface="Tunga"/>
+        <a:font script="Guru" typeface="Raavi"/>
+        <a:font script="Cans" typeface="Euphemia"/>
+        <a:font script="Cher" typeface="Plantagenet Cherokee"/>
+        <a:font script="Yiii" typeface="Microsoft Yi Baiti"/>
+        <a:font script="Tibt" typeface="Microsoft Himalaya"/>
+        <a:font script="Thaa" typeface="MV Boli"/>
+        <a:font script="Deva" typeface="Mangal"/>
+        <a:font script="Telu" typeface="Gautami"/>
+        <a:font script="Taml" typeface="Latha"/>
+        <a:font script="Syrc" typeface="Estrangelo Edessa"/>
+        <a:font script="Orya" typeface="Kalinga"/>
+        <a:font script="Mlym" typeface="Kartika"/>
+        <a:font script="Laoo" typeface="DokChampa"/>
+        <a:font script="Sinh" typeface="Iskoola Pota"/>
+        <a:font script="Mong" typeface="Mongolian Baiti"/>
+        <a:font script="Viet" typeface="Times New Roman"/>
+        <a:font script="Uigh" typeface="Microsoft Uighur"/>
+        <a:font script="Geor" typeface="Sylfaen"/>
+        <a:font script="Armn" typeface="Arial"/>
+        <a:font script="Bugi" typeface="Leelawadee UI"/>
+        <a:font script="Bopo" typeface="Microsoft JhengHei"/>
+        <a:font script="Java" typeface="Javanese Text"/>
+        <a:font script="Lisu" typeface="Segoe UI"/>
+        <a:font script="Mymr" typeface="Myanmar Text"/>
+        <a:font script="Nkoo" typeface="Ebrima"/>
+        <a:font script="Olck" typeface="Nirmala UI"/>
+        <a:font script="Osma" typeface="Ebrima"/>
+        <a:font script="Phag" typeface="Phagspa"/>
+        <a:font script="Syrn" typeface="Estrangelo Edessa"/>
+        <a:font script="Syrj" typeface="Estrangelo Edessa"/>
+        <a:font script="Syre" typeface="Estrangelo Edessa"/>
+        <a:font script="Sora" typeface="Nirmala UI"/>
+        <a:font script="Tale" typeface="Microsoft Tai Le"/>
+        <a:font script="Talu" typeface="Microsoft New Tai Lue"/>
+        <a:font script="Tfng" typeface="Ebrima"/>
+      </a:majorFont>
+      <a:minorFont>
+        <a:latin typeface="等线" panose="020F0502020204030204"/>
+        <a:ea typeface=""/>
+        <a:cs typeface=""/>
+        <a:font script="Jpan" typeface="游ゴシック"/>
+        <a:font script="Hang" typeface="맑은 고딕"/>
+        <a:font script="Hans" typeface="等线"/>
+        <a:font script="Hant" typeface="新細明體"/>
+        <a:font script="Arab" typeface="Arial"/>
+        <a:font script="Hebr" typeface="Arial"/>
+        <a:font script="Thai" typeface="Cordia New"/>
+        <a:font script="Ethi" typeface="Nyala"/>
+        <a:font script="Beng" typeface="Vrinda"/>
+        <a:font script="Gujr" typeface="Shruti"/>
+        <a:font script="Khmr" typeface="DaunPenh"/>
+        <a:font script="Knda" typeface="Tunga"/>
+        <a:font script="Guru" typeface="Raavi"/>
+        <a:font script="Cans" typeface="Euphemia"/>
+        <a:font script="Cher" typeface="Plantagenet Cherokee"/>
+        <a:font script="Yiii" typeface="Microsoft Yi Baiti"/>
+        <a:font script="Tibt" typeface="Microsoft Himalaya"/>
+        <a:font script="Thaa" typeface="MV Boli"/>
+        <a:font script="Deva" typeface="Mangal"/>
+        <a:font script="Telu" typeface="Gautami"/>
+        <a:font script="Taml" typeface="Latha"/>
+        <a:font script="Syrc" typeface="Estrangelo Edessa"/>
+        <a:font script="Orya" typeface="Kalinga"/>
+        <a:font script="Mlym" typeface="Kartika"/>
+        <a:font script="Laoo" typeface="DokChampa"/>
+        <a:font script="Sinh" typeface="Iskoola Pota"/>
+        <a:font script="Mong" typeface="Mongolian Baiti"/>
+        <a:font script="Viet" typeface="Arial"/>
+        <a:font script="Uigh" typeface="Microsoft Uighur"/>
+        <a:font script="Geor" typeface="Sylfaen"/>
+        <a:font script="Armn" typeface="Arial"/>
+        <a:font script="Bugi" typeface="Leelawadee UI"/>
+        <a:font script="Bopo" typeface="Microsoft JhengHei"/>
+        <a:font script="Java" typeface="Javanese Text"/>
+        <a:font script="Lisu" typeface="Segoe UI"/>
+        <a:font script="Mymr" typeface="Myanmar Text"/>
+        <a:font script="Nkoo" typeface="Ebrima"/>
+        <a:font script="Olck" typeface="Nirmala UI"/>
+        <a:font script="Osma" typeface="Ebrima"/>
+        <a:font script="Phag" typeface="Phagspa"/>
+        <a:font script="Syrn" typeface="Estrangelo Edessa"/>
+        <a:font script="Syrj" typeface="Estrangelo Edessa"/>
+        <a:font script="Syre" typeface="Estrangelo Edessa"/>
+        <a:font script="Sora" typeface="Nirmala UI"/>
+        <a:font script="Tale" typeface="Microsoft Tai Le"/>
+        <a:font script="Talu" typeface="Microsoft New Tai Lue"/>
+        <a:font script="Tfng" typeface="Ebrima"/>
+      </a:minorFont>
+    </a:fontScheme>
+    <a:fmtScheme name="Office">
+      <a:fillStyleLst>
+        <a:solidFill>
+          <a:schemeClr val="phClr"/>
+        </a:solidFill>
+        <a:gradFill rotWithShape="1">
+          <a:gsLst>
+            <a:gs pos="0">
+              <a:schemeClr val="phClr">
+                <a:lumMod val="110000"/>
+                <a:satMod val="105000"/>
+                <a:tint val="67000"/>
+              </a:schemeClr>
+            </a:gs>
+            <a:gs pos="50000">
+              <a:schemeClr val="phClr">
+                <a:lumMod val="105000"/>
+                <a:satMod val="103000"/>
+                <a:tint val="73000"/>
+              </a:schemeClr>
+            </a:gs>
+            <a:gs pos="100000">
+              <a:schemeClr val="phClr">
+                <a:lumMod val="105000"/>
+                <a:satMod val="109000"/>
+                <a:tint val="81000"/>
+              </a:schemeClr>
+            </a:gs>
+          </a:gsLst>
+          <a:lin ang="5400000" scaled="0"/>
+        </a:gradFill>
+        <a:gradFill rotWithShape="1">
+          <a:gsLst>
+            <a:gs pos="0">
+              <a:schemeClr val="phClr">
+                <a:satMod val="103000"/>
+                <a:lumMod val="102000"/>
+                <a:tint val="94000"/>
+              </a:schemeClr>
+            </a:gs>
+            <a:gs pos="50000">
+              <a:schemeClr val="phClr">
+                <a:satMod val="110000"/>
+                <a:lumMod val="100000"/>
+                <a:shade val="100000"/>
+              </a:schemeClr>
+            </a:gs>
+            <a:gs pos="100000">
+              <a:schemeClr val="phClr">
+                <a:lumMod val="99000"/>
+                <a:satMod val="120000"/>
+                <a:shade val="78000"/>
+              </a:schemeClr>
+            </a:gs>
+          </a:gsLst>
+          <a:lin ang="5400000" scaled="0"/>
+        </a:gradFill>
+      </a:fillStyleLst>
+      <a:lnStyleLst>
+        <a:ln w="6350" cap="flat" cmpd="sng" algn="ctr">
+          <a:solidFill>
+            <a:schemeClr val="phClr"/>
+          </a:solidFill>
+          <a:prstDash val="solid"/>
+          <a:miter lim="800000"/>
+        </a:ln>
+        <a:ln w="12700" cap="flat" cmpd="sng" algn="ctr">
+          <a:solidFill>
+            <a:schemeClr val="phClr"/>
+          </a:solidFill>
+          <a:prstDash val="solid"/>
+          <a:miter lim="800000"/>
+        </a:ln>
+        <a:ln w="19050" cap="flat" cmpd="sng" algn="ctr">
+          <a:solidFill>
+            <a:schemeClr val="phClr"/>
+          </a:solidFill>
+          <a:prstDash val="solid"/>
+          <a:miter lim="800000"/>
+        </a:ln>
+      </a:lnStyleLst>
+      <a:effectStyleLst>
+        <a:effectStyle>
+          <a:effectLst/>
+        </a:effectStyle>
+        <a:effectStyle>
+          <a:effectLst/>
+        </a:effectStyle>
+        <a:effectStyle>
+          <a:effectLst>
+            <a:outerShdw blurRad="57150" dist="19050" dir="5400000" algn="ctr" rotWithShape="0">
+              <a:srgbClr val="000000">
+                <a:alpha val="63000"/>
+              </a:srgbClr>
+            </a:outerShdw>
+          </a:effectLst>
+        </a:effectStyle>
+      </a:effectStyleLst>
+      <a:bgFillStyleLst>
+        <a:solidFill>
+          <a:schemeClr val="phClr"/>
+        </a:solidFill>
+        <a:solidFill>
+          <a:schemeClr val="phClr">
+            <a:tint val="95000"/>
+            <a:satMod val="170000"/>
+          </a:schemeClr>
+        </a:solidFill>
+        <a:gradFill rotWithShape="1">
+          <a:gsLst>
+            <a:gs pos="0">
+              <a:schemeClr val="phClr">
+                <a:tint val="93000"/>
+                <a:satMod val="150000"/>
+                <a:shade val="98000"/>
+                <a:lumMod val="102000"/>
+              </a:schemeClr>
+            </a:gs>
+            <a:gs pos="50000">
+              <a:schemeClr val="phClr">
+                <a:tint val="98000"/>
+                <a:satMod val="130000"/>
+                <a:shade val="90000"/>
+                <a:lumMod val="103000"/>
+              </a:schemeClr>
+            </a:gs>
+            <a:gs pos="100000">
+              <a:schemeClr val="phClr">
+                <a:shade val="63000"/>
+                <a:satMod val="120000"/>
+              </a:schemeClr>
+            </a:gs>
+          </a:gsLst>
+          <a:lin ang="5400000" scaled="0"/>
+        </a:gradFill>
+      </a:bgFillStyleLst>
+    </a:fmtScheme>
+  </a:themeElements>
+  <a:objectDefaults/>
+  <a:extraClrSchemeLst/>
+  <a:extLst>
+    <a:ext uri="{05A4C25C-085E-4340-85A3-A5531E510DB2}">
+      <thm15:themeFamily xmlns:thm15="http://schemas.microsoft.com/office/thememl/2012/main" name="Office Theme" id="{62F939B6-93AF-4DB8-9C6B-D6C7DFDC589F}" vid="{4A3C46E8-61CC-4603-A589-7422A47A8E4A}"/>
+    </a:ext>
+  </a:extLst>
+</a:theme>
+</file>
+
+<file path=ppt/theme/theme9.xml><?xml version="1.0" encoding="utf-8"?>
+<a:theme xmlns:a="http://schemas.openxmlformats.org/drawingml/2006/main" name="Office 主题​​">
+  <a:themeElements>
+    <a:clrScheme name="Office">
+      <a:dk1>
+        <a:sysClr val="windowText" lastClr="000000"/>
+      </a:dk1>
+      <a:lt1>
+        <a:sysClr val="window" lastClr="FFFFFF"/>
+      </a:lt1>
+      <a:dk2>
+        <a:srgbClr val="44546A"/>
+      </a:dk2>
+      <a:lt2>
+        <a:srgbClr val="E7E6E6"/>
+      </a:lt2>
+      <a:accent1>
+        <a:srgbClr val="4472C4"/>
+      </a:accent1>
+      <a:accent2>
+        <a:srgbClr val="ED7D31"/>
+      </a:accent2>
+      <a:accent3>
+        <a:srgbClr val="A5A5A5"/>
+      </a:accent3>
+      <a:accent4>
+        <a:srgbClr val="FFC000"/>
+      </a:accent4>
+      <a:accent5>
+        <a:srgbClr val="5B9BD5"/>
+      </a:accent5>
+      <a:accent6>
+        <a:srgbClr val="70AD47"/>
+      </a:accent6>
+      <a:hlink>
+        <a:srgbClr val="0563C1"/>
+      </a:hlink>
+      <a:folHlink>
+        <a:srgbClr val="954F72"/>
+      </a:folHlink>
+    </a:clrScheme>
+    <a:fontScheme name="Office">
+      <a:majorFont>
+        <a:latin typeface="等线 Light" panose="020F0302020204030204"/>
+        <a:ea typeface=""/>
+        <a:cs typeface=""/>
+        <a:font script="Jpan" typeface="游ゴシック Light"/>
+        <a:font script="Hang" typeface="맑은 고딕"/>
+        <a:font script="Hans" typeface="等线 Light"/>
+        <a:font script="Hant" typeface="新細明體"/>
+        <a:font script="Arab" typeface="Times New Roman"/>
+        <a:font script="Hebr" typeface="Times New Roman"/>
+        <a:font script="Thai" typeface="Angsana New"/>
+        <a:font script="Ethi" typeface="Nyala"/>
+        <a:font script="Beng" typeface="Vrinda"/>
+        <a:font script="Gujr" typeface="Shruti"/>
+        <a:font script="Khmr" typeface="MoolBoran"/>
+        <a:font script="Knda" typeface="Tunga"/>
+        <a:font script="Guru" typeface="Raavi"/>
+        <a:font script="Cans" typeface="Euphemia"/>
+        <a:font script="Cher" typeface="Plantagenet Cherokee"/>
+        <a:font script="Yiii" typeface="Microsoft Yi Baiti"/>
+        <a:font script="Tibt" typeface="Microsoft Himalaya"/>
+        <a:font script="Thaa" typeface="MV Boli"/>
+        <a:font script="Deva" typeface="Mangal"/>
+        <a:font script="Telu" typeface="Gautami"/>
+        <a:font script="Taml" typeface="Latha"/>
+        <a:font script="Syrc" typeface="Estrangelo Edessa"/>
+        <a:font script="Orya" typeface="Kalinga"/>
+        <a:font script="Mlym" typeface="Kartika"/>
+        <a:font script="Laoo" typeface="DokChampa"/>
+        <a:font script="Sinh" typeface="Iskoola Pota"/>
+        <a:font script="Mong" typeface="Mongolian Baiti"/>
+        <a:font script="Viet" typeface="Times New Roman"/>
+        <a:font script="Uigh" typeface="Microsoft Uighur"/>
+        <a:font script="Geor" typeface="Sylfaen"/>
+        <a:font script="Armn" typeface="Arial"/>
+        <a:font script="Bugi" typeface="Leelawadee UI"/>
+        <a:font script="Bopo" typeface="Microsoft JhengHei"/>
+        <a:font script="Java" typeface="Javanese Text"/>
+        <a:font script="Lisu" typeface="Segoe UI"/>
+        <a:font script="Mymr" typeface="Myanmar Text"/>
+        <a:font script="Nkoo" typeface="Ebrima"/>
+        <a:font script="Olck" typeface="Nirmala UI"/>
+        <a:font script="Osma" typeface="Ebrima"/>
+        <a:font script="Phag" typeface="Phagspa"/>
+        <a:font script="Syrn" typeface="Estrangelo Edessa"/>
+        <a:font script="Syrj" typeface="Estrangelo Edessa"/>
+        <a:font script="Syre" typeface="Estrangelo Edessa"/>
+        <a:font script="Sora" typeface="Nirmala UI"/>
+        <a:font script="Tale" typeface="Microsoft Tai Le"/>
+        <a:font script="Talu" typeface="Microsoft New Tai Lue"/>
+        <a:font script="Tfng" typeface="Ebrima"/>
+      </a:majorFont>
+      <a:minorFont>
+        <a:latin typeface="等线" panose="020F0502020204030204"/>
+        <a:ea typeface=""/>
+        <a:cs typeface=""/>
+        <a:font script="Jpan" typeface="游ゴシック"/>
+        <a:font script="Hang" typeface="맑은 고딕"/>
+        <a:font script="Hans" typeface="等线"/>
+        <a:font script="Hant" typeface="新細明體"/>
+        <a:font script="Arab" typeface="Arial"/>
+        <a:font script="Hebr" typeface="Arial"/>
+        <a:font script="Thai" typeface="Cordia New"/>
+        <a:font script="Ethi" typeface="Nyala"/>
+        <a:font script="Beng" typeface="Vrinda"/>
+        <a:font script="Gujr" typeface="Shruti"/>
+        <a:font script="Khmr" typeface="DaunPenh"/>
+        <a:font script="Knda" typeface="Tunga"/>
+        <a:font script="Guru" typeface="Raavi"/>
+        <a:font script="Cans" typeface="Euphemia"/>
+        <a:font script="Cher" typeface="Plantagenet Cherokee"/>
+        <a:font script="Yiii" typeface="Microsoft Yi Baiti"/>
+        <a:font script="Tibt" typeface="Microsoft Himalaya"/>
+        <a:font script="Thaa" typeface="MV Boli"/>
+        <a:font script="Deva" typeface="Mangal"/>
+        <a:font script="Telu" typeface="Gautami"/>
+        <a:font script="Taml" typeface="Latha"/>
+        <a:font script="Syrc" typeface="Estrangelo Edessa"/>
+        <a:font script="Orya" typeface="Kalinga"/>
+        <a:font script="Mlym" typeface="Kartika"/>
+        <a:font script="Laoo" typeface="DokChampa"/>
+        <a:font script="Sinh" typeface="Iskoola Pota"/>
+        <a:font script="Mong" typeface="Mongolian Baiti"/>
+        <a:font script="Viet" typeface="Arial"/>
+        <a:font script="Uigh" typeface="Microsoft Uighur"/>
+        <a:font script="Geor" typeface="Sylfaen"/>
+        <a:font script="Armn" typeface="Arial"/>
+        <a:font script="Bugi" typeface="Leelawadee UI"/>
+        <a:font script="Bopo" typeface="Microsoft JhengHei"/>
+        <a:font script="Java" typeface="Javanese Text"/>
+        <a:font script="Lisu" typeface="Segoe UI"/>
+        <a:font script="Mymr" typeface="Myanmar Text"/>
+        <a:font script="Nkoo" typeface="Ebrima"/>
+        <a:font script="Olck" typeface="Nirmala UI"/>
+        <a:font script="Osma" typeface="Ebrima"/>
+        <a:font script="Phag" typeface="Phagspa"/>
+        <a:font script="Syrn" typeface="Estrangelo Edessa"/>
+        <a:font script="Syrj" typeface="Estrangelo Edessa"/>
+        <a:font script="Syre" typeface="Estrangelo Edessa"/>
+        <a:font script="Sora" typeface="Nirmala UI"/>
+        <a:font script="Tale" typeface="Microsoft Tai Le"/>
+        <a:font script="Talu" typeface="Microsoft New Tai Lue"/>
+        <a:font script="Tfng" typeface="Ebrima"/>
+      </a:minorFont>
+    </a:fontScheme>
+    <a:fmtScheme name="Office">
+      <a:fillStyleLst>
+        <a:solidFill>
+          <a:schemeClr val="phClr"/>
+        </a:solidFill>
+        <a:gradFill rotWithShape="1">
+          <a:gsLst>
+            <a:gs pos="0">
+              <a:schemeClr val="phClr">
+                <a:lumMod val="110000"/>
+                <a:satMod val="105000"/>
+                <a:tint val="67000"/>
+              </a:schemeClr>
+            </a:gs>
+            <a:gs pos="50000">
+              <a:schemeClr val="phClr">
+                <a:lumMod val="105000"/>
+                <a:satMod val="103000"/>
+                <a:tint val="73000"/>
+              </a:schemeClr>
+            </a:gs>
+            <a:gs pos="100000">
+              <a:schemeClr val="phClr">
+                <a:lumMod val="105000"/>
+                <a:satMod val="109000"/>
+                <a:tint val="81000"/>
+              </a:schemeClr>
+            </a:gs>
+          </a:gsLst>
+          <a:lin ang="5400000" scaled="0"/>
+        </a:gradFill>
+        <a:gradFill rotWithShape="1">
+          <a:gsLst>
+            <a:gs pos="0">
+              <a:schemeClr val="phClr">
+                <a:satMod val="103000"/>
+                <a:lumMod val="102000"/>
+                <a:tint val="94000"/>
+              </a:schemeClr>
+            </a:gs>
+            <a:gs pos="50000">
+              <a:schemeClr val="phClr">
+                <a:satMod val="110000"/>
+                <a:lumMod val="100000"/>
+                <a:shade val="100000"/>
+              </a:schemeClr>
+            </a:gs>
+            <a:gs pos="100000">
+              <a:schemeClr val="phClr">
+                <a:lumMod val="99000"/>
+                <a:satMod val="120000"/>
+                <a:shade val="78000"/>
+              </a:schemeClr>
+            </a:gs>
+          </a:gsLst>
+          <a:lin ang="5400000" scaled="0"/>
+        </a:gradFill>
+      </a:fillStyleLst>
+      <a:lnStyleLst>
+        <a:ln w="6350" cap="flat" cmpd="sng" algn="ctr">
+          <a:solidFill>
+            <a:schemeClr val="phClr"/>
+          </a:solidFill>
+          <a:prstDash val="solid"/>
+          <a:miter lim="800000"/>
+        </a:ln>
+        <a:ln w="12700" cap="flat" cmpd="sng" algn="ctr">
+          <a:solidFill>
+            <a:schemeClr val="phClr"/>
+          </a:solidFill>
+          <a:prstDash val="solid"/>
+          <a:miter lim="800000"/>
+        </a:ln>
+        <a:ln w="19050" cap="flat" cmpd="sng" algn="ctr">
+          <a:solidFill>
+            <a:schemeClr val="phClr"/>
+          </a:solidFill>
+          <a:prstDash val="solid"/>
+          <a:miter lim="800000"/>
+        </a:ln>
+      </a:lnStyleLst>
+      <a:effectStyleLst>
+        <a:effectStyle>
+          <a:effectLst/>
+        </a:effectStyle>
+        <a:effectStyle>
+          <a:effectLst/>
+        </a:effectStyle>
+        <a:effectStyle>
+          <a:effectLst>
+            <a:outerShdw blurRad="57150" dist="19050" dir="5400000" algn="ctr" rotWithShape="0">
+              <a:srgbClr val="000000">
+                <a:alpha val="63000"/>
+              </a:srgbClr>
+            </a:outerShdw>
+          </a:effectLst>
+        </a:effectStyle>
+      </a:effectStyleLst>
+      <a:bgFillStyleLst>
+        <a:solidFill>
+          <a:schemeClr val="phClr"/>
+        </a:solidFill>
+        <a:solidFill>
+          <a:schemeClr val="phClr">
+            <a:tint val="95000"/>
+            <a:satMod val="170000"/>
+          </a:schemeClr>
+        </a:solidFill>
+        <a:gradFill rotWithShape="1">
+          <a:gsLst>
+            <a:gs pos="0">
+              <a:schemeClr val="phClr">
+                <a:tint val="93000"/>
+                <a:satMod val="150000"/>
+                <a:shade val="98000"/>
+                <a:lumMod val="102000"/>
+              </a:schemeClr>
+            </a:gs>
+            <a:gs pos="50000">
+              <a:schemeClr val="phClr">
+                <a:tint val="98000"/>
+                <a:satMod val="130000"/>
+                <a:shade val="90000"/>
+                <a:lumMod val="103000"/>
+              </a:schemeClr>
+            </a:gs>
+            <a:gs pos="100000">
+              <a:schemeClr val="phClr">
+                <a:shade val="63000"/>
+                <a:satMod val="120000"/>
+              </a:schemeClr>
+            </a:gs>
+          </a:gsLst>
+          <a:lin ang="5400000" scaled="0"/>
+        </a:gradFill>
+      </a:bgFillStyleLst>
+    </a:fmtScheme>
+  </a:themeElements>
+  <a:objectDefaults/>
+  <a:extraClrSchemeLst/>
+  <a:extLst>
+    <a:ext uri="{05A4C25C-085E-4340-85A3-A5531E510DB2}">
+      <thm15:themeFamily xmlns:thm15="http://schemas.microsoft.com/office/thememl/2012/main" name="Office Theme" id="{62F939B6-93AF-4DB8-9C6B-D6C7DFDC589F}" vid="{4A3C46E8-61CC-4603-A589-7422A47A8E4A}"/>
+    </a:ext>
+  </a:extLst>
+</a:theme>
 </file>